--- a/Node.js/OpenSlava 2013 - Node.js.pptx
+++ b/Node.js/OpenSlava 2013 - Node.js.pptx
@@ -5,10 +5,10 @@
     <p:sldMasterId id="2147483648" r:id="rId4"/>
   </p:sldMasterIdLst>
   <p:notesMasterIdLst>
-    <p:notesMasterId r:id="rId40"/>
+    <p:notesMasterId r:id="rId43"/>
   </p:notesMasterIdLst>
   <p:handoutMasterIdLst>
-    <p:handoutMasterId r:id="rId41"/>
+    <p:handoutMasterId r:id="rId44"/>
   </p:handoutMasterIdLst>
   <p:sldIdLst>
     <p:sldId id="313" r:id="rId5"/>
@@ -19,38 +19,41 @@
     <p:sldId id="354" r:id="rId10"/>
     <p:sldId id="316" r:id="rId11"/>
     <p:sldId id="346" r:id="rId12"/>
-    <p:sldId id="347" r:id="rId13"/>
-    <p:sldId id="318" r:id="rId14"/>
-    <p:sldId id="319" r:id="rId15"/>
-    <p:sldId id="339" r:id="rId16"/>
-    <p:sldId id="320" r:id="rId17"/>
-    <p:sldId id="348" r:id="rId18"/>
-    <p:sldId id="327" r:id="rId19"/>
-    <p:sldId id="328" r:id="rId20"/>
-    <p:sldId id="344" r:id="rId21"/>
-    <p:sldId id="326" r:id="rId22"/>
-    <p:sldId id="329" r:id="rId23"/>
-    <p:sldId id="342" r:id="rId24"/>
-    <p:sldId id="343" r:id="rId25"/>
-    <p:sldId id="330" r:id="rId26"/>
-    <p:sldId id="331" r:id="rId27"/>
-    <p:sldId id="352" r:id="rId28"/>
-    <p:sldId id="332" r:id="rId29"/>
-    <p:sldId id="337" r:id="rId30"/>
-    <p:sldId id="338" r:id="rId31"/>
-    <p:sldId id="334" r:id="rId32"/>
-    <p:sldId id="336" r:id="rId33"/>
-    <p:sldId id="324" r:id="rId34"/>
-    <p:sldId id="322" r:id="rId35"/>
-    <p:sldId id="335" r:id="rId36"/>
-    <p:sldId id="340" r:id="rId37"/>
-    <p:sldId id="341" r:id="rId38"/>
-    <p:sldId id="353" r:id="rId39"/>
+    <p:sldId id="355" r:id="rId13"/>
+    <p:sldId id="347" r:id="rId14"/>
+    <p:sldId id="357" r:id="rId15"/>
+    <p:sldId id="356" r:id="rId16"/>
+    <p:sldId id="318" r:id="rId17"/>
+    <p:sldId id="319" r:id="rId18"/>
+    <p:sldId id="339" r:id="rId19"/>
+    <p:sldId id="320" r:id="rId20"/>
+    <p:sldId id="348" r:id="rId21"/>
+    <p:sldId id="327" r:id="rId22"/>
+    <p:sldId id="328" r:id="rId23"/>
+    <p:sldId id="344" r:id="rId24"/>
+    <p:sldId id="326" r:id="rId25"/>
+    <p:sldId id="329" r:id="rId26"/>
+    <p:sldId id="342" r:id="rId27"/>
+    <p:sldId id="343" r:id="rId28"/>
+    <p:sldId id="330" r:id="rId29"/>
+    <p:sldId id="331" r:id="rId30"/>
+    <p:sldId id="352" r:id="rId31"/>
+    <p:sldId id="332" r:id="rId32"/>
+    <p:sldId id="337" r:id="rId33"/>
+    <p:sldId id="338" r:id="rId34"/>
+    <p:sldId id="334" r:id="rId35"/>
+    <p:sldId id="336" r:id="rId36"/>
+    <p:sldId id="324" r:id="rId37"/>
+    <p:sldId id="322" r:id="rId38"/>
+    <p:sldId id="335" r:id="rId39"/>
+    <p:sldId id="340" r:id="rId40"/>
+    <p:sldId id="341" r:id="rId41"/>
+    <p:sldId id="353" r:id="rId42"/>
   </p:sldIdLst>
   <p:sldSz cx="9144000" cy="6858000" type="screen4x3"/>
   <p:notesSz cx="6858000" cy="9144000"/>
   <p:custDataLst>
-    <p:tags r:id="rId42"/>
+    <p:tags r:id="rId45"/>
   </p:custDataLst>
   <p:defaultTextStyle>
     <a:defPPr>
@@ -1182,8 +1185,8 @@
     <dgm:cxn modelId="{588F51E0-5009-448F-BA0D-F89DC727868E}" type="presOf" srcId="{3ADC92D8-3F65-4F46-B671-37CF9261432B}" destId="{3B687107-6624-4F8B-9528-770FC918F551}" srcOrd="0" destOrd="0" presId="urn:microsoft.com/office/officeart/2005/8/layout/cycle1"/>
     <dgm:cxn modelId="{DDE413CE-FE2E-4602-B57F-130A3185BDB9}" srcId="{307952C8-0ECC-46F4-B3E7-F2CA0E23DE47}" destId="{3ADC92D8-3F65-4F46-B671-37CF9261432B}" srcOrd="0" destOrd="0" parTransId="{85813D60-CCA8-4837-B04B-3AFA62B17723}" sibTransId="{38A98270-6F23-4248-8468-E5D618A9FB02}"/>
     <dgm:cxn modelId="{508B9A62-225C-425B-82EF-1CBBE35FF602}" type="presOf" srcId="{517FDB5F-0418-4A9E-9B39-A626A4758DBA}" destId="{79B9B0B1-ACD3-45F7-951D-ADEBBC0D7A7E}" srcOrd="0" destOrd="0" presId="urn:microsoft.com/office/officeart/2005/8/layout/cycle1"/>
+    <dgm:cxn modelId="{833C60D5-B837-4C76-9FC2-5361B0A849B2}" srcId="{307952C8-0ECC-46F4-B3E7-F2CA0E23DE47}" destId="{517FDB5F-0418-4A9E-9B39-A626A4758DBA}" srcOrd="1" destOrd="0" parTransId="{0B0CA162-4EBB-4456-8E4C-A59F51B566C3}" sibTransId="{9B702E07-40E2-4AA9-BBFB-01F33632DE81}"/>
     <dgm:cxn modelId="{02A6A0E7-3DD3-4198-AAA9-3BC8F57A5284}" type="presOf" srcId="{307952C8-0ECC-46F4-B3E7-F2CA0E23DE47}" destId="{35CB2FD3-5C44-48AB-83AB-746AD094D010}" srcOrd="0" destOrd="0" presId="urn:microsoft.com/office/officeart/2005/8/layout/cycle1"/>
-    <dgm:cxn modelId="{833C60D5-B837-4C76-9FC2-5361B0A849B2}" srcId="{307952C8-0ECC-46F4-B3E7-F2CA0E23DE47}" destId="{517FDB5F-0418-4A9E-9B39-A626A4758DBA}" srcOrd="1" destOrd="0" parTransId="{0B0CA162-4EBB-4456-8E4C-A59F51B566C3}" sibTransId="{9B702E07-40E2-4AA9-BBFB-01F33632DE81}"/>
     <dgm:cxn modelId="{4B44D14C-5AA1-4EE5-8477-F408874F5D7C}" type="presOf" srcId="{9B702E07-40E2-4AA9-BBFB-01F33632DE81}" destId="{236BD856-A38F-4465-9755-D5A59C79162D}" srcOrd="0" destOrd="0" presId="urn:microsoft.com/office/officeart/2005/8/layout/cycle1"/>
     <dgm:cxn modelId="{B1B89E80-0FA3-45B1-ABC4-6392A4FF1C0E}" type="presParOf" srcId="{35CB2FD3-5C44-48AB-83AB-746AD094D010}" destId="{9EAA452A-27A4-4809-8FC6-EE240DCADEEC}" srcOrd="0" destOrd="0" presId="urn:microsoft.com/office/officeart/2005/8/layout/cycle1"/>
     <dgm:cxn modelId="{5E58ECFD-B097-4133-AFB7-D14EA8EF3BC4}" type="presParOf" srcId="{35CB2FD3-5C44-48AB-83AB-746AD094D010}" destId="{3B687107-6624-4F8B-9528-770FC918F551}" srcOrd="1" destOrd="0" presId="urn:microsoft.com/office/officeart/2005/8/layout/cycle1"/>
@@ -2771,7 +2774,7 @@
             <a:fld id="{BD8FA3CA-5725-4BA7-A851-72A62AC5A8EE}" type="datetimeFigureOut">
               <a:rPr lang="en-CA" smtClean="0"/>
               <a:pPr/>
-              <a:t>14/09/2013</a:t>
+              <a:t>24/09/2013</a:t>
             </a:fld>
             <a:endParaRPr lang="en-CA"/>
           </a:p>
@@ -2938,7 +2941,7 @@
             <a:fld id="{C3B58700-9FA2-48CE-AC88-D71D45EB490A}" type="datetimeFigureOut">
               <a:rPr lang="en-US" smtClean="0"/>
               <a:pPr/>
-              <a:t>9/14/2013</a:t>
+              <a:t>9/24/2013</a:t>
             </a:fld>
             <a:endParaRPr lang="en-US"/>
           </a:p>
@@ -3337,61 +3340,28 @@
           <a:lstStyle/>
           <a:p>
             <a:r>
-              <a:rPr lang="en-US" i="1" dirty="0" smtClean="0"/>
-              <a:t>Note: Diagram inspired from</a:t>
-            </a:r>
-            <a:r>
-              <a:rPr lang="en-US" i="1" baseline="0" dirty="0" smtClean="0"/>
+              <a:rPr lang="es-ES_tradnl" dirty="0" err="1" smtClean="0"/>
+              <a:t>Image</a:t>
+            </a:r>
+            <a:r>
+              <a:rPr lang="es-ES_tradnl" dirty="0" smtClean="0"/>
               <a:t> </a:t>
             </a:r>
             <a:r>
-              <a:rPr lang="en-US" i="1" dirty="0" smtClean="0"/>
-              <a:t>http://</a:t>
-            </a:r>
-            <a:r>
-              <a:rPr lang="en-US" i="1" dirty="0" err="1" smtClean="0"/>
-              <a:t>www.slideshare.net</a:t>
-            </a:r>
-            <a:r>
-              <a:rPr lang="en-US" i="1" dirty="0" smtClean="0"/>
-              <a:t>/BenLin2/</a:t>
-            </a:r>
-            <a:r>
-              <a:rPr lang="en-US" i="1" dirty="0" err="1" smtClean="0"/>
-              <a:t>webconf-nodejsproductionarchitecture</a:t>
-            </a:r>
-            <a:endParaRPr lang="en-US" i="1" dirty="0" smtClean="0"/>
-          </a:p>
-          <a:p>
-            <a:endParaRPr lang="en-US" dirty="0" smtClean="0"/>
-          </a:p>
-          <a:p>
-            <a:r>
-              <a:rPr lang="en-US" dirty="0" err="1" smtClean="0"/>
-              <a:t>Node.js</a:t>
-            </a:r>
-            <a:r>
-              <a:rPr lang="en-US" baseline="0" dirty="0" smtClean="0"/>
-              <a:t> processes are single threaded so scalability within the same server is dependent on the number of node processes that we run.</a:t>
-            </a:r>
-          </a:p>
-          <a:p>
-            <a:r>
-              <a:rPr lang="en-US" baseline="0" dirty="0" smtClean="0"/>
-              <a:t>In order to load balance the load within the same server, we can use a traditional load balancer running locally.</a:t>
-            </a:r>
-          </a:p>
-          <a:p>
-            <a:r>
-              <a:rPr lang="en-US" baseline="0" dirty="0" smtClean="0"/>
-              <a:t>The next step is to scale multiple servers, for which we need an additional load balanced layer on top of the local instances.</a:t>
-            </a:r>
-          </a:p>
-          <a:p>
-            <a:r>
-              <a:rPr lang="en-US" baseline="0" dirty="0" smtClean="0"/>
-              <a:t>Database/storage tier can be scaled according to the type of solution in use.</a:t>
-            </a:r>
+              <a:rPr lang="es-ES_tradnl" dirty="0" err="1" smtClean="0"/>
+              <a:t>credit</a:t>
+            </a:r>
+            <a:r>
+              <a:rPr lang="es-ES_tradnl" dirty="0" smtClean="0"/>
+              <a:t>: </a:t>
+            </a:r>
+            <a:r>
+              <a:rPr lang="en-US" smtClean="0">
+                <a:hlinkClick r:id="rId3"/>
+              </a:rPr>
+              <a:t>http://www.allmystery.de/i/bk33NhA_ayZYgl_USS_Enterprise_NCC_1701_A_by_cb93.jpg</a:t>
+            </a:r>
+            <a:endParaRPr lang="en-US" dirty="0"/>
           </a:p>
         </p:txBody>
       </p:sp>
@@ -3413,7 +3383,7 @@
             <a:fld id="{FE9BC4E5-2BC1-4F43-85DD-A1B8F74CB7EB}" type="slidenum">
               <a:rPr lang="en-US" smtClean="0"/>
               <a:pPr/>
-              <a:t>24</a:t>
+              <a:t>25</a:t>
             </a:fld>
             <a:endParaRPr lang="en-US"/>
           </a:p>
@@ -3422,7 +3392,7 @@
     </p:spTree>
     <p:extLst>
       <p:ext uri="{BB962C8B-B14F-4D97-AF65-F5344CB8AC3E}">
-        <p14:creationId xmlns:p14="http://schemas.microsoft.com/office/powerpoint/2010/main" val="3767741703"/>
+        <p14:creationId xmlns:p14="http://schemas.microsoft.com/office/powerpoint/2010/main" val="1270053310"/>
       </p:ext>
     </p:extLst>
   </p:cSld>
@@ -3476,6 +3446,26 @@
           <a:bodyPr/>
           <a:lstStyle/>
           <a:p>
+            <a:r>
+              <a:rPr lang="en-US" dirty="0" smtClean="0"/>
+              <a:t>https://</a:t>
+            </a:r>
+            <a:r>
+              <a:rPr lang="en-US" dirty="0" err="1" smtClean="0"/>
+              <a:t>groups.google.com</a:t>
+            </a:r>
+            <a:r>
+              <a:rPr lang="en-US" dirty="0" smtClean="0"/>
+              <a:t>/d/topic/</a:t>
+            </a:r>
+            <a:r>
+              <a:rPr lang="en-US" dirty="0" err="1" smtClean="0"/>
+              <a:t>nodejs</a:t>
+            </a:r>
+            <a:r>
+              <a:rPr lang="en-US" dirty="0" smtClean="0"/>
+              <a:t>/9afurRCTlOc/discussion</a:t>
+            </a:r>
             <a:endParaRPr lang="en-US" dirty="0"/>
           </a:p>
         </p:txBody>
@@ -3507,7 +3497,7 @@
     </p:spTree>
     <p:extLst>
       <p:ext uri="{BB962C8B-B14F-4D97-AF65-F5344CB8AC3E}">
-        <p14:creationId xmlns:p14="http://schemas.microsoft.com/office/powerpoint/2010/main" val="963043956"/>
+        <p14:creationId xmlns:p14="http://schemas.microsoft.com/office/powerpoint/2010/main" val="2643652491"/>
       </p:ext>
     </p:extLst>
   </p:cSld>
@@ -3562,45 +3552,61 @@
           <a:lstStyle/>
           <a:p>
             <a:r>
-              <a:rPr lang="es-ES_tradnl" dirty="0" err="1" smtClean="0"/>
-              <a:t>Image</a:t>
-            </a:r>
-            <a:r>
-              <a:rPr lang="es-ES_tradnl" dirty="0" smtClean="0"/>
+              <a:rPr lang="en-US" i="1" dirty="0" smtClean="0"/>
+              <a:t>Note: Diagram inspired from</a:t>
+            </a:r>
+            <a:r>
+              <a:rPr lang="en-US" i="1" baseline="0" dirty="0" smtClean="0"/>
               <a:t> </a:t>
             </a:r>
             <a:r>
-              <a:rPr lang="es-ES_tradnl" dirty="0" err="1" smtClean="0"/>
-              <a:t>source</a:t>
-            </a:r>
-            <a:r>
-              <a:rPr lang="es-ES_tradnl" dirty="0" smtClean="0"/>
-              <a:t>: </a:t>
-            </a:r>
-            <a:r>
-              <a:rPr lang="en-US" dirty="0" smtClean="0">
-                <a:hlinkClick r:id="rId3"/>
-              </a:rPr>
-              <a:t>http://drtom.ch/talks/2012/06/jazoon/images/tip_of_the_iceberg.jpg</a:t>
-            </a:r>
+              <a:rPr lang="en-US" i="1" dirty="0" smtClean="0"/>
+              <a:t>http://</a:t>
+            </a:r>
+            <a:r>
+              <a:rPr lang="en-US" i="1" dirty="0" err="1" smtClean="0"/>
+              <a:t>www.slideshare.net</a:t>
+            </a:r>
+            <a:r>
+              <a:rPr lang="en-US" i="1" dirty="0" smtClean="0"/>
+              <a:t>/BenLin2/</a:t>
+            </a:r>
+            <a:r>
+              <a:rPr lang="en-US" i="1" dirty="0" err="1" smtClean="0"/>
+              <a:t>webconf-nodejsproductionarchitecture</a:t>
+            </a:r>
+            <a:endParaRPr lang="en-US" i="1" dirty="0" smtClean="0"/>
+          </a:p>
+          <a:p>
             <a:endParaRPr lang="en-US" dirty="0" smtClean="0"/>
           </a:p>
           <a:p>
             <a:r>
-              <a:rPr lang="es-ES_tradnl" dirty="0" smtClean="0"/>
-              <a:t>Original idea:</a:t>
-            </a:r>
-            <a:r>
-              <a:rPr lang="es-ES_tradnl" baseline="0" dirty="0" smtClean="0"/>
-              <a:t> </a:t>
-            </a:r>
-            <a:r>
-              <a:rPr lang="en-US" dirty="0" smtClean="0">
-                <a:hlinkClick r:id="rId4"/>
-              </a:rPr>
-              <a:t>https://speakerdeck.com/anguscroll/the-politics-of-javascript</a:t>
-            </a:r>
-            <a:endParaRPr lang="en-US" dirty="0"/>
+              <a:rPr lang="en-US" dirty="0" err="1" smtClean="0"/>
+              <a:t>Node.js</a:t>
+            </a:r>
+            <a:r>
+              <a:rPr lang="en-US" baseline="0" dirty="0" smtClean="0"/>
+              <a:t> processes are single threaded so scalability within the same server is dependent on the number of node processes that we run.</a:t>
+            </a:r>
+          </a:p>
+          <a:p>
+            <a:r>
+              <a:rPr lang="en-US" baseline="0" dirty="0" smtClean="0"/>
+              <a:t>In order to load balance the load within the same server, we can use a traditional load balancer running locally.</a:t>
+            </a:r>
+          </a:p>
+          <a:p>
+            <a:r>
+              <a:rPr lang="en-US" baseline="0" dirty="0" smtClean="0"/>
+              <a:t>The next step is to scale multiple servers, for which we need an additional load balanced layer on top of the local instances.</a:t>
+            </a:r>
+          </a:p>
+          <a:p>
+            <a:r>
+              <a:rPr lang="en-US" baseline="0" dirty="0" smtClean="0"/>
+              <a:t>Database/storage tier can be scaled according to the type of solution in use.</a:t>
+            </a:r>
           </a:p>
         </p:txBody>
       </p:sp>
@@ -3622,7 +3628,7 @@
             <a:fld id="{FE9BC4E5-2BC1-4F43-85DD-A1B8F74CB7EB}" type="slidenum">
               <a:rPr lang="en-US" smtClean="0"/>
               <a:pPr/>
-              <a:t>28</a:t>
+              <a:t>27</a:t>
             </a:fld>
             <a:endParaRPr lang="en-US"/>
           </a:p>
@@ -3631,7 +3637,7 @@
     </p:spTree>
     <p:extLst>
       <p:ext uri="{BB962C8B-B14F-4D97-AF65-F5344CB8AC3E}">
-        <p14:creationId xmlns:p14="http://schemas.microsoft.com/office/powerpoint/2010/main" val="66071420"/>
+        <p14:creationId xmlns:p14="http://schemas.microsoft.com/office/powerpoint/2010/main" val="3767741703"/>
       </p:ext>
     </p:extLst>
   </p:cSld>
@@ -3685,94 +3691,7 @@
           <a:bodyPr/>
           <a:lstStyle/>
           <a:p>
-            <a:r>
-              <a:rPr lang="es-ES_tradnl" dirty="0" err="1" smtClean="0"/>
-              <a:t>Grunt</a:t>
-            </a:r>
-            <a:r>
-              <a:rPr lang="es-ES_tradnl" dirty="0" smtClean="0"/>
-              <a:t> = </a:t>
-            </a:r>
-            <a:r>
-              <a:rPr lang="es-ES_tradnl" dirty="0" err="1" smtClean="0"/>
-              <a:t>Ant</a:t>
-            </a:r>
-            <a:endParaRPr lang="en-US" dirty="0" smtClean="0"/>
-          </a:p>
-          <a:p>
-            <a:r>
-              <a:rPr lang="es-ES_tradnl" dirty="0" err="1" smtClean="0"/>
-              <a:t>Yeoman</a:t>
-            </a:r>
-            <a:r>
-              <a:rPr lang="es-ES_tradnl" baseline="0" dirty="0" smtClean="0"/>
-              <a:t> = </a:t>
-            </a:r>
-            <a:r>
-              <a:rPr lang="es-ES_tradnl" baseline="0" dirty="0" err="1" smtClean="0"/>
-              <a:t>Maven</a:t>
-            </a:r>
-            <a:r>
-              <a:rPr lang="es-ES_tradnl" baseline="0" dirty="0" smtClean="0"/>
-              <a:t>, </a:t>
-            </a:r>
-            <a:r>
-              <a:rPr lang="es-ES_tradnl" baseline="0" dirty="0" err="1" smtClean="0"/>
-              <a:t>some</a:t>
-            </a:r>
-            <a:r>
-              <a:rPr lang="es-ES_tradnl" baseline="0" dirty="0" smtClean="0"/>
-              <a:t> </a:t>
-            </a:r>
-            <a:r>
-              <a:rPr lang="es-ES_tradnl" baseline="0" dirty="0" err="1" smtClean="0"/>
-              <a:t>parts</a:t>
-            </a:r>
-            <a:r>
-              <a:rPr lang="es-ES_tradnl" baseline="0" dirty="0" smtClean="0"/>
-              <a:t> of </a:t>
-            </a:r>
-            <a:r>
-              <a:rPr lang="es-ES_tradnl" baseline="0" dirty="0" err="1" smtClean="0"/>
-              <a:t>it</a:t>
-            </a:r>
-            <a:r>
-              <a:rPr lang="es-ES_tradnl" baseline="0" dirty="0" smtClean="0"/>
-              <a:t> </a:t>
-            </a:r>
-            <a:r>
-              <a:rPr lang="es-ES_tradnl" baseline="0" dirty="0" err="1" smtClean="0"/>
-              <a:t>including</a:t>
-            </a:r>
-            <a:r>
-              <a:rPr lang="es-ES_tradnl" baseline="0" dirty="0" smtClean="0"/>
-              <a:t> </a:t>
-            </a:r>
-            <a:r>
-              <a:rPr lang="es-ES_tradnl" baseline="0" dirty="0" err="1" smtClean="0"/>
-              <a:t>archetypes</a:t>
-            </a:r>
-            <a:r>
-              <a:rPr lang="es-ES_tradnl" baseline="0" dirty="0" smtClean="0"/>
-              <a:t> (“</a:t>
-            </a:r>
-            <a:r>
-              <a:rPr lang="es-ES_tradnl" baseline="0" dirty="0" err="1" smtClean="0"/>
-              <a:t>generators</a:t>
-            </a:r>
-            <a:r>
-              <a:rPr lang="es-ES_tradnl" baseline="0" dirty="0" smtClean="0"/>
-              <a:t>” in </a:t>
-            </a:r>
-            <a:r>
-              <a:rPr lang="es-ES_tradnl" baseline="0" dirty="0" err="1" smtClean="0"/>
-              <a:t>Yeomanese</a:t>
-            </a:r>
-            <a:r>
-              <a:rPr lang="es-ES_tradnl" baseline="0" dirty="0" smtClean="0"/>
-              <a:t>)</a:t>
-            </a:r>
-            <a:endParaRPr lang="es-ES_tradnl" dirty="0" smtClean="0"/>
+            <a:endParaRPr lang="en-US" dirty="0"/>
           </a:p>
         </p:txBody>
       </p:sp>
@@ -3794,7 +3713,7 @@
             <a:fld id="{FE9BC4E5-2BC1-4F43-85DD-A1B8F74CB7EB}" type="slidenum">
               <a:rPr lang="en-US" smtClean="0"/>
               <a:pPr/>
-              <a:t>30</a:t>
+              <a:t>29</a:t>
             </a:fld>
             <a:endParaRPr lang="en-US"/>
           </a:p>
@@ -3803,7 +3722,7 @@
     </p:spTree>
     <p:extLst>
       <p:ext uri="{BB962C8B-B14F-4D97-AF65-F5344CB8AC3E}">
-        <p14:creationId xmlns:p14="http://schemas.microsoft.com/office/powerpoint/2010/main" val="2219446412"/>
+        <p14:creationId xmlns:p14="http://schemas.microsoft.com/office/powerpoint/2010/main" val="963043956"/>
       </p:ext>
     </p:extLst>
   </p:cSld>
@@ -3857,6 +3776,302 @@
           <a:bodyPr/>
           <a:lstStyle/>
           <a:p>
+            <a:r>
+              <a:rPr lang="es-ES_tradnl" dirty="0" err="1" smtClean="0"/>
+              <a:t>Image</a:t>
+            </a:r>
+            <a:r>
+              <a:rPr lang="es-ES_tradnl" dirty="0" smtClean="0"/>
+              <a:t> </a:t>
+            </a:r>
+            <a:r>
+              <a:rPr lang="es-ES_tradnl" dirty="0" err="1" smtClean="0"/>
+              <a:t>source</a:t>
+            </a:r>
+            <a:r>
+              <a:rPr lang="es-ES_tradnl" dirty="0" smtClean="0"/>
+              <a:t>: </a:t>
+            </a:r>
+            <a:r>
+              <a:rPr lang="en-US" dirty="0" smtClean="0">
+                <a:hlinkClick r:id="rId3"/>
+              </a:rPr>
+              <a:t>http://drtom.ch/talks/2012/06/jazoon/images/tip_of_the_iceberg.jpg</a:t>
+            </a:r>
+            <a:endParaRPr lang="en-US" dirty="0" smtClean="0"/>
+          </a:p>
+          <a:p>
+            <a:r>
+              <a:rPr lang="es-ES_tradnl" dirty="0" smtClean="0"/>
+              <a:t>Original idea:</a:t>
+            </a:r>
+            <a:r>
+              <a:rPr lang="es-ES_tradnl" baseline="0" dirty="0" smtClean="0"/>
+              <a:t> </a:t>
+            </a:r>
+            <a:r>
+              <a:rPr lang="en-US" dirty="0" smtClean="0">
+                <a:hlinkClick r:id="rId4"/>
+              </a:rPr>
+              <a:t>https://speakerdeck.com/anguscroll/the-politics-of-javascript</a:t>
+            </a:r>
+            <a:endParaRPr lang="en-US" dirty="0"/>
+          </a:p>
+        </p:txBody>
+      </p:sp>
+      <p:sp>
+        <p:nvSpPr>
+          <p:cNvPr id="4" name="Slide Number Placeholder 3"/>
+          <p:cNvSpPr>
+            <a:spLocks noGrp="1"/>
+          </p:cNvSpPr>
+          <p:nvPr>
+            <p:ph type="sldNum" sz="quarter" idx="10"/>
+          </p:nvPr>
+        </p:nvSpPr>
+        <p:spPr/>
+        <p:txBody>
+          <a:bodyPr/>
+          <a:lstStyle/>
+          <a:p>
+            <a:fld id="{FE9BC4E5-2BC1-4F43-85DD-A1B8F74CB7EB}" type="slidenum">
+              <a:rPr lang="en-US" smtClean="0"/>
+              <a:pPr/>
+              <a:t>31</a:t>
+            </a:fld>
+            <a:endParaRPr lang="en-US"/>
+          </a:p>
+        </p:txBody>
+      </p:sp>
+    </p:spTree>
+    <p:extLst>
+      <p:ext uri="{BB962C8B-B14F-4D97-AF65-F5344CB8AC3E}">
+        <p14:creationId xmlns:p14="http://schemas.microsoft.com/office/powerpoint/2010/main" val="66071420"/>
+      </p:ext>
+    </p:extLst>
+  </p:cSld>
+  <p:clrMapOvr>
+    <a:masterClrMapping/>
+  </p:clrMapOvr>
+</p:notes>
+</file>
+
+<file path=ppt/notesSlides/notesSlide15.xml><?xml version="1.0" encoding="utf-8"?>
+<p:notes xmlns:a="http://schemas.openxmlformats.org/drawingml/2006/main" xmlns:r="http://schemas.openxmlformats.org/officeDocument/2006/relationships" xmlns:p="http://schemas.openxmlformats.org/presentationml/2006/main">
+  <p:cSld>
+    <p:spTree>
+      <p:nvGrpSpPr>
+        <p:cNvPr id="1" name=""/>
+        <p:cNvGrpSpPr/>
+        <p:nvPr/>
+      </p:nvGrpSpPr>
+      <p:grpSpPr>
+        <a:xfrm>
+          <a:off x="0" y="0"/>
+          <a:ext cx="0" cy="0"/>
+          <a:chOff x="0" y="0"/>
+          <a:chExt cx="0" cy="0"/>
+        </a:xfrm>
+      </p:grpSpPr>
+      <p:sp>
+        <p:nvSpPr>
+          <p:cNvPr id="2" name="Slide Image Placeholder 1"/>
+          <p:cNvSpPr>
+            <a:spLocks noGrp="1" noRot="1" noChangeAspect="1"/>
+          </p:cNvSpPr>
+          <p:nvPr>
+            <p:ph type="sldImg"/>
+          </p:nvPr>
+        </p:nvSpPr>
+        <p:spPr/>
+      </p:sp>
+      <p:sp>
+        <p:nvSpPr>
+          <p:cNvPr id="3" name="Notes Placeholder 2"/>
+          <p:cNvSpPr>
+            <a:spLocks noGrp="1"/>
+          </p:cNvSpPr>
+          <p:nvPr>
+            <p:ph type="body" idx="1"/>
+          </p:nvPr>
+        </p:nvSpPr>
+        <p:spPr/>
+        <p:txBody>
+          <a:bodyPr/>
+          <a:lstStyle/>
+          <a:p>
+            <a:r>
+              <a:rPr lang="es-ES_tradnl" dirty="0" err="1" smtClean="0"/>
+              <a:t>Grunt</a:t>
+            </a:r>
+            <a:r>
+              <a:rPr lang="es-ES_tradnl" dirty="0" smtClean="0"/>
+              <a:t> = </a:t>
+            </a:r>
+            <a:r>
+              <a:rPr lang="es-ES_tradnl" dirty="0" err="1" smtClean="0"/>
+              <a:t>Ant</a:t>
+            </a:r>
+            <a:endParaRPr lang="en-US" dirty="0" smtClean="0"/>
+          </a:p>
+          <a:p>
+            <a:r>
+              <a:rPr lang="es-ES_tradnl" dirty="0" err="1" smtClean="0"/>
+              <a:t>Yeoman</a:t>
+            </a:r>
+            <a:r>
+              <a:rPr lang="es-ES_tradnl" baseline="0" dirty="0" smtClean="0"/>
+              <a:t> = </a:t>
+            </a:r>
+            <a:r>
+              <a:rPr lang="es-ES_tradnl" baseline="0" dirty="0" err="1" smtClean="0"/>
+              <a:t>Maven</a:t>
+            </a:r>
+            <a:r>
+              <a:rPr lang="es-ES_tradnl" baseline="0" dirty="0" smtClean="0"/>
+              <a:t>, </a:t>
+            </a:r>
+            <a:r>
+              <a:rPr lang="es-ES_tradnl" baseline="0" dirty="0" err="1" smtClean="0"/>
+              <a:t>some</a:t>
+            </a:r>
+            <a:r>
+              <a:rPr lang="es-ES_tradnl" baseline="0" dirty="0" smtClean="0"/>
+              <a:t> </a:t>
+            </a:r>
+            <a:r>
+              <a:rPr lang="es-ES_tradnl" baseline="0" dirty="0" err="1" smtClean="0"/>
+              <a:t>parts</a:t>
+            </a:r>
+            <a:r>
+              <a:rPr lang="es-ES_tradnl" baseline="0" dirty="0" smtClean="0"/>
+              <a:t> of </a:t>
+            </a:r>
+            <a:r>
+              <a:rPr lang="es-ES_tradnl" baseline="0" dirty="0" err="1" smtClean="0"/>
+              <a:t>it</a:t>
+            </a:r>
+            <a:r>
+              <a:rPr lang="es-ES_tradnl" baseline="0" dirty="0" smtClean="0"/>
+              <a:t> </a:t>
+            </a:r>
+            <a:r>
+              <a:rPr lang="es-ES_tradnl" baseline="0" dirty="0" err="1" smtClean="0"/>
+              <a:t>including</a:t>
+            </a:r>
+            <a:r>
+              <a:rPr lang="es-ES_tradnl" baseline="0" dirty="0" smtClean="0"/>
+              <a:t> </a:t>
+            </a:r>
+            <a:r>
+              <a:rPr lang="es-ES_tradnl" baseline="0" dirty="0" err="1" smtClean="0"/>
+              <a:t>archetypes</a:t>
+            </a:r>
+            <a:r>
+              <a:rPr lang="es-ES_tradnl" baseline="0" dirty="0" smtClean="0"/>
+              <a:t> (“</a:t>
+            </a:r>
+            <a:r>
+              <a:rPr lang="es-ES_tradnl" baseline="0" dirty="0" err="1" smtClean="0"/>
+              <a:t>generators</a:t>
+            </a:r>
+            <a:r>
+              <a:rPr lang="es-ES_tradnl" baseline="0" dirty="0" smtClean="0"/>
+              <a:t>” in </a:t>
+            </a:r>
+            <a:r>
+              <a:rPr lang="es-ES_tradnl" baseline="0" dirty="0" err="1" smtClean="0"/>
+              <a:t>Yeomanese</a:t>
+            </a:r>
+            <a:r>
+              <a:rPr lang="es-ES_tradnl" baseline="0" dirty="0" smtClean="0"/>
+              <a:t>)</a:t>
+            </a:r>
+            <a:endParaRPr lang="es-ES_tradnl" dirty="0" smtClean="0"/>
+          </a:p>
+        </p:txBody>
+      </p:sp>
+      <p:sp>
+        <p:nvSpPr>
+          <p:cNvPr id="4" name="Slide Number Placeholder 3"/>
+          <p:cNvSpPr>
+            <a:spLocks noGrp="1"/>
+          </p:cNvSpPr>
+          <p:nvPr>
+            <p:ph type="sldNum" sz="quarter" idx="10"/>
+          </p:nvPr>
+        </p:nvSpPr>
+        <p:spPr/>
+        <p:txBody>
+          <a:bodyPr/>
+          <a:lstStyle/>
+          <a:p>
+            <a:fld id="{FE9BC4E5-2BC1-4F43-85DD-A1B8F74CB7EB}" type="slidenum">
+              <a:rPr lang="en-US" smtClean="0"/>
+              <a:pPr/>
+              <a:t>33</a:t>
+            </a:fld>
+            <a:endParaRPr lang="en-US"/>
+          </a:p>
+        </p:txBody>
+      </p:sp>
+    </p:spTree>
+    <p:extLst>
+      <p:ext uri="{BB962C8B-B14F-4D97-AF65-F5344CB8AC3E}">
+        <p14:creationId xmlns:p14="http://schemas.microsoft.com/office/powerpoint/2010/main" val="2219446412"/>
+      </p:ext>
+    </p:extLst>
+  </p:cSld>
+  <p:clrMapOvr>
+    <a:masterClrMapping/>
+  </p:clrMapOvr>
+</p:notes>
+</file>
+
+<file path=ppt/notesSlides/notesSlide16.xml><?xml version="1.0" encoding="utf-8"?>
+<p:notes xmlns:a="http://schemas.openxmlformats.org/drawingml/2006/main" xmlns:r="http://schemas.openxmlformats.org/officeDocument/2006/relationships" xmlns:p="http://schemas.openxmlformats.org/presentationml/2006/main">
+  <p:cSld>
+    <p:spTree>
+      <p:nvGrpSpPr>
+        <p:cNvPr id="1" name=""/>
+        <p:cNvGrpSpPr/>
+        <p:nvPr/>
+      </p:nvGrpSpPr>
+      <p:grpSpPr>
+        <a:xfrm>
+          <a:off x="0" y="0"/>
+          <a:ext cx="0" cy="0"/>
+          <a:chOff x="0" y="0"/>
+          <a:chExt cx="0" cy="0"/>
+        </a:xfrm>
+      </p:grpSpPr>
+      <p:sp>
+        <p:nvSpPr>
+          <p:cNvPr id="2" name="Slide Image Placeholder 1"/>
+          <p:cNvSpPr>
+            <a:spLocks noGrp="1" noRot="1" noChangeAspect="1"/>
+          </p:cNvSpPr>
+          <p:nvPr>
+            <p:ph type="sldImg"/>
+          </p:nvPr>
+        </p:nvSpPr>
+        <p:spPr/>
+      </p:sp>
+      <p:sp>
+        <p:nvSpPr>
+          <p:cNvPr id="3" name="Notes Placeholder 2"/>
+          <p:cNvSpPr>
+            <a:spLocks noGrp="1"/>
+          </p:cNvSpPr>
+          <p:nvPr>
+            <p:ph type="body" idx="1"/>
+          </p:nvPr>
+        </p:nvSpPr>
+        <p:spPr/>
+        <p:txBody>
+          <a:bodyPr/>
+          <a:lstStyle/>
+          <a:p>
             <a:pPr marL="171450" marR="0" indent="-171450" algn="l" defTabSz="914400" rtl="0" eaLnBrk="1" fontAlgn="auto" latinLnBrk="0" hangingPunct="1">
               <a:lnSpc>
                 <a:spcPct val="100000"/>
@@ -4019,7 +4234,7 @@
             <a:fld id="{FE9BC4E5-2BC1-4F43-85DD-A1B8F74CB7EB}" type="slidenum">
               <a:rPr lang="en-US" smtClean="0"/>
               <a:pPr/>
-              <a:t>32</a:t>
+              <a:t>35</a:t>
             </a:fld>
             <a:endParaRPr lang="en-US"/>
           </a:p>
@@ -4284,8 +4499,22 @@
           <a:lstStyle/>
           <a:p>
             <a:r>
-              <a:rPr lang="es-ES_tradnl" dirty="0" err="1" smtClean="0"/>
-              <a:t>Node-restify</a:t>
+              <a:rPr lang="en-US" dirty="0" smtClean="0"/>
+              <a:t>Other approaches</a:t>
+            </a:r>
+            <a:r>
+              <a:rPr lang="en-US" baseline="0" dirty="0" smtClean="0"/>
+              <a:t> to deal with application parallelism:</a:t>
+            </a:r>
+          </a:p>
+          <a:p>
+            <a:pPr marL="171450" indent="-171450">
+              <a:buFont typeface="Arial" panose="020B0604020202020204" pitchFamily="34" charset="0"/>
+              <a:buChar char="•"/>
+            </a:pPr>
+            <a:r>
+              <a:rPr lang="es-ES_tradnl" baseline="0" dirty="0" err="1" smtClean="0"/>
+              <a:t>One</a:t>
             </a:r>
             <a:r>
               <a:rPr lang="es-ES_tradnl" baseline="0" dirty="0" smtClean="0"/>
@@ -4293,7 +4522,23 @@
             </a:r>
             <a:r>
               <a:rPr lang="es-ES_tradnl" baseline="0" dirty="0" err="1" smtClean="0"/>
-              <a:t>is</a:t>
+              <a:t>thread</a:t>
+            </a:r>
+            <a:r>
+              <a:rPr lang="es-ES_tradnl" baseline="0" dirty="0" smtClean="0"/>
+              <a:t> per </a:t>
+            </a:r>
+            <a:r>
+              <a:rPr lang="es-ES_tradnl" baseline="0" dirty="0" err="1" smtClean="0"/>
+              <a:t>connection</a:t>
+            </a:r>
+            <a:r>
+              <a:rPr lang="es-ES_tradnl" baseline="0" dirty="0" smtClean="0"/>
+              <a:t> – </a:t>
+            </a:r>
+            <a:r>
+              <a:rPr lang="es-ES_tradnl" baseline="0" dirty="0" err="1" smtClean="0"/>
+              <a:t>there</a:t>
             </a:r>
             <a:r>
               <a:rPr lang="es-ES_tradnl" baseline="0" dirty="0" smtClean="0"/>
@@ -4301,7 +4546,7 @@
             </a:r>
             <a:r>
               <a:rPr lang="es-ES_tradnl" baseline="0" dirty="0" err="1" smtClean="0"/>
-              <a:t>used</a:t>
+              <a:t>is</a:t>
             </a:r>
             <a:r>
               <a:rPr lang="es-ES_tradnl" baseline="0" dirty="0" smtClean="0"/>
@@ -4309,11 +4554,399 @@
             </a:r>
             <a:r>
               <a:rPr lang="es-ES_tradnl" baseline="0" dirty="0" err="1" smtClean="0"/>
-              <a:t>here</a:t>
+              <a:t>an</a:t>
             </a:r>
             <a:r>
               <a:rPr lang="es-ES_tradnl" baseline="0" dirty="0" smtClean="0"/>
-              <a:t>, </a:t>
+              <a:t> </a:t>
+            </a:r>
+            <a:r>
+              <a:rPr lang="es-ES_tradnl" baseline="0" dirty="0" err="1" smtClean="0"/>
+              <a:t>upper</a:t>
+            </a:r>
+            <a:r>
+              <a:rPr lang="es-ES_tradnl" baseline="0" dirty="0" smtClean="0"/>
+              <a:t> </a:t>
+            </a:r>
+            <a:r>
+              <a:rPr lang="es-ES_tradnl" baseline="0" dirty="0" err="1" smtClean="0"/>
+              <a:t>limit</a:t>
+            </a:r>
+            <a:r>
+              <a:rPr lang="es-ES_tradnl" baseline="0" dirty="0" smtClean="0"/>
+              <a:t> </a:t>
+            </a:r>
+            <a:r>
+              <a:rPr lang="es-ES_tradnl" baseline="0" dirty="0" err="1" smtClean="0"/>
+              <a:t>to</a:t>
+            </a:r>
+            <a:r>
+              <a:rPr lang="es-ES_tradnl" baseline="0" dirty="0" smtClean="0"/>
+              <a:t> </a:t>
+            </a:r>
+            <a:r>
+              <a:rPr lang="es-ES_tradnl" baseline="0" dirty="0" err="1" smtClean="0"/>
+              <a:t>the</a:t>
+            </a:r>
+            <a:r>
+              <a:rPr lang="es-ES_tradnl" baseline="0" dirty="0" smtClean="0"/>
+              <a:t> </a:t>
+            </a:r>
+            <a:r>
+              <a:rPr lang="es-ES_tradnl" baseline="0" dirty="0" err="1" smtClean="0"/>
+              <a:t>number</a:t>
+            </a:r>
+            <a:r>
+              <a:rPr lang="es-ES_tradnl" baseline="0" dirty="0" smtClean="0"/>
+              <a:t> of </a:t>
+            </a:r>
+            <a:r>
+              <a:rPr lang="es-ES_tradnl" baseline="0" dirty="0" err="1" smtClean="0"/>
+              <a:t>concurrent</a:t>
+            </a:r>
+            <a:r>
+              <a:rPr lang="es-ES_tradnl" baseline="0" dirty="0" smtClean="0"/>
+              <a:t> </a:t>
+            </a:r>
+            <a:r>
+              <a:rPr lang="es-ES_tradnl" baseline="0" dirty="0" err="1" smtClean="0"/>
+              <a:t>threads</a:t>
+            </a:r>
+            <a:r>
+              <a:rPr lang="es-ES_tradnl" baseline="0" dirty="0" smtClean="0"/>
+              <a:t>, and </a:t>
+            </a:r>
+            <a:r>
+              <a:rPr lang="es-ES_tradnl" baseline="0" dirty="0" err="1" smtClean="0"/>
+              <a:t>there</a:t>
+            </a:r>
+            <a:r>
+              <a:rPr lang="es-ES_tradnl" baseline="0" dirty="0" smtClean="0"/>
+              <a:t> </a:t>
+            </a:r>
+            <a:r>
+              <a:rPr lang="es-ES_tradnl" baseline="0" dirty="0" err="1" smtClean="0"/>
+              <a:t>is</a:t>
+            </a:r>
+            <a:r>
+              <a:rPr lang="es-ES_tradnl" baseline="0" dirty="0" smtClean="0"/>
+              <a:t> a </a:t>
+            </a:r>
+            <a:r>
+              <a:rPr lang="es-ES_tradnl" baseline="0" dirty="0" err="1" smtClean="0"/>
+              <a:t>memory</a:t>
+            </a:r>
+            <a:r>
+              <a:rPr lang="es-ES_tradnl" baseline="0" dirty="0" smtClean="0"/>
+              <a:t> </a:t>
+            </a:r>
+            <a:r>
+              <a:rPr lang="es-ES_tradnl" baseline="0" dirty="0" err="1" smtClean="0"/>
+              <a:t>overhead</a:t>
+            </a:r>
+            <a:r>
+              <a:rPr lang="es-ES_tradnl" baseline="0" dirty="0" smtClean="0"/>
+              <a:t> per </a:t>
+            </a:r>
+            <a:r>
+              <a:rPr lang="es-ES_tradnl" baseline="0" dirty="0" err="1" smtClean="0"/>
+              <a:t>thread</a:t>
+            </a:r>
+            <a:endParaRPr lang="es-ES_tradnl" baseline="0" dirty="0" smtClean="0"/>
+          </a:p>
+          <a:p>
+            <a:pPr marL="171450" indent="-171450">
+              <a:buFont typeface="Arial" panose="020B0604020202020204" pitchFamily="34" charset="0"/>
+              <a:buChar char="•"/>
+            </a:pPr>
+            <a:r>
+              <a:rPr lang="es-ES_tradnl" baseline="0" dirty="0" err="1" smtClean="0"/>
+              <a:t>Fork</a:t>
+            </a:r>
+            <a:r>
+              <a:rPr lang="es-ES_tradnl" baseline="0" dirty="0" smtClean="0"/>
+              <a:t> a new </a:t>
+            </a:r>
+            <a:r>
+              <a:rPr lang="es-ES_tradnl" baseline="0" dirty="0" err="1" smtClean="0"/>
+              <a:t>process</a:t>
+            </a:r>
+            <a:r>
+              <a:rPr lang="es-ES_tradnl" baseline="0" dirty="0" smtClean="0"/>
+              <a:t> per </a:t>
+            </a:r>
+            <a:r>
+              <a:rPr lang="es-ES_tradnl" baseline="0" dirty="0" err="1" smtClean="0"/>
+              <a:t>connection</a:t>
+            </a:r>
+            <a:r>
+              <a:rPr lang="es-ES_tradnl" baseline="0" dirty="0" smtClean="0"/>
+              <a:t> – </a:t>
+            </a:r>
+            <a:r>
+              <a:rPr lang="es-ES_tradnl" baseline="0" dirty="0" err="1" smtClean="0"/>
+              <a:t>same</a:t>
+            </a:r>
+            <a:r>
+              <a:rPr lang="es-ES_tradnl" baseline="0" dirty="0" smtClean="0"/>
+              <a:t> as </a:t>
+            </a:r>
+            <a:r>
+              <a:rPr lang="es-ES_tradnl" baseline="0" dirty="0" err="1" smtClean="0"/>
+              <a:t>above</a:t>
+            </a:r>
+            <a:r>
+              <a:rPr lang="es-ES_tradnl" baseline="0" dirty="0" smtClean="0"/>
+              <a:t>; </a:t>
+            </a:r>
+            <a:r>
+              <a:rPr lang="es-ES_tradnl" baseline="0" dirty="0" err="1" smtClean="0"/>
+              <a:t>limited</a:t>
+            </a:r>
+            <a:r>
+              <a:rPr lang="es-ES_tradnl" baseline="0" dirty="0" smtClean="0"/>
+              <a:t> </a:t>
+            </a:r>
+            <a:r>
+              <a:rPr lang="es-ES_tradnl" baseline="0" dirty="0" err="1" smtClean="0"/>
+              <a:t>by</a:t>
+            </a:r>
+            <a:r>
+              <a:rPr lang="es-ES_tradnl" baseline="0" dirty="0" smtClean="0"/>
+              <a:t> </a:t>
+            </a:r>
+            <a:r>
+              <a:rPr lang="es-ES_tradnl" baseline="0" dirty="0" err="1" smtClean="0"/>
+              <a:t>the</a:t>
+            </a:r>
+            <a:r>
+              <a:rPr lang="es-ES_tradnl" baseline="0" dirty="0" smtClean="0"/>
+              <a:t> </a:t>
+            </a:r>
+            <a:r>
+              <a:rPr lang="es-ES_tradnl" baseline="0" dirty="0" err="1" smtClean="0"/>
+              <a:t>operating</a:t>
+            </a:r>
+            <a:r>
+              <a:rPr lang="es-ES_tradnl" baseline="0" dirty="0" smtClean="0"/>
+              <a:t> </a:t>
+            </a:r>
+            <a:r>
+              <a:rPr lang="es-ES_tradnl" baseline="0" dirty="0" err="1" smtClean="0"/>
+              <a:t>system</a:t>
+            </a:r>
+            <a:r>
+              <a:rPr lang="es-ES_tradnl" baseline="0" dirty="0" smtClean="0"/>
+              <a:t> </a:t>
+            </a:r>
+            <a:r>
+              <a:rPr lang="es-ES_tradnl" baseline="0" dirty="0" err="1" smtClean="0"/>
+              <a:t>process</a:t>
+            </a:r>
+            <a:r>
+              <a:rPr lang="es-ES_tradnl" baseline="0" dirty="0" smtClean="0"/>
+              <a:t> </a:t>
+            </a:r>
+            <a:r>
+              <a:rPr lang="es-ES_tradnl" baseline="0" dirty="0" err="1" smtClean="0"/>
+              <a:t>scheduler</a:t>
+            </a:r>
+            <a:r>
+              <a:rPr lang="es-ES_tradnl" baseline="0" dirty="0" smtClean="0"/>
+              <a:t>, and </a:t>
+            </a:r>
+            <a:r>
+              <a:rPr lang="es-ES_tradnl" baseline="0" dirty="0" err="1" smtClean="0"/>
+              <a:t>processes</a:t>
+            </a:r>
+            <a:r>
+              <a:rPr lang="es-ES_tradnl" baseline="0" dirty="0" smtClean="0"/>
+              <a:t> are </a:t>
+            </a:r>
+            <a:r>
+              <a:rPr lang="es-ES_tradnl" baseline="0" dirty="0" err="1" smtClean="0"/>
+              <a:t>heavier</a:t>
+            </a:r>
+            <a:r>
+              <a:rPr lang="es-ES_tradnl" baseline="0" dirty="0" smtClean="0"/>
+              <a:t> </a:t>
+            </a:r>
+            <a:r>
+              <a:rPr lang="es-ES_tradnl" baseline="0" dirty="0" err="1" smtClean="0"/>
+              <a:t>than</a:t>
+            </a:r>
+            <a:r>
+              <a:rPr lang="es-ES_tradnl" baseline="0" dirty="0" smtClean="0"/>
+              <a:t> </a:t>
+            </a:r>
+            <a:r>
+              <a:rPr lang="es-ES_tradnl" baseline="0" dirty="0" err="1" smtClean="0"/>
+              <a:t>threads</a:t>
+            </a:r>
+            <a:endParaRPr lang="es-ES_tradnl" baseline="0" dirty="0" smtClean="0"/>
+          </a:p>
+          <a:p>
+            <a:pPr marL="171450" indent="-171450">
+              <a:buFont typeface="Arial" panose="020B0604020202020204" pitchFamily="34" charset="0"/>
+              <a:buChar char="•"/>
+            </a:pPr>
+            <a:r>
+              <a:rPr lang="es-ES_tradnl" baseline="0" dirty="0" err="1" smtClean="0"/>
+              <a:t>Synchronous</a:t>
+            </a:r>
+            <a:r>
+              <a:rPr lang="es-ES_tradnl" baseline="0" dirty="0" smtClean="0"/>
+              <a:t> – </a:t>
+            </a:r>
+            <a:r>
+              <a:rPr lang="es-ES_tradnl" baseline="0" dirty="0" err="1" smtClean="0"/>
+              <a:t>don’t</a:t>
+            </a:r>
+            <a:r>
+              <a:rPr lang="es-ES_tradnl" baseline="0" dirty="0" smtClean="0"/>
+              <a:t> </a:t>
+            </a:r>
+            <a:r>
+              <a:rPr lang="es-ES_tradnl" baseline="0" dirty="0" err="1" smtClean="0"/>
+              <a:t>bother</a:t>
+            </a:r>
+            <a:r>
+              <a:rPr lang="es-ES_tradnl" baseline="0" dirty="0" smtClean="0"/>
+              <a:t> </a:t>
+            </a:r>
+            <a:r>
+              <a:rPr lang="es-ES_tradnl" baseline="0" dirty="0" err="1" smtClean="0"/>
+              <a:t>with</a:t>
+            </a:r>
+            <a:r>
+              <a:rPr lang="es-ES_tradnl" baseline="0" dirty="0" smtClean="0"/>
+              <a:t> </a:t>
+            </a:r>
+            <a:r>
+              <a:rPr lang="es-ES_tradnl" baseline="0" dirty="0" err="1" smtClean="0"/>
+              <a:t>parallel</a:t>
+            </a:r>
+            <a:r>
+              <a:rPr lang="es-ES_tradnl" baseline="0" dirty="0" smtClean="0"/>
+              <a:t> </a:t>
+            </a:r>
+            <a:r>
+              <a:rPr lang="es-ES_tradnl" baseline="0" dirty="0" err="1" smtClean="0"/>
+              <a:t>processing</a:t>
+            </a:r>
+            <a:endParaRPr lang="es-ES_tradnl" baseline="0" dirty="0" smtClean="0"/>
+          </a:p>
+          <a:p>
+            <a:pPr marL="171450" indent="-171450">
+              <a:buFont typeface="Arial" panose="020B0604020202020204" pitchFamily="34" charset="0"/>
+              <a:buChar char="•"/>
+            </a:pPr>
+            <a:endParaRPr lang="es-ES_tradnl" baseline="0" dirty="0" smtClean="0"/>
+          </a:p>
+          <a:p>
+            <a:pPr marL="0" indent="0">
+              <a:buFont typeface="Arial" panose="020B0604020202020204" pitchFamily="34" charset="0"/>
+              <a:buNone/>
+            </a:pPr>
+            <a:r>
+              <a:rPr lang="es-ES_tradnl" baseline="0" dirty="0" smtClean="0"/>
+              <a:t>Node.js’ </a:t>
+            </a:r>
+            <a:r>
+              <a:rPr lang="es-ES_tradnl" baseline="0" dirty="0" err="1" smtClean="0"/>
+              <a:t>approach</a:t>
+            </a:r>
+            <a:r>
+              <a:rPr lang="es-ES_tradnl" baseline="0" dirty="0" smtClean="0"/>
+              <a:t> </a:t>
+            </a:r>
+            <a:r>
+              <a:rPr lang="es-ES_tradnl" baseline="0" dirty="0" err="1" smtClean="0"/>
+              <a:t>to</a:t>
+            </a:r>
+            <a:r>
+              <a:rPr lang="es-ES_tradnl" baseline="0" dirty="0" smtClean="0"/>
+              <a:t> </a:t>
+            </a:r>
+            <a:r>
+              <a:rPr lang="es-ES_tradnl" baseline="0" dirty="0" err="1" smtClean="0"/>
+              <a:t>parallelism</a:t>
+            </a:r>
+            <a:r>
+              <a:rPr lang="es-ES_tradnl" baseline="0" dirty="0" smtClean="0"/>
+              <a:t> </a:t>
+            </a:r>
+            <a:r>
+              <a:rPr lang="es-ES_tradnl" baseline="0" dirty="0" err="1" smtClean="0"/>
+              <a:t>scales</a:t>
+            </a:r>
+            <a:r>
+              <a:rPr lang="es-ES_tradnl" baseline="0" dirty="0" smtClean="0"/>
+              <a:t> </a:t>
+            </a:r>
+            <a:r>
+              <a:rPr lang="es-ES_tradnl" baseline="0" dirty="0" err="1" smtClean="0"/>
+              <a:t>better</a:t>
+            </a:r>
+            <a:r>
+              <a:rPr lang="es-ES_tradnl" baseline="0" dirty="0" smtClean="0"/>
+              <a:t> and uses </a:t>
+            </a:r>
+            <a:r>
+              <a:rPr lang="es-ES_tradnl" baseline="0" dirty="0" err="1" smtClean="0"/>
+              <a:t>less</a:t>
+            </a:r>
+            <a:r>
+              <a:rPr lang="es-ES_tradnl" baseline="0" dirty="0" smtClean="0"/>
+              <a:t> </a:t>
+            </a:r>
+            <a:r>
+              <a:rPr lang="es-ES_tradnl" baseline="0" dirty="0" err="1" smtClean="0"/>
+              <a:t>memory</a:t>
+            </a:r>
+            <a:r>
+              <a:rPr lang="es-ES_tradnl" baseline="0" dirty="0" smtClean="0"/>
+              <a:t> </a:t>
+            </a:r>
+            <a:r>
+              <a:rPr lang="es-ES_tradnl" baseline="0" dirty="0" err="1" smtClean="0"/>
+              <a:t>to</a:t>
+            </a:r>
+            <a:r>
+              <a:rPr lang="es-ES_tradnl" baseline="0" dirty="0" smtClean="0"/>
+              <a:t> </a:t>
+            </a:r>
+            <a:r>
+              <a:rPr lang="es-ES_tradnl" baseline="0" dirty="0" err="1" smtClean="0"/>
+              <a:t>process</a:t>
+            </a:r>
+            <a:r>
+              <a:rPr lang="es-ES_tradnl" baseline="0" dirty="0" smtClean="0"/>
+              <a:t> a </a:t>
+            </a:r>
+            <a:r>
+              <a:rPr lang="es-ES_tradnl" baseline="0" dirty="0" err="1" smtClean="0"/>
+              <a:t>larger</a:t>
+            </a:r>
+            <a:r>
+              <a:rPr lang="es-ES_tradnl" baseline="0" dirty="0" smtClean="0"/>
+              <a:t> </a:t>
+            </a:r>
+            <a:r>
+              <a:rPr lang="es-ES_tradnl" baseline="0" dirty="0" err="1" smtClean="0"/>
+              <a:t>amount</a:t>
+            </a:r>
+            <a:r>
+              <a:rPr lang="es-ES_tradnl" baseline="0" dirty="0" smtClean="0"/>
+              <a:t> of </a:t>
+            </a:r>
+            <a:r>
+              <a:rPr lang="es-ES_tradnl" baseline="0" dirty="0" err="1" smtClean="0"/>
+              <a:t>connections</a:t>
+            </a:r>
+            <a:r>
+              <a:rPr lang="es-ES_tradnl" baseline="0" dirty="0" smtClean="0"/>
+              <a:t> – </a:t>
             </a:r>
             <a:r>
               <a:rPr lang="es-ES_tradnl" baseline="0" dirty="0" err="1" smtClean="0"/>
@@ -4329,19 +4962,11 @@
             </a:r>
             <a:r>
               <a:rPr lang="es-ES_tradnl" baseline="0" dirty="0" smtClean="0"/>
-              <a:t> can </a:t>
+              <a:t> </a:t>
             </a:r>
             <a:r>
               <a:rPr lang="es-ES_tradnl" baseline="0" dirty="0" err="1" smtClean="0"/>
-              <a:t>all</a:t>
-            </a:r>
-            <a:r>
-              <a:rPr lang="es-ES_tradnl" baseline="0" dirty="0" smtClean="0"/>
-              <a:t> be </a:t>
-            </a:r>
-            <a:r>
-              <a:rPr lang="es-ES_tradnl" baseline="0" dirty="0" err="1" smtClean="0"/>
-              <a:t>accomplished</a:t>
+              <a:t>requires</a:t>
             </a:r>
             <a:r>
               <a:rPr lang="es-ES_tradnl" baseline="0" dirty="0" smtClean="0"/>
@@ -4349,15 +4974,7 @@
             </a:r>
             <a:r>
               <a:rPr lang="es-ES_tradnl" baseline="0" dirty="0" err="1" smtClean="0"/>
-              <a:t>without</a:t>
-            </a:r>
-            <a:r>
-              <a:rPr lang="es-ES_tradnl" baseline="0" dirty="0" smtClean="0"/>
-              <a:t> a </a:t>
-            </a:r>
-            <a:r>
-              <a:rPr lang="es-ES_tradnl" baseline="0" dirty="0" err="1" smtClean="0"/>
-              <a:t>framework</a:t>
+              <a:t>that</a:t>
             </a:r>
             <a:r>
               <a:rPr lang="es-ES_tradnl" baseline="0" dirty="0" smtClean="0"/>
@@ -4365,11 +4982,47 @@
             </a:r>
             <a:r>
               <a:rPr lang="es-ES_tradnl" baseline="0" dirty="0" err="1" smtClean="0"/>
-              <a:t>too</a:t>
+              <a:t>we</a:t>
             </a:r>
             <a:r>
               <a:rPr lang="es-ES_tradnl" baseline="0" dirty="0" smtClean="0"/>
-              <a:t>.</a:t>
+              <a:t> </a:t>
+            </a:r>
+            <a:r>
+              <a:rPr lang="es-ES_tradnl" baseline="0" dirty="0" err="1" smtClean="0"/>
+              <a:t>build</a:t>
+            </a:r>
+            <a:r>
+              <a:rPr lang="es-ES_tradnl" baseline="0" dirty="0" smtClean="0"/>
+              <a:t> </a:t>
+            </a:r>
+            <a:r>
+              <a:rPr lang="es-ES_tradnl" baseline="0" dirty="0" err="1" smtClean="0"/>
+              <a:t>applications</a:t>
+            </a:r>
+            <a:r>
+              <a:rPr lang="es-ES_tradnl" baseline="0" dirty="0" smtClean="0"/>
+              <a:t> </a:t>
+            </a:r>
+            <a:r>
+              <a:rPr lang="es-ES_tradnl" baseline="0" dirty="0" err="1" smtClean="0"/>
+              <a:t>that</a:t>
+            </a:r>
+            <a:r>
+              <a:rPr lang="es-ES_tradnl" baseline="0" dirty="0" smtClean="0"/>
+              <a:t> are </a:t>
+            </a:r>
+            <a:r>
+              <a:rPr lang="es-ES_tradnl" baseline="0" dirty="0" err="1" smtClean="0"/>
+              <a:t>not</a:t>
+            </a:r>
+            <a:r>
+              <a:rPr lang="es-ES_tradnl" baseline="0" dirty="0" smtClean="0"/>
+              <a:t> CPU-</a:t>
+            </a:r>
+            <a:r>
+              <a:rPr lang="es-ES_tradnl" baseline="0" dirty="0" err="1" smtClean="0"/>
+              <a:t>bound</a:t>
             </a:r>
             <a:endParaRPr lang="en-US" dirty="0"/>
           </a:p>
@@ -4393,7 +5046,7 @@
             <a:fld id="{FE9BC4E5-2BC1-4F43-85DD-A1B8F74CB7EB}" type="slidenum">
               <a:rPr lang="en-US" smtClean="0"/>
               <a:pPr/>
-              <a:t>12</a:t>
+              <a:t>9</a:t>
             </a:fld>
             <a:endParaRPr lang="en-US"/>
           </a:p>
@@ -4402,7 +5055,7 @@
     </p:spTree>
     <p:extLst>
       <p:ext uri="{BB962C8B-B14F-4D97-AF65-F5344CB8AC3E}">
-        <p14:creationId xmlns:p14="http://schemas.microsoft.com/office/powerpoint/2010/main" val="993960870"/>
+        <p14:creationId xmlns:p14="http://schemas.microsoft.com/office/powerpoint/2010/main" val="2922018006"/>
       </p:ext>
     </p:extLst>
   </p:cSld>
@@ -4456,48 +5109,6 @@
           <a:bodyPr/>
           <a:lstStyle/>
           <a:p>
-            <a:r>
-              <a:rPr lang="en-US" dirty="0" smtClean="0"/>
-              <a:t>JSON is </a:t>
-            </a:r>
-            <a:r>
-              <a:rPr lang="en-US" dirty="0" err="1" smtClean="0"/>
-              <a:t>Javascript’s</a:t>
-            </a:r>
-            <a:r>
-              <a:rPr lang="en-US" dirty="0" smtClean="0"/>
-              <a:t> native serialization format</a:t>
-            </a:r>
-          </a:p>
-          <a:p>
-            <a:r>
-              <a:rPr lang="en-US" dirty="0" smtClean="0"/>
-              <a:t>Integrates very well with things like JSON-based</a:t>
-            </a:r>
-            <a:r>
-              <a:rPr lang="en-US" baseline="0" dirty="0" smtClean="0"/>
-              <a:t> APIs,</a:t>
-            </a:r>
-            <a:r>
-              <a:rPr lang="en-US" dirty="0" smtClean="0"/>
-              <a:t> </a:t>
-            </a:r>
-            <a:r>
-              <a:rPr lang="en-US" dirty="0" err="1" smtClean="0"/>
-              <a:t>MongoDB</a:t>
-            </a:r>
-            <a:r>
-              <a:rPr lang="en-US" dirty="0" smtClean="0"/>
-              <a:t>, </a:t>
-            </a:r>
-            <a:r>
-              <a:rPr lang="en-US" dirty="0" err="1" smtClean="0"/>
-              <a:t>etc</a:t>
-            </a:r>
-            <a:r>
-              <a:rPr lang="en-US" dirty="0" smtClean="0"/>
-              <a:t> – things that speak JSON natively</a:t>
-            </a:r>
             <a:endParaRPr lang="en-US" dirty="0"/>
           </a:p>
         </p:txBody>
@@ -4520,7 +5131,7 @@
             <a:fld id="{FE9BC4E5-2BC1-4F43-85DD-A1B8F74CB7EB}" type="slidenum">
               <a:rPr lang="en-US" smtClean="0"/>
               <a:pPr/>
-              <a:t>13</a:t>
+              <a:t>12</a:t>
             </a:fld>
             <a:endParaRPr lang="en-US"/>
           </a:p>
@@ -4529,7 +5140,7 @@
     </p:spTree>
     <p:extLst>
       <p:ext uri="{BB962C8B-B14F-4D97-AF65-F5344CB8AC3E}">
-        <p14:creationId xmlns:p14="http://schemas.microsoft.com/office/powerpoint/2010/main" val="2518753464"/>
+        <p14:creationId xmlns:p14="http://schemas.microsoft.com/office/powerpoint/2010/main" val="561169180"/>
       </p:ext>
     </p:extLst>
   </p:cSld>
@@ -4584,8 +5195,92 @@
           <a:lstStyle/>
           <a:p>
             <a:r>
-              <a:rPr lang="es-ES_tradnl" dirty="0" smtClean="0"/>
-              <a:t>http://www.meteor.com</a:t>
+              <a:rPr lang="es-ES_tradnl" dirty="0" err="1" smtClean="0"/>
+              <a:t>Node-restify</a:t>
+            </a:r>
+            <a:r>
+              <a:rPr lang="es-ES_tradnl" baseline="0" dirty="0" smtClean="0"/>
+              <a:t> </a:t>
+            </a:r>
+            <a:r>
+              <a:rPr lang="es-ES_tradnl" baseline="0" dirty="0" err="1" smtClean="0"/>
+              <a:t>is</a:t>
+            </a:r>
+            <a:r>
+              <a:rPr lang="es-ES_tradnl" baseline="0" dirty="0" smtClean="0"/>
+              <a:t> </a:t>
+            </a:r>
+            <a:r>
+              <a:rPr lang="es-ES_tradnl" baseline="0" dirty="0" err="1" smtClean="0"/>
+              <a:t>used</a:t>
+            </a:r>
+            <a:r>
+              <a:rPr lang="es-ES_tradnl" baseline="0" dirty="0" smtClean="0"/>
+              <a:t> </a:t>
+            </a:r>
+            <a:r>
+              <a:rPr lang="es-ES_tradnl" baseline="0" dirty="0" err="1" smtClean="0"/>
+              <a:t>here</a:t>
+            </a:r>
+            <a:r>
+              <a:rPr lang="es-ES_tradnl" baseline="0" dirty="0" smtClean="0"/>
+              <a:t>, </a:t>
+            </a:r>
+            <a:r>
+              <a:rPr lang="es-ES_tradnl" baseline="0" dirty="0" err="1" smtClean="0"/>
+              <a:t>but</a:t>
+            </a:r>
+            <a:r>
+              <a:rPr lang="es-ES_tradnl" baseline="0" dirty="0" smtClean="0"/>
+              <a:t> </a:t>
+            </a:r>
+            <a:r>
+              <a:rPr lang="es-ES_tradnl" baseline="0" dirty="0" err="1" smtClean="0"/>
+              <a:t>it</a:t>
+            </a:r>
+            <a:r>
+              <a:rPr lang="es-ES_tradnl" baseline="0" dirty="0" smtClean="0"/>
+              <a:t> can </a:t>
+            </a:r>
+            <a:r>
+              <a:rPr lang="es-ES_tradnl" baseline="0" dirty="0" err="1" smtClean="0"/>
+              <a:t>all</a:t>
+            </a:r>
+            <a:r>
+              <a:rPr lang="es-ES_tradnl" baseline="0" dirty="0" smtClean="0"/>
+              <a:t> be </a:t>
+            </a:r>
+            <a:r>
+              <a:rPr lang="es-ES_tradnl" baseline="0" dirty="0" err="1" smtClean="0"/>
+              <a:t>accomplished</a:t>
+            </a:r>
+            <a:r>
+              <a:rPr lang="es-ES_tradnl" baseline="0" dirty="0" smtClean="0"/>
+              <a:t> </a:t>
+            </a:r>
+            <a:r>
+              <a:rPr lang="es-ES_tradnl" baseline="0" dirty="0" err="1" smtClean="0"/>
+              <a:t>without</a:t>
+            </a:r>
+            <a:r>
+              <a:rPr lang="es-ES_tradnl" baseline="0" dirty="0" smtClean="0"/>
+              <a:t> a </a:t>
+            </a:r>
+            <a:r>
+              <a:rPr lang="es-ES_tradnl" baseline="0" dirty="0" err="1" smtClean="0"/>
+              <a:t>framework</a:t>
+            </a:r>
+            <a:r>
+              <a:rPr lang="es-ES_tradnl" baseline="0" dirty="0" smtClean="0"/>
+              <a:t> </a:t>
+            </a:r>
+            <a:r>
+              <a:rPr lang="es-ES_tradnl" baseline="0" dirty="0" err="1" smtClean="0"/>
+              <a:t>too</a:t>
+            </a:r>
+            <a:r>
+              <a:rPr lang="es-ES_tradnl" baseline="0" dirty="0" smtClean="0"/>
+              <a:t>.</a:t>
             </a:r>
             <a:endParaRPr lang="en-US" dirty="0"/>
           </a:p>
@@ -4609,7 +5304,7 @@
             <a:fld id="{FE9BC4E5-2BC1-4F43-85DD-A1B8F74CB7EB}" type="slidenum">
               <a:rPr lang="en-US" smtClean="0"/>
               <a:pPr/>
-              <a:t>19</a:t>
+              <a:t>15</a:t>
             </a:fld>
             <a:endParaRPr lang="en-US"/>
           </a:p>
@@ -4618,7 +5313,7 @@
     </p:spTree>
     <p:extLst>
       <p:ext uri="{BB962C8B-B14F-4D97-AF65-F5344CB8AC3E}">
-        <p14:creationId xmlns:p14="http://schemas.microsoft.com/office/powerpoint/2010/main" val="955142534"/>
+        <p14:creationId xmlns:p14="http://schemas.microsoft.com/office/powerpoint/2010/main" val="993960870"/>
       </p:ext>
     </p:extLst>
   </p:cSld>
@@ -4673,160 +5368,46 @@
           <a:lstStyle/>
           <a:p>
             <a:r>
-              <a:rPr lang="es-ES_tradnl" dirty="0" smtClean="0"/>
-              <a:t>Node.js</a:t>
-            </a:r>
-            <a:r>
-              <a:rPr lang="es-ES_tradnl" baseline="0" dirty="0" smtClean="0"/>
+              <a:rPr lang="en-US" dirty="0" smtClean="0"/>
+              <a:t>JSON is </a:t>
+            </a:r>
+            <a:r>
+              <a:rPr lang="en-US" dirty="0" err="1" smtClean="0"/>
+              <a:t>Javascript’s</a:t>
+            </a:r>
+            <a:r>
+              <a:rPr lang="en-US" dirty="0" smtClean="0"/>
+              <a:t> native serialization format</a:t>
+            </a:r>
+          </a:p>
+          <a:p>
+            <a:r>
+              <a:rPr lang="en-US" dirty="0" smtClean="0"/>
+              <a:t>Integrates very well with things like JSON-based</a:t>
+            </a:r>
+            <a:r>
+              <a:rPr lang="en-US" baseline="0" dirty="0" smtClean="0"/>
+              <a:t> APIs,</a:t>
+            </a:r>
+            <a:r>
+              <a:rPr lang="en-US" dirty="0" smtClean="0"/>
               <a:t> </a:t>
             </a:r>
             <a:r>
-              <a:rPr lang="es-ES_tradnl" baseline="0" dirty="0" err="1" smtClean="0"/>
-              <a:t>frameworks</a:t>
-            </a:r>
-            <a:r>
-              <a:rPr lang="es-ES_tradnl" baseline="0" dirty="0" smtClean="0"/>
-              <a:t> </a:t>
-            </a:r>
-            <a:r>
-              <a:rPr lang="es-ES_tradnl" baseline="0" dirty="0" err="1" smtClean="0"/>
-              <a:t>don’t</a:t>
-            </a:r>
-            <a:r>
-              <a:rPr lang="es-ES_tradnl" baseline="0" dirty="0" smtClean="0"/>
-              <a:t> </a:t>
-            </a:r>
-            <a:r>
-              <a:rPr lang="es-ES_tradnl" baseline="0" dirty="0" err="1" smtClean="0"/>
-              <a:t>make</a:t>
-            </a:r>
-            <a:r>
-              <a:rPr lang="es-ES_tradnl" baseline="0" dirty="0" smtClean="0"/>
-              <a:t> </a:t>
-            </a:r>
-            <a:r>
-              <a:rPr lang="es-ES_tradnl" baseline="0" dirty="0" err="1" smtClean="0"/>
-              <a:t>it</a:t>
-            </a:r>
-            <a:r>
-              <a:rPr lang="es-ES_tradnl" baseline="0" dirty="0" smtClean="0"/>
-              <a:t> </a:t>
-            </a:r>
-            <a:r>
-              <a:rPr lang="es-ES_tradnl" baseline="0" dirty="0" err="1" smtClean="0"/>
-              <a:t>neither</a:t>
-            </a:r>
-            <a:r>
-              <a:rPr lang="es-ES_tradnl" baseline="0" dirty="0" smtClean="0"/>
-              <a:t> </a:t>
-            </a:r>
-            <a:r>
-              <a:rPr lang="es-ES_tradnl" baseline="0" dirty="0" err="1" smtClean="0"/>
-              <a:t>easier</a:t>
-            </a:r>
-            <a:r>
-              <a:rPr lang="es-ES_tradnl" baseline="0" dirty="0" smtClean="0"/>
-              <a:t> </a:t>
-            </a:r>
-            <a:r>
-              <a:rPr lang="es-ES_tradnl" baseline="0" dirty="0" err="1" smtClean="0"/>
-              <a:t>nor</a:t>
-            </a:r>
-            <a:r>
-              <a:rPr lang="es-ES_tradnl" baseline="0" dirty="0" smtClean="0"/>
-              <a:t> more </a:t>
-            </a:r>
-            <a:r>
-              <a:rPr lang="es-ES_tradnl" baseline="0" dirty="0" err="1" smtClean="0"/>
-              <a:t>difficult</a:t>
-            </a:r>
-            <a:r>
-              <a:rPr lang="es-ES_tradnl" baseline="0" dirty="0" smtClean="0"/>
-              <a:t> </a:t>
-            </a:r>
-            <a:r>
-              <a:rPr lang="es-ES_tradnl" baseline="0" dirty="0" err="1" smtClean="0"/>
-              <a:t>to</a:t>
-            </a:r>
-            <a:r>
-              <a:rPr lang="es-ES_tradnl" baseline="0" dirty="0" smtClean="0"/>
-              <a:t> </a:t>
-            </a:r>
-            <a:r>
-              <a:rPr lang="es-ES_tradnl" baseline="0" dirty="0" err="1" smtClean="0"/>
-              <a:t>write</a:t>
-            </a:r>
-            <a:r>
-              <a:rPr lang="es-ES_tradnl" baseline="0" dirty="0" smtClean="0"/>
-              <a:t> </a:t>
-            </a:r>
-            <a:r>
-              <a:rPr lang="es-ES_tradnl" baseline="0" dirty="0" err="1" smtClean="0"/>
-              <a:t>traditional</a:t>
-            </a:r>
-            <a:r>
-              <a:rPr lang="es-ES_tradnl" baseline="0" dirty="0" smtClean="0"/>
-              <a:t> web </a:t>
-            </a:r>
-            <a:r>
-              <a:rPr lang="es-ES_tradnl" baseline="0" dirty="0" err="1" smtClean="0"/>
-              <a:t>apps</a:t>
-            </a:r>
-            <a:r>
-              <a:rPr lang="es-ES_tradnl" baseline="0" dirty="0" smtClean="0"/>
-              <a:t>; Node.js and </a:t>
-            </a:r>
-            <a:r>
-              <a:rPr lang="es-ES_tradnl" baseline="0" dirty="0" err="1" smtClean="0"/>
-              <a:t>its</a:t>
-            </a:r>
-            <a:r>
-              <a:rPr lang="es-ES_tradnl" baseline="0" dirty="0" smtClean="0"/>
-              <a:t> </a:t>
-            </a:r>
-            <a:r>
-              <a:rPr lang="es-ES_tradnl" baseline="0" dirty="0" err="1" smtClean="0"/>
-              <a:t>frameworks</a:t>
-            </a:r>
-            <a:r>
-              <a:rPr lang="es-ES_tradnl" baseline="0" dirty="0" smtClean="0"/>
-              <a:t> </a:t>
-            </a:r>
-            <a:r>
-              <a:rPr lang="es-ES_tradnl" baseline="0" dirty="0" err="1" smtClean="0"/>
-              <a:t>just</a:t>
-            </a:r>
-            <a:r>
-              <a:rPr lang="es-ES_tradnl" baseline="0" dirty="0" smtClean="0"/>
-              <a:t> </a:t>
-            </a:r>
-            <a:r>
-              <a:rPr lang="es-ES_tradnl" baseline="0" dirty="0" err="1" smtClean="0"/>
-              <a:t>simply</a:t>
-            </a:r>
-            <a:r>
-              <a:rPr lang="es-ES_tradnl" baseline="0" dirty="0" smtClean="0"/>
-              <a:t> </a:t>
-            </a:r>
-            <a:r>
-              <a:rPr lang="es-ES_tradnl" baseline="0" dirty="0" err="1" smtClean="0"/>
-              <a:t>make</a:t>
-            </a:r>
-            <a:r>
-              <a:rPr lang="es-ES_tradnl" baseline="0" dirty="0" smtClean="0"/>
-              <a:t> no </a:t>
-            </a:r>
-            <a:r>
-              <a:rPr lang="es-ES_tradnl" baseline="0" dirty="0" err="1" smtClean="0"/>
-              <a:t>difference</a:t>
-            </a:r>
-            <a:r>
-              <a:rPr lang="es-ES_tradnl" baseline="0" dirty="0" smtClean="0"/>
-              <a:t> </a:t>
-            </a:r>
-            <a:r>
-              <a:rPr lang="es-ES_tradnl" baseline="0" dirty="0" err="1" smtClean="0"/>
-              <a:t>here</a:t>
+              <a:rPr lang="en-US" dirty="0" err="1" smtClean="0"/>
+              <a:t>MongoDB</a:t>
+            </a:r>
+            <a:r>
+              <a:rPr lang="en-US" dirty="0" smtClean="0"/>
+              <a:t>, </a:t>
+            </a:r>
+            <a:r>
+              <a:rPr lang="en-US" dirty="0" err="1" smtClean="0"/>
+              <a:t>etc</a:t>
+            </a:r>
+            <a:r>
+              <a:rPr lang="en-US" dirty="0" smtClean="0"/>
+              <a:t> – things that speak JSON natively</a:t>
             </a:r>
             <a:endParaRPr lang="en-US" dirty="0"/>
           </a:p>
@@ -4850,7 +5431,7 @@
             <a:fld id="{FE9BC4E5-2BC1-4F43-85DD-A1B8F74CB7EB}" type="slidenum">
               <a:rPr lang="en-US" smtClean="0"/>
               <a:pPr/>
-              <a:t>21</a:t>
+              <a:t>16</a:t>
             </a:fld>
             <a:endParaRPr lang="en-US"/>
           </a:p>
@@ -4859,7 +5440,7 @@
     </p:spTree>
     <p:extLst>
       <p:ext uri="{BB962C8B-B14F-4D97-AF65-F5344CB8AC3E}">
-        <p14:creationId xmlns:p14="http://schemas.microsoft.com/office/powerpoint/2010/main" val="2643905430"/>
+        <p14:creationId xmlns:p14="http://schemas.microsoft.com/office/powerpoint/2010/main" val="2518753464"/>
       </p:ext>
     </p:extLst>
   </p:cSld>
@@ -4914,26 +5495,8 @@
           <a:lstStyle/>
           <a:p>
             <a:r>
-              <a:rPr lang="es-ES_tradnl" dirty="0" err="1" smtClean="0"/>
-              <a:t>Image</a:t>
-            </a:r>
-            <a:r>
               <a:rPr lang="es-ES_tradnl" dirty="0" smtClean="0"/>
-              <a:t> </a:t>
-            </a:r>
-            <a:r>
-              <a:rPr lang="es-ES_tradnl" dirty="0" err="1" smtClean="0"/>
-              <a:t>credit</a:t>
-            </a:r>
-            <a:r>
-              <a:rPr lang="es-ES_tradnl" dirty="0" smtClean="0"/>
-              <a:t>: </a:t>
-            </a:r>
-            <a:r>
-              <a:rPr lang="en-US" smtClean="0">
-                <a:hlinkClick r:id="rId3"/>
-              </a:rPr>
-              <a:t>http://www.allmystery.de/i/bk33NhA_ayZYgl_USS_Enterprise_NCC_1701_A_by_cb93.jpg</a:t>
+              <a:t>http://www.meteor.com</a:t>
             </a:r>
             <a:endParaRPr lang="en-US" dirty="0"/>
           </a:p>
@@ -4966,7 +5529,7 @@
     </p:spTree>
     <p:extLst>
       <p:ext uri="{BB962C8B-B14F-4D97-AF65-F5344CB8AC3E}">
-        <p14:creationId xmlns:p14="http://schemas.microsoft.com/office/powerpoint/2010/main" val="1270053310"/>
+        <p14:creationId xmlns:p14="http://schemas.microsoft.com/office/powerpoint/2010/main" val="955142534"/>
       </p:ext>
     </p:extLst>
   </p:cSld>
@@ -5021,24 +5584,160 @@
           <a:lstStyle/>
           <a:p>
             <a:r>
-              <a:rPr lang="en-US" dirty="0" smtClean="0"/>
-              <a:t>https://</a:t>
-            </a:r>
-            <a:r>
-              <a:rPr lang="en-US" dirty="0" err="1" smtClean="0"/>
-              <a:t>groups.google.com</a:t>
-            </a:r>
-            <a:r>
-              <a:rPr lang="en-US" dirty="0" smtClean="0"/>
-              <a:t>/d/topic/</a:t>
-            </a:r>
-            <a:r>
-              <a:rPr lang="en-US" dirty="0" err="1" smtClean="0"/>
-              <a:t>nodejs</a:t>
-            </a:r>
-            <a:r>
-              <a:rPr lang="en-US" dirty="0" smtClean="0"/>
-              <a:t>/9afurRCTlOc/discussion</a:t>
+              <a:rPr lang="es-ES_tradnl" dirty="0" smtClean="0"/>
+              <a:t>Node.js</a:t>
+            </a:r>
+            <a:r>
+              <a:rPr lang="es-ES_tradnl" baseline="0" dirty="0" smtClean="0"/>
+              <a:t> </a:t>
+            </a:r>
+            <a:r>
+              <a:rPr lang="es-ES_tradnl" baseline="0" dirty="0" err="1" smtClean="0"/>
+              <a:t>frameworks</a:t>
+            </a:r>
+            <a:r>
+              <a:rPr lang="es-ES_tradnl" baseline="0" dirty="0" smtClean="0"/>
+              <a:t> </a:t>
+            </a:r>
+            <a:r>
+              <a:rPr lang="es-ES_tradnl" baseline="0" dirty="0" err="1" smtClean="0"/>
+              <a:t>don’t</a:t>
+            </a:r>
+            <a:r>
+              <a:rPr lang="es-ES_tradnl" baseline="0" dirty="0" smtClean="0"/>
+              <a:t> </a:t>
+            </a:r>
+            <a:r>
+              <a:rPr lang="es-ES_tradnl" baseline="0" dirty="0" err="1" smtClean="0"/>
+              <a:t>make</a:t>
+            </a:r>
+            <a:r>
+              <a:rPr lang="es-ES_tradnl" baseline="0" dirty="0" smtClean="0"/>
+              <a:t> </a:t>
+            </a:r>
+            <a:r>
+              <a:rPr lang="es-ES_tradnl" baseline="0" dirty="0" err="1" smtClean="0"/>
+              <a:t>it</a:t>
+            </a:r>
+            <a:r>
+              <a:rPr lang="es-ES_tradnl" baseline="0" dirty="0" smtClean="0"/>
+              <a:t> </a:t>
+            </a:r>
+            <a:r>
+              <a:rPr lang="es-ES_tradnl" baseline="0" dirty="0" err="1" smtClean="0"/>
+              <a:t>neither</a:t>
+            </a:r>
+            <a:r>
+              <a:rPr lang="es-ES_tradnl" baseline="0" dirty="0" smtClean="0"/>
+              <a:t> </a:t>
+            </a:r>
+            <a:r>
+              <a:rPr lang="es-ES_tradnl" baseline="0" dirty="0" err="1" smtClean="0"/>
+              <a:t>easier</a:t>
+            </a:r>
+            <a:r>
+              <a:rPr lang="es-ES_tradnl" baseline="0" dirty="0" smtClean="0"/>
+              <a:t> </a:t>
+            </a:r>
+            <a:r>
+              <a:rPr lang="es-ES_tradnl" baseline="0" dirty="0" err="1" smtClean="0"/>
+              <a:t>nor</a:t>
+            </a:r>
+            <a:r>
+              <a:rPr lang="es-ES_tradnl" baseline="0" dirty="0" smtClean="0"/>
+              <a:t> more </a:t>
+            </a:r>
+            <a:r>
+              <a:rPr lang="es-ES_tradnl" baseline="0" dirty="0" err="1" smtClean="0"/>
+              <a:t>difficult</a:t>
+            </a:r>
+            <a:r>
+              <a:rPr lang="es-ES_tradnl" baseline="0" dirty="0" smtClean="0"/>
+              <a:t> </a:t>
+            </a:r>
+            <a:r>
+              <a:rPr lang="es-ES_tradnl" baseline="0" dirty="0" err="1" smtClean="0"/>
+              <a:t>to</a:t>
+            </a:r>
+            <a:r>
+              <a:rPr lang="es-ES_tradnl" baseline="0" dirty="0" smtClean="0"/>
+              <a:t> </a:t>
+            </a:r>
+            <a:r>
+              <a:rPr lang="es-ES_tradnl" baseline="0" dirty="0" err="1" smtClean="0"/>
+              <a:t>write</a:t>
+            </a:r>
+            <a:r>
+              <a:rPr lang="es-ES_tradnl" baseline="0" dirty="0" smtClean="0"/>
+              <a:t> </a:t>
+            </a:r>
+            <a:r>
+              <a:rPr lang="es-ES_tradnl" baseline="0" dirty="0" err="1" smtClean="0"/>
+              <a:t>traditional</a:t>
+            </a:r>
+            <a:r>
+              <a:rPr lang="es-ES_tradnl" baseline="0" dirty="0" smtClean="0"/>
+              <a:t> web </a:t>
+            </a:r>
+            <a:r>
+              <a:rPr lang="es-ES_tradnl" baseline="0" dirty="0" err="1" smtClean="0"/>
+              <a:t>apps</a:t>
+            </a:r>
+            <a:r>
+              <a:rPr lang="es-ES_tradnl" baseline="0" dirty="0" smtClean="0"/>
+              <a:t>; Node.js and </a:t>
+            </a:r>
+            <a:r>
+              <a:rPr lang="es-ES_tradnl" baseline="0" dirty="0" err="1" smtClean="0"/>
+              <a:t>its</a:t>
+            </a:r>
+            <a:r>
+              <a:rPr lang="es-ES_tradnl" baseline="0" dirty="0" smtClean="0"/>
+              <a:t> </a:t>
+            </a:r>
+            <a:r>
+              <a:rPr lang="es-ES_tradnl" baseline="0" dirty="0" err="1" smtClean="0"/>
+              <a:t>frameworks</a:t>
+            </a:r>
+            <a:r>
+              <a:rPr lang="es-ES_tradnl" baseline="0" dirty="0" smtClean="0"/>
+              <a:t> </a:t>
+            </a:r>
+            <a:r>
+              <a:rPr lang="es-ES_tradnl" baseline="0" dirty="0" err="1" smtClean="0"/>
+              <a:t>just</a:t>
+            </a:r>
+            <a:r>
+              <a:rPr lang="es-ES_tradnl" baseline="0" dirty="0" smtClean="0"/>
+              <a:t> </a:t>
+            </a:r>
+            <a:r>
+              <a:rPr lang="es-ES_tradnl" baseline="0" dirty="0" err="1" smtClean="0"/>
+              <a:t>simply</a:t>
+            </a:r>
+            <a:r>
+              <a:rPr lang="es-ES_tradnl" baseline="0" dirty="0" smtClean="0"/>
+              <a:t> </a:t>
+            </a:r>
+            <a:r>
+              <a:rPr lang="es-ES_tradnl" baseline="0" dirty="0" err="1" smtClean="0"/>
+              <a:t>make</a:t>
+            </a:r>
+            <a:r>
+              <a:rPr lang="es-ES_tradnl" baseline="0" dirty="0" smtClean="0"/>
+              <a:t> no </a:t>
+            </a:r>
+            <a:r>
+              <a:rPr lang="es-ES_tradnl" baseline="0" dirty="0" err="1" smtClean="0"/>
+              <a:t>difference</a:t>
+            </a:r>
+            <a:r>
+              <a:rPr lang="es-ES_tradnl" baseline="0" dirty="0" smtClean="0"/>
+              <a:t> </a:t>
+            </a:r>
+            <a:r>
+              <a:rPr lang="es-ES_tradnl" baseline="0" dirty="0" err="1" smtClean="0"/>
+              <a:t>here</a:t>
             </a:r>
             <a:endParaRPr lang="en-US" dirty="0"/>
           </a:p>
@@ -5062,7 +5761,7 @@
             <a:fld id="{FE9BC4E5-2BC1-4F43-85DD-A1B8F74CB7EB}" type="slidenum">
               <a:rPr lang="en-US" smtClean="0"/>
               <a:pPr/>
-              <a:t>23</a:t>
+              <a:t>24</a:t>
             </a:fld>
             <a:endParaRPr lang="en-US"/>
           </a:p>
@@ -5071,7 +5770,7 @@
     </p:spTree>
     <p:extLst>
       <p:ext uri="{BB962C8B-B14F-4D97-AF65-F5344CB8AC3E}">
-        <p14:creationId xmlns:p14="http://schemas.microsoft.com/office/powerpoint/2010/main" val="2643652491"/>
+        <p14:creationId xmlns:p14="http://schemas.microsoft.com/office/powerpoint/2010/main" val="2643905430"/>
       </p:ext>
     </p:extLst>
   </p:cSld>
@@ -11395,8 +12094,9 @@
           <a:p>
             <a:r>
               <a:rPr lang="en-US" dirty="0" smtClean="0"/>
-              <a:t>Node.js for Architects</a:t>
-            </a:r>
+              <a:t>Getting started with Node.js</a:t>
+            </a:r>
+            <a:endParaRPr lang="en-US" dirty="0" smtClean="0"/>
           </a:p>
           <a:p>
             <a:r>
@@ -11436,6 +12136,732 @@
 </file>
 
 <file path=ppt/slides/slide10.xml><?xml version="1.0" encoding="utf-8"?>
+<p:sld xmlns:a="http://schemas.openxmlformats.org/drawingml/2006/main" xmlns:r="http://schemas.openxmlformats.org/officeDocument/2006/relationships" xmlns:p="http://schemas.openxmlformats.org/presentationml/2006/main">
+  <p:cSld>
+    <p:spTree>
+      <p:nvGrpSpPr>
+        <p:cNvPr id="1" name=""/>
+        <p:cNvGrpSpPr/>
+        <p:nvPr/>
+      </p:nvGrpSpPr>
+      <p:grpSpPr>
+        <a:xfrm>
+          <a:off x="0" y="0"/>
+          <a:ext cx="0" cy="0"/>
+          <a:chOff x="0" y="0"/>
+          <a:chExt cx="0" cy="0"/>
+        </a:xfrm>
+      </p:grpSpPr>
+      <p:sp>
+        <p:nvSpPr>
+          <p:cNvPr id="2" name="Text Placeholder 1"/>
+          <p:cNvSpPr>
+            <a:spLocks noGrp="1"/>
+          </p:cNvSpPr>
+          <p:nvPr>
+            <p:ph type="body" sz="quarter" idx="10"/>
+          </p:nvPr>
+        </p:nvSpPr>
+        <p:spPr/>
+        <p:txBody>
+          <a:bodyPr/>
+          <a:lstStyle/>
+          <a:p>
+            <a:r>
+              <a:rPr lang="es-ES_tradnl" dirty="0" err="1" smtClean="0"/>
+              <a:t>Event</a:t>
+            </a:r>
+            <a:r>
+              <a:rPr lang="es-ES_tradnl" dirty="0" smtClean="0"/>
+              <a:t> </a:t>
+            </a:r>
+            <a:r>
+              <a:rPr lang="es-ES_tradnl" dirty="0" err="1" smtClean="0"/>
+              <a:t>callbacks</a:t>
+            </a:r>
+            <a:endParaRPr lang="en-US" dirty="0"/>
+          </a:p>
+        </p:txBody>
+      </p:sp>
+      <p:pic>
+        <p:nvPicPr>
+          <p:cNvPr id="4" name="Picture 3" descr="Screen Clipping"/>
+          <p:cNvPicPr>
+            <a:picLocks noChangeAspect="1"/>
+          </p:cNvPicPr>
+          <p:nvPr/>
+        </p:nvPicPr>
+        <p:blipFill>
+          <a:blip r:embed="rId2">
+            <a:extLst>
+              <a:ext uri="{28A0092B-C50C-407E-A947-70E740481C1C}">
+                <a14:useLocalDpi xmlns:a14="http://schemas.microsoft.com/office/drawing/2010/main" val="0"/>
+              </a:ext>
+            </a:extLst>
+          </a:blip>
+          <a:stretch>
+            <a:fillRect/>
+          </a:stretch>
+        </p:blipFill>
+        <p:spPr>
+          <a:xfrm>
+            <a:off x="1624782" y="2348372"/>
+            <a:ext cx="5483978" cy="2430892"/>
+          </a:xfrm>
+          <a:prstGeom prst="rect">
+            <a:avLst/>
+          </a:prstGeom>
+        </p:spPr>
+      </p:pic>
+      <p:cxnSp>
+        <p:nvCxnSpPr>
+          <p:cNvPr id="5" name="Straight Arrow Connector 4"/>
+          <p:cNvCxnSpPr/>
+          <p:nvPr/>
+        </p:nvCxnSpPr>
+        <p:spPr>
+          <a:xfrm>
+            <a:off x="5318975" y="2176530"/>
+            <a:ext cx="0" cy="528033"/>
+          </a:xfrm>
+          <a:prstGeom prst="straightConnector1">
+            <a:avLst/>
+          </a:prstGeom>
+          <a:ln w="76200">
+            <a:tailEnd type="triangle"/>
+          </a:ln>
+        </p:spPr>
+        <p:style>
+          <a:lnRef idx="3">
+            <a:schemeClr val="accent3"/>
+          </a:lnRef>
+          <a:fillRef idx="0">
+            <a:schemeClr val="accent3"/>
+          </a:fillRef>
+          <a:effectRef idx="2">
+            <a:schemeClr val="accent3"/>
+          </a:effectRef>
+          <a:fontRef idx="minor">
+            <a:schemeClr val="tx1"/>
+          </a:fontRef>
+        </p:style>
+      </p:cxnSp>
+      <p:cxnSp>
+        <p:nvCxnSpPr>
+          <p:cNvPr id="6" name="Straight Arrow Connector 5"/>
+          <p:cNvCxnSpPr/>
+          <p:nvPr/>
+        </p:nvCxnSpPr>
+        <p:spPr>
+          <a:xfrm>
+            <a:off x="5316829" y="3372119"/>
+            <a:ext cx="0" cy="528033"/>
+          </a:xfrm>
+          <a:prstGeom prst="straightConnector1">
+            <a:avLst/>
+          </a:prstGeom>
+          <a:ln w="76200">
+            <a:tailEnd type="triangle"/>
+          </a:ln>
+        </p:spPr>
+        <p:style>
+          <a:lnRef idx="3">
+            <a:schemeClr val="accent3"/>
+          </a:lnRef>
+          <a:fillRef idx="0">
+            <a:schemeClr val="accent3"/>
+          </a:fillRef>
+          <a:effectRef idx="2">
+            <a:schemeClr val="accent3"/>
+          </a:effectRef>
+          <a:fontRef idx="minor">
+            <a:schemeClr val="tx1"/>
+          </a:fontRef>
+        </p:style>
+      </p:cxnSp>
+    </p:spTree>
+    <p:extLst>
+      <p:ext uri="{BB962C8B-B14F-4D97-AF65-F5344CB8AC3E}">
+        <p14:creationId xmlns:p14="http://schemas.microsoft.com/office/powerpoint/2010/main" val="2615241765"/>
+      </p:ext>
+    </p:extLst>
+  </p:cSld>
+  <p:clrMapOvr>
+    <a:masterClrMapping/>
+  </p:clrMapOvr>
+  <p:timing>
+    <p:tnLst>
+      <p:par>
+        <p:cTn id="1" dur="indefinite" restart="never" nodeType="tmRoot">
+          <p:childTnLst>
+            <p:seq concurrent="1" nextAc="seek">
+              <p:cTn id="2" dur="indefinite" nodeType="mainSeq">
+                <p:childTnLst>
+                  <p:par>
+                    <p:cTn id="3" fill="hold">
+                      <p:stCondLst>
+                        <p:cond delay="indefinite"/>
+                      </p:stCondLst>
+                      <p:childTnLst>
+                        <p:par>
+                          <p:cTn id="4" fill="hold">
+                            <p:stCondLst>
+                              <p:cond delay="0"/>
+                            </p:stCondLst>
+                            <p:childTnLst>
+                              <p:par>
+                                <p:cTn id="5" presetID="1" presetClass="entr" presetSubtype="0" fill="hold" nodeType="clickEffect">
+                                  <p:stCondLst>
+                                    <p:cond delay="0"/>
+                                  </p:stCondLst>
+                                  <p:childTnLst>
+                                    <p:set>
+                                      <p:cBhvr>
+                                        <p:cTn id="6" dur="1" fill="hold">
+                                          <p:stCondLst>
+                                            <p:cond delay="0"/>
+                                          </p:stCondLst>
+                                        </p:cTn>
+                                        <p:tgtEl>
+                                          <p:spTgt spid="6"/>
+                                        </p:tgtEl>
+                                        <p:attrNameLst>
+                                          <p:attrName>style.visibility</p:attrName>
+                                        </p:attrNameLst>
+                                      </p:cBhvr>
+                                      <p:to>
+                                        <p:strVal val="visible"/>
+                                      </p:to>
+                                    </p:set>
+                                  </p:childTnLst>
+                                </p:cTn>
+                              </p:par>
+                              <p:par>
+                                <p:cTn id="7" presetID="1" presetClass="entr" presetSubtype="0" fill="hold" nodeType="withEffect">
+                                  <p:stCondLst>
+                                    <p:cond delay="0"/>
+                                  </p:stCondLst>
+                                  <p:childTnLst>
+                                    <p:set>
+                                      <p:cBhvr>
+                                        <p:cTn id="8" dur="1" fill="hold">
+                                          <p:stCondLst>
+                                            <p:cond delay="0"/>
+                                          </p:stCondLst>
+                                        </p:cTn>
+                                        <p:tgtEl>
+                                          <p:spTgt spid="5"/>
+                                        </p:tgtEl>
+                                        <p:attrNameLst>
+                                          <p:attrName>style.visibility</p:attrName>
+                                        </p:attrNameLst>
+                                      </p:cBhvr>
+                                      <p:to>
+                                        <p:strVal val="visible"/>
+                                      </p:to>
+                                    </p:set>
+                                  </p:childTnLst>
+                                </p:cTn>
+                              </p:par>
+                            </p:childTnLst>
+                          </p:cTn>
+                        </p:par>
+                      </p:childTnLst>
+                    </p:cTn>
+                  </p:par>
+                </p:childTnLst>
+              </p:cTn>
+              <p:prevCondLst>
+                <p:cond evt="onPrev" delay="0">
+                  <p:tgtEl>
+                    <p:sldTgt/>
+                  </p:tgtEl>
+                </p:cond>
+              </p:prevCondLst>
+              <p:nextCondLst>
+                <p:cond evt="onNext" delay="0">
+                  <p:tgtEl>
+                    <p:sldTgt/>
+                  </p:tgtEl>
+                </p:cond>
+              </p:nextCondLst>
+            </p:seq>
+          </p:childTnLst>
+        </p:cTn>
+      </p:par>
+    </p:tnLst>
+  </p:timing>
+</p:sld>
+</file>
+
+<file path=ppt/slides/slide11.xml><?xml version="1.0" encoding="utf-8"?>
+<p:sld xmlns:a="http://schemas.openxmlformats.org/drawingml/2006/main" xmlns:r="http://schemas.openxmlformats.org/officeDocument/2006/relationships" xmlns:p="http://schemas.openxmlformats.org/presentationml/2006/main">
+  <p:cSld>
+    <p:spTree>
+      <p:nvGrpSpPr>
+        <p:cNvPr id="1" name=""/>
+        <p:cNvGrpSpPr/>
+        <p:nvPr/>
+      </p:nvGrpSpPr>
+      <p:grpSpPr>
+        <a:xfrm>
+          <a:off x="0" y="0"/>
+          <a:ext cx="0" cy="0"/>
+          <a:chOff x="0" y="0"/>
+          <a:chExt cx="0" cy="0"/>
+        </a:xfrm>
+      </p:grpSpPr>
+      <p:sp>
+        <p:nvSpPr>
+          <p:cNvPr id="2" name="Text Placeholder 1"/>
+          <p:cNvSpPr>
+            <a:spLocks noGrp="1"/>
+          </p:cNvSpPr>
+          <p:nvPr>
+            <p:ph type="body" sz="quarter" idx="10"/>
+          </p:nvPr>
+        </p:nvSpPr>
+        <p:spPr/>
+        <p:txBody>
+          <a:bodyPr/>
+          <a:lstStyle/>
+          <a:p>
+            <a:r>
+              <a:rPr lang="es-ES_tradnl" dirty="0" err="1" smtClean="0"/>
+              <a:t>Sequential</a:t>
+            </a:r>
+            <a:r>
+              <a:rPr lang="es-ES_tradnl" dirty="0" smtClean="0"/>
+              <a:t> </a:t>
+            </a:r>
+            <a:r>
+              <a:rPr lang="es-ES_tradnl" dirty="0" err="1" smtClean="0"/>
+              <a:t>callbacks</a:t>
+            </a:r>
+            <a:r>
+              <a:rPr lang="es-ES_tradnl" dirty="0" smtClean="0"/>
+              <a:t>?</a:t>
+            </a:r>
+            <a:endParaRPr lang="en-US" dirty="0"/>
+          </a:p>
+        </p:txBody>
+      </p:sp>
+      <p:pic>
+        <p:nvPicPr>
+          <p:cNvPr id="3" name="Picture 2" descr="Screen Clipping"/>
+          <p:cNvPicPr>
+            <a:picLocks noChangeAspect="1"/>
+          </p:cNvPicPr>
+          <p:nvPr/>
+        </p:nvPicPr>
+        <p:blipFill>
+          <a:blip r:embed="rId2">
+            <a:extLst>
+              <a:ext uri="{28A0092B-C50C-407E-A947-70E740481C1C}">
+                <a14:useLocalDpi xmlns:a14="http://schemas.microsoft.com/office/drawing/2010/main" val="0"/>
+              </a:ext>
+            </a:extLst>
+          </a:blip>
+          <a:stretch>
+            <a:fillRect/>
+          </a:stretch>
+        </p:blipFill>
+        <p:spPr>
+          <a:xfrm>
+            <a:off x="1642964" y="2488348"/>
+            <a:ext cx="5213981" cy="2173804"/>
+          </a:xfrm>
+          <a:prstGeom prst="rect">
+            <a:avLst/>
+          </a:prstGeom>
+        </p:spPr>
+      </p:pic>
+      <p:cxnSp>
+        <p:nvCxnSpPr>
+          <p:cNvPr id="5" name="Straight Arrow Connector 4"/>
+          <p:cNvCxnSpPr/>
+          <p:nvPr/>
+        </p:nvCxnSpPr>
+        <p:spPr>
+          <a:xfrm>
+            <a:off x="5316829" y="3636135"/>
+            <a:ext cx="0" cy="528033"/>
+          </a:xfrm>
+          <a:prstGeom prst="straightConnector1">
+            <a:avLst/>
+          </a:prstGeom>
+          <a:ln w="76200">
+            <a:tailEnd type="triangle"/>
+          </a:ln>
+        </p:spPr>
+        <p:style>
+          <a:lnRef idx="3">
+            <a:schemeClr val="accent3"/>
+          </a:lnRef>
+          <a:fillRef idx="0">
+            <a:schemeClr val="accent3"/>
+          </a:fillRef>
+          <a:effectRef idx="2">
+            <a:schemeClr val="accent3"/>
+          </a:effectRef>
+          <a:fontRef idx="minor">
+            <a:schemeClr val="tx1"/>
+          </a:fontRef>
+        </p:style>
+      </p:cxnSp>
+      <p:cxnSp>
+        <p:nvCxnSpPr>
+          <p:cNvPr id="6" name="Straight Arrow Connector 5"/>
+          <p:cNvCxnSpPr/>
+          <p:nvPr/>
+        </p:nvCxnSpPr>
+        <p:spPr>
+          <a:xfrm flipV="1">
+            <a:off x="5316829" y="4662152"/>
+            <a:ext cx="0" cy="487252"/>
+          </a:xfrm>
+          <a:prstGeom prst="straightConnector1">
+            <a:avLst/>
+          </a:prstGeom>
+          <a:ln w="76200">
+            <a:tailEnd type="triangle"/>
+          </a:ln>
+        </p:spPr>
+        <p:style>
+          <a:lnRef idx="3">
+            <a:schemeClr val="accent3"/>
+          </a:lnRef>
+          <a:fillRef idx="0">
+            <a:schemeClr val="accent3"/>
+          </a:fillRef>
+          <a:effectRef idx="2">
+            <a:schemeClr val="accent3"/>
+          </a:effectRef>
+          <a:fontRef idx="minor">
+            <a:schemeClr val="tx1"/>
+          </a:fontRef>
+        </p:style>
+      </p:cxnSp>
+    </p:spTree>
+    <p:extLst>
+      <p:ext uri="{BB962C8B-B14F-4D97-AF65-F5344CB8AC3E}">
+        <p14:creationId xmlns:p14="http://schemas.microsoft.com/office/powerpoint/2010/main" val="1208937174"/>
+      </p:ext>
+    </p:extLst>
+  </p:cSld>
+  <p:clrMapOvr>
+    <a:masterClrMapping/>
+  </p:clrMapOvr>
+  <p:timing>
+    <p:tnLst>
+      <p:par>
+        <p:cTn id="1" dur="indefinite" restart="never" nodeType="tmRoot">
+          <p:childTnLst>
+            <p:seq concurrent="1" nextAc="seek">
+              <p:cTn id="2" dur="indefinite" nodeType="mainSeq">
+                <p:childTnLst>
+                  <p:par>
+                    <p:cTn id="3" fill="hold">
+                      <p:stCondLst>
+                        <p:cond delay="indefinite"/>
+                      </p:stCondLst>
+                      <p:childTnLst>
+                        <p:par>
+                          <p:cTn id="4" fill="hold">
+                            <p:stCondLst>
+                              <p:cond delay="0"/>
+                            </p:stCondLst>
+                            <p:childTnLst>
+                              <p:par>
+                                <p:cTn id="5" presetID="1" presetClass="entr" presetSubtype="0" fill="hold" nodeType="clickEffect">
+                                  <p:stCondLst>
+                                    <p:cond delay="0"/>
+                                  </p:stCondLst>
+                                  <p:childTnLst>
+                                    <p:set>
+                                      <p:cBhvr>
+                                        <p:cTn id="6" dur="1" fill="hold">
+                                          <p:stCondLst>
+                                            <p:cond delay="0"/>
+                                          </p:stCondLst>
+                                        </p:cTn>
+                                        <p:tgtEl>
+                                          <p:spTgt spid="5"/>
+                                        </p:tgtEl>
+                                        <p:attrNameLst>
+                                          <p:attrName>style.visibility</p:attrName>
+                                        </p:attrNameLst>
+                                      </p:cBhvr>
+                                      <p:to>
+                                        <p:strVal val="visible"/>
+                                      </p:to>
+                                    </p:set>
+                                  </p:childTnLst>
+                                </p:cTn>
+                              </p:par>
+                              <p:par>
+                                <p:cTn id="7" presetID="1" presetClass="entr" presetSubtype="0" fill="hold" nodeType="withEffect">
+                                  <p:stCondLst>
+                                    <p:cond delay="0"/>
+                                  </p:stCondLst>
+                                  <p:childTnLst>
+                                    <p:set>
+                                      <p:cBhvr>
+                                        <p:cTn id="8" dur="1" fill="hold">
+                                          <p:stCondLst>
+                                            <p:cond delay="0"/>
+                                          </p:stCondLst>
+                                        </p:cTn>
+                                        <p:tgtEl>
+                                          <p:spTgt spid="6"/>
+                                        </p:tgtEl>
+                                        <p:attrNameLst>
+                                          <p:attrName>style.visibility</p:attrName>
+                                        </p:attrNameLst>
+                                      </p:cBhvr>
+                                      <p:to>
+                                        <p:strVal val="visible"/>
+                                      </p:to>
+                                    </p:set>
+                                  </p:childTnLst>
+                                </p:cTn>
+                              </p:par>
+                            </p:childTnLst>
+                          </p:cTn>
+                        </p:par>
+                      </p:childTnLst>
+                    </p:cTn>
+                  </p:par>
+                </p:childTnLst>
+              </p:cTn>
+              <p:prevCondLst>
+                <p:cond evt="onPrev" delay="0">
+                  <p:tgtEl>
+                    <p:sldTgt/>
+                  </p:tgtEl>
+                </p:cond>
+              </p:prevCondLst>
+              <p:nextCondLst>
+                <p:cond evt="onNext" delay="0">
+                  <p:tgtEl>
+                    <p:sldTgt/>
+                  </p:tgtEl>
+                </p:cond>
+              </p:nextCondLst>
+            </p:seq>
+          </p:childTnLst>
+        </p:cTn>
+      </p:par>
+    </p:tnLst>
+  </p:timing>
+</p:sld>
+</file>
+
+<file path=ppt/slides/slide12.xml><?xml version="1.0" encoding="utf-8"?>
+<p:sld xmlns:a="http://schemas.openxmlformats.org/drawingml/2006/main" xmlns:r="http://schemas.openxmlformats.org/officeDocument/2006/relationships" xmlns:p="http://schemas.openxmlformats.org/presentationml/2006/main">
+  <p:cSld>
+    <p:spTree>
+      <p:nvGrpSpPr>
+        <p:cNvPr id="1" name=""/>
+        <p:cNvGrpSpPr/>
+        <p:nvPr/>
+      </p:nvGrpSpPr>
+      <p:grpSpPr>
+        <a:xfrm>
+          <a:off x="0" y="0"/>
+          <a:ext cx="0" cy="0"/>
+          <a:chOff x="0" y="0"/>
+          <a:chExt cx="0" cy="0"/>
+        </a:xfrm>
+      </p:grpSpPr>
+      <p:sp>
+        <p:nvSpPr>
+          <p:cNvPr id="2" name="Text Placeholder 1"/>
+          <p:cNvSpPr>
+            <a:spLocks noGrp="1"/>
+          </p:cNvSpPr>
+          <p:nvPr>
+            <p:ph type="body" sz="quarter" idx="10"/>
+          </p:nvPr>
+        </p:nvSpPr>
+        <p:spPr/>
+        <p:txBody>
+          <a:bodyPr/>
+          <a:lstStyle/>
+          <a:p>
+            <a:r>
+              <a:rPr lang="es-ES_tradnl" dirty="0" smtClean="0"/>
+              <a:t>So </a:t>
+            </a:r>
+            <a:r>
+              <a:rPr lang="es-ES_tradnl" dirty="0" err="1" smtClean="0"/>
+              <a:t>why</a:t>
+            </a:r>
+            <a:r>
+              <a:rPr lang="es-ES_tradnl" dirty="0" smtClean="0"/>
+              <a:t> </a:t>
+            </a:r>
+            <a:r>
+              <a:rPr lang="es-ES_tradnl" dirty="0" err="1" smtClean="0"/>
+              <a:t>is</a:t>
+            </a:r>
+            <a:r>
+              <a:rPr lang="es-ES_tradnl" dirty="0" smtClean="0"/>
+              <a:t> </a:t>
+            </a:r>
+            <a:r>
+              <a:rPr lang="es-ES_tradnl" dirty="0" err="1" smtClean="0"/>
+              <a:t>this</a:t>
+            </a:r>
+            <a:r>
+              <a:rPr lang="es-ES_tradnl" dirty="0" smtClean="0"/>
+              <a:t> </a:t>
+            </a:r>
+            <a:r>
+              <a:rPr lang="es-ES_tradnl" dirty="0" err="1" smtClean="0"/>
+              <a:t>good</a:t>
+            </a:r>
+            <a:r>
+              <a:rPr lang="es-ES_tradnl" dirty="0" smtClean="0"/>
+              <a:t>?</a:t>
+            </a:r>
+            <a:endParaRPr lang="en-US" dirty="0"/>
+          </a:p>
+        </p:txBody>
+      </p:sp>
+      <p:sp>
+        <p:nvSpPr>
+          <p:cNvPr id="3" name="Text Placeholder 2"/>
+          <p:cNvSpPr>
+            <a:spLocks noGrp="1"/>
+          </p:cNvSpPr>
+          <p:nvPr>
+            <p:ph type="body" sz="quarter" idx="11"/>
+          </p:nvPr>
+        </p:nvSpPr>
+        <p:spPr/>
+        <p:txBody>
+          <a:bodyPr/>
+          <a:lstStyle/>
+          <a:p>
+            <a:r>
+              <a:rPr lang="es-ES_tradnl" dirty="0" smtClean="0"/>
+              <a:t>Non-</a:t>
+            </a:r>
+            <a:r>
+              <a:rPr lang="es-ES_tradnl" dirty="0" err="1" smtClean="0"/>
+              <a:t>blocking</a:t>
+            </a:r>
+            <a:r>
+              <a:rPr lang="es-ES_tradnl" dirty="0" smtClean="0"/>
+              <a:t> </a:t>
+            </a:r>
+            <a:r>
+              <a:rPr lang="es-ES_tradnl" dirty="0" err="1" smtClean="0"/>
+              <a:t>code</a:t>
+            </a:r>
+            <a:r>
+              <a:rPr lang="es-ES_tradnl" dirty="0" smtClean="0"/>
+              <a:t> </a:t>
+            </a:r>
+            <a:r>
+              <a:rPr lang="es-ES_tradnl" dirty="0" err="1" smtClean="0"/>
+              <a:t>is</a:t>
+            </a:r>
+            <a:r>
+              <a:rPr lang="es-ES_tradnl" dirty="0" smtClean="0"/>
+              <a:t> </a:t>
+            </a:r>
+            <a:r>
+              <a:rPr lang="es-ES_tradnl" dirty="0" err="1" smtClean="0"/>
+              <a:t>good</a:t>
+            </a:r>
+            <a:endParaRPr lang="es-ES_tradnl" dirty="0" smtClean="0"/>
+          </a:p>
+          <a:p>
+            <a:r>
+              <a:rPr lang="es-ES_tradnl" dirty="0" err="1" smtClean="0"/>
+              <a:t>Easier</a:t>
+            </a:r>
+            <a:r>
+              <a:rPr lang="es-ES_tradnl" dirty="0" smtClean="0"/>
+              <a:t> </a:t>
+            </a:r>
+            <a:r>
+              <a:rPr lang="es-ES_tradnl" dirty="0" err="1" smtClean="0"/>
+              <a:t>to</a:t>
+            </a:r>
+            <a:r>
+              <a:rPr lang="es-ES_tradnl" dirty="0" smtClean="0"/>
+              <a:t> </a:t>
+            </a:r>
+            <a:r>
+              <a:rPr lang="es-ES_tradnl" dirty="0" err="1" smtClean="0"/>
+              <a:t>write</a:t>
+            </a:r>
+            <a:endParaRPr lang="es-ES_tradnl" dirty="0" smtClean="0"/>
+          </a:p>
+          <a:p>
+            <a:r>
+              <a:rPr lang="es-ES_tradnl" dirty="0" err="1" smtClean="0"/>
+              <a:t>Scales</a:t>
+            </a:r>
+            <a:r>
+              <a:rPr lang="es-ES_tradnl" dirty="0" smtClean="0"/>
+              <a:t> </a:t>
+            </a:r>
+            <a:r>
+              <a:rPr lang="es-ES_tradnl" dirty="0" err="1" smtClean="0"/>
+              <a:t>better</a:t>
+            </a:r>
+            <a:endParaRPr lang="es-ES_tradnl" dirty="0" smtClean="0"/>
+          </a:p>
+          <a:p>
+            <a:r>
+              <a:rPr lang="es-ES_tradnl" dirty="0" err="1" smtClean="0"/>
+              <a:t>Lower</a:t>
+            </a:r>
+            <a:r>
+              <a:rPr lang="es-ES_tradnl" dirty="0" smtClean="0"/>
+              <a:t> </a:t>
+            </a:r>
+            <a:r>
+              <a:rPr lang="es-ES_tradnl" dirty="0" err="1" smtClean="0"/>
+              <a:t>memory</a:t>
+            </a:r>
+            <a:r>
+              <a:rPr lang="es-ES_tradnl" dirty="0" smtClean="0"/>
+              <a:t> </a:t>
+            </a:r>
+            <a:r>
+              <a:rPr lang="es-ES_tradnl" dirty="0" err="1" smtClean="0"/>
+              <a:t>overhead</a:t>
+            </a:r>
+            <a:endParaRPr lang="en-US" dirty="0"/>
+          </a:p>
+        </p:txBody>
+      </p:sp>
+    </p:spTree>
+    <p:extLst>
+      <p:ext uri="{BB962C8B-B14F-4D97-AF65-F5344CB8AC3E}">
+        <p14:creationId xmlns:p14="http://schemas.microsoft.com/office/powerpoint/2010/main" val="1959975576"/>
+      </p:ext>
+    </p:extLst>
+  </p:cSld>
+  <p:clrMapOvr>
+    <a:masterClrMapping/>
+  </p:clrMapOvr>
+  <p:timing>
+    <p:tnLst>
+      <p:par>
+        <p:cTn id="1" dur="indefinite" restart="never" nodeType="tmRoot"/>
+      </p:par>
+    </p:tnLst>
+  </p:timing>
+</p:sld>
+</file>
+
+<file path=ppt/slides/slide13.xml><?xml version="1.0" encoding="utf-8"?>
 <p:sld xmlns:a="http://schemas.openxmlformats.org/drawingml/2006/main" xmlns:r="http://schemas.openxmlformats.org/officeDocument/2006/relationships" xmlns:p="http://schemas.openxmlformats.org/presentationml/2006/main">
   <p:cSld>
     <p:spTree>
@@ -11484,7 +12910,7 @@
           <a:noFill/>
           <a:extLst>
             <a:ext uri="{909E8E84-426E-40dd-AFC4-6F175D3DCCD1}">
-              <a14:hiddenFill xmlns:a14="http://schemas.microsoft.com/office/drawing/2010/main" xmlns="">
+              <a14:hiddenFill xmlns="" xmlns:a14="http://schemas.microsoft.com/office/drawing/2010/main">
                 <a:solidFill>
                   <a:srgbClr val="FFFFFF"/>
                 </a:solidFill>
@@ -11513,7 +12939,7 @@
 </p:sld>
 </file>
 
-<file path=ppt/slides/slide11.xml><?xml version="1.0" encoding="utf-8"?>
+<file path=ppt/slides/slide14.xml><?xml version="1.0" encoding="utf-8"?>
 <p:sld xmlns:a="http://schemas.openxmlformats.org/drawingml/2006/main" xmlns:r="http://schemas.openxmlformats.org/officeDocument/2006/relationships" xmlns:p="http://schemas.openxmlformats.org/presentationml/2006/main">
   <p:cSld>
     <p:spTree>
@@ -11555,7 +12981,7 @@
       </p:sp>
       <p:pic>
         <p:nvPicPr>
-          <p:cNvPr id="4" name="Picture 2" descr="http://i.qkme.me/3vp5co.jpg"/>
+          <p:cNvPr id="1026" name="Picture 2" descr="http://i.imgflip.com/3tlsf.jpg"/>
           <p:cNvPicPr>
             <a:picLocks noChangeAspect="1" noChangeArrowheads="1"/>
           </p:cNvPicPr>
@@ -11576,15 +13002,22 @@
         </p:blipFill>
         <p:spPr bwMode="auto">
           <a:xfrm>
-            <a:off x="2218944" y="1450065"/>
-            <a:ext cx="4416679" cy="4416679"/>
+            <a:off x="2285206" y="1347766"/>
+            <a:ext cx="4572000" cy="4572000"/>
           </a:xfrm>
           <a:prstGeom prst="rect">
             <a:avLst/>
           </a:prstGeom>
-          <a:solidFill>
-            <a:srgbClr val="434787"/>
-          </a:solidFill>
+          <a:noFill/>
+          <a:extLst>
+            <a:ext uri="{909E8E84-426E-40DD-AFC4-6F175D3DCCD1}">
+              <a14:hiddenFill xmlns:a14="http://schemas.microsoft.com/office/drawing/2010/main">
+                <a:solidFill>
+                  <a:srgbClr val="FFFFFF"/>
+                </a:solidFill>
+              </a14:hiddenFill>
+            </a:ext>
+          </a:extLst>
         </p:spPr>
       </p:pic>
     </p:spTree>
@@ -11607,7 +13040,7 @@
 </p:sld>
 </file>
 
-<file path=ppt/slides/slide12.xml><?xml version="1.0" encoding="utf-8"?>
+<file path=ppt/slides/slide15.xml><?xml version="1.0" encoding="utf-8"?>
 <p:sld xmlns:a="http://schemas.openxmlformats.org/drawingml/2006/main" xmlns:r="http://schemas.openxmlformats.org/officeDocument/2006/relationships" xmlns:p="http://schemas.openxmlformats.org/presentationml/2006/main">
   <p:cSld>
     <p:spTree>
@@ -11721,7 +13154,7 @@
 </p:sld>
 </file>
 
-<file path=ppt/slides/slide13.xml><?xml version="1.0" encoding="utf-8"?>
+<file path=ppt/slides/slide16.xml><?xml version="1.0" encoding="utf-8"?>
 <p:sld xmlns:a="http://schemas.openxmlformats.org/drawingml/2006/main" xmlns:r="http://schemas.openxmlformats.org/officeDocument/2006/relationships" xmlns:p="http://schemas.openxmlformats.org/presentationml/2006/main">
   <p:cSld>
     <p:spTree>
@@ -11811,7 +13244,7 @@
 </p:sld>
 </file>
 
-<file path=ppt/slides/slide14.xml><?xml version="1.0" encoding="utf-8"?>
+<file path=ppt/slides/slide17.xml><?xml version="1.0" encoding="utf-8"?>
 <p:sld xmlns:a="http://schemas.openxmlformats.org/drawingml/2006/main" xmlns:r="http://schemas.openxmlformats.org/officeDocument/2006/relationships" xmlns:p="http://schemas.openxmlformats.org/presentationml/2006/main">
   <p:cSld>
     <p:spTree>
@@ -12011,7 +13444,7 @@
 </p:sld>
 </file>
 
-<file path=ppt/slides/slide15.xml><?xml version="1.0" encoding="utf-8"?>
+<file path=ppt/slides/slide18.xml><?xml version="1.0" encoding="utf-8"?>
 <p:sld xmlns:a="http://schemas.openxmlformats.org/drawingml/2006/main" xmlns:r="http://schemas.openxmlformats.org/officeDocument/2006/relationships" xmlns:p="http://schemas.openxmlformats.org/presentationml/2006/main">
   <p:cSld>
     <p:spTree>
@@ -12264,7 +13697,7 @@
 </p:sld>
 </file>
 
-<file path=ppt/slides/slide16.xml><?xml version="1.0" encoding="utf-8"?>
+<file path=ppt/slides/slide19.xml><?xml version="1.0" encoding="utf-8"?>
 <p:sld xmlns:a="http://schemas.openxmlformats.org/drawingml/2006/main" xmlns:r="http://schemas.openxmlformats.org/officeDocument/2006/relationships" xmlns:p="http://schemas.openxmlformats.org/presentationml/2006/main">
   <p:cSld>
     <p:spTree>
@@ -12416,816 +13849,6 @@
     <p:extLst>
       <p:ext uri="{BB962C8B-B14F-4D97-AF65-F5344CB8AC3E}">
         <p14:creationId xmlns:p14="http://schemas.microsoft.com/office/powerpoint/2010/main" val="2017434248"/>
-      </p:ext>
-    </p:extLst>
-  </p:cSld>
-  <p:clrMapOvr>
-    <a:masterClrMapping/>
-  </p:clrMapOvr>
-  <p:timing>
-    <p:tnLst>
-      <p:par>
-        <p:cTn id="1" dur="indefinite" restart="never" nodeType="tmRoot"/>
-      </p:par>
-    </p:tnLst>
-  </p:timing>
-</p:sld>
-</file>
-
-<file path=ppt/slides/slide17.xml><?xml version="1.0" encoding="utf-8"?>
-<p:sld xmlns:a="http://schemas.openxmlformats.org/drawingml/2006/main" xmlns:r="http://schemas.openxmlformats.org/officeDocument/2006/relationships" xmlns:p="http://schemas.openxmlformats.org/presentationml/2006/main">
-  <p:cSld>
-    <p:spTree>
-      <p:nvGrpSpPr>
-        <p:cNvPr id="1" name=""/>
-        <p:cNvGrpSpPr/>
-        <p:nvPr/>
-      </p:nvGrpSpPr>
-      <p:grpSpPr>
-        <a:xfrm>
-          <a:off x="0" y="0"/>
-          <a:ext cx="0" cy="0"/>
-          <a:chOff x="0" y="0"/>
-          <a:chExt cx="0" cy="0"/>
-        </a:xfrm>
-      </p:grpSpPr>
-      <p:sp>
-        <p:nvSpPr>
-          <p:cNvPr id="4" name="Text Placeholder 3"/>
-          <p:cNvSpPr>
-            <a:spLocks noGrp="1"/>
-          </p:cNvSpPr>
-          <p:nvPr>
-            <p:ph type="body" sz="quarter" idx="10"/>
-          </p:nvPr>
-        </p:nvSpPr>
-        <p:spPr/>
-        <p:txBody>
-          <a:bodyPr/>
-          <a:lstStyle/>
-          <a:p>
-            <a:r>
-              <a:rPr lang="es-ES_tradnl" dirty="0" smtClean="0"/>
-              <a:t>Express</a:t>
-            </a:r>
-            <a:endParaRPr lang="en-US" dirty="0"/>
-          </a:p>
-        </p:txBody>
-      </p:sp>
-      <p:sp>
-        <p:nvSpPr>
-          <p:cNvPr id="5" name="Text Placeholder 4"/>
-          <p:cNvSpPr>
-            <a:spLocks noGrp="1"/>
-          </p:cNvSpPr>
-          <p:nvPr>
-            <p:ph type="body" sz="quarter" idx="11"/>
-          </p:nvPr>
-        </p:nvSpPr>
-        <p:spPr/>
-        <p:txBody>
-          <a:bodyPr/>
-          <a:lstStyle/>
-          <a:p>
-            <a:r>
-              <a:rPr lang="es-ES_tradnl" dirty="0" err="1" smtClean="0"/>
-              <a:t>Minimal</a:t>
-            </a:r>
-            <a:r>
-              <a:rPr lang="es-ES_tradnl" dirty="0" smtClean="0"/>
-              <a:t> web </a:t>
-            </a:r>
-            <a:r>
-              <a:rPr lang="es-ES_tradnl" dirty="0" err="1" smtClean="0"/>
-              <a:t>application</a:t>
-            </a:r>
-            <a:r>
-              <a:rPr lang="es-ES_tradnl" dirty="0" smtClean="0"/>
-              <a:t> </a:t>
-            </a:r>
-            <a:r>
-              <a:rPr lang="es-ES_tradnl" dirty="0" err="1" smtClean="0"/>
-              <a:t>framework</a:t>
-            </a:r>
-            <a:endParaRPr lang="es-ES_tradnl" dirty="0"/>
-          </a:p>
-          <a:p>
-            <a:r>
-              <a:rPr lang="es-ES_tradnl" dirty="0" err="1" smtClean="0"/>
-              <a:t>Additional</a:t>
-            </a:r>
-            <a:r>
-              <a:rPr lang="es-ES_tradnl" dirty="0" smtClean="0"/>
-              <a:t> </a:t>
-            </a:r>
-            <a:r>
-              <a:rPr lang="es-ES_tradnl" dirty="0" err="1" smtClean="0"/>
-              <a:t>features</a:t>
-            </a:r>
-            <a:r>
-              <a:rPr lang="es-ES_tradnl" dirty="0" smtClean="0"/>
-              <a:t> are </a:t>
-            </a:r>
-            <a:r>
-              <a:rPr lang="es-ES_tradnl" dirty="0" err="1" smtClean="0"/>
-              <a:t>provided</a:t>
-            </a:r>
-            <a:r>
-              <a:rPr lang="es-ES_tradnl" dirty="0" smtClean="0"/>
-              <a:t> as modules </a:t>
-            </a:r>
-            <a:r>
-              <a:rPr lang="es-ES_tradnl" dirty="0" err="1" smtClean="0"/>
-              <a:t>or</a:t>
-            </a:r>
-            <a:r>
-              <a:rPr lang="es-ES_tradnl" dirty="0" smtClean="0"/>
-              <a:t> middleware: </a:t>
-            </a:r>
-            <a:r>
-              <a:rPr lang="es-ES_tradnl" dirty="0" err="1" smtClean="0"/>
-              <a:t>template</a:t>
-            </a:r>
-            <a:r>
-              <a:rPr lang="es-ES_tradnl" dirty="0" smtClean="0"/>
-              <a:t> </a:t>
-            </a:r>
-            <a:r>
-              <a:rPr lang="es-ES_tradnl" dirty="0" err="1" smtClean="0"/>
-              <a:t>engines</a:t>
-            </a:r>
-            <a:r>
-              <a:rPr lang="es-ES_tradnl" dirty="0" smtClean="0"/>
-              <a:t>, </a:t>
-            </a:r>
-            <a:r>
-              <a:rPr lang="es-ES_tradnl" dirty="0" err="1" smtClean="0"/>
-              <a:t>models</a:t>
-            </a:r>
-            <a:r>
-              <a:rPr lang="es-ES_tradnl" dirty="0" smtClean="0"/>
-              <a:t>, </a:t>
-            </a:r>
-            <a:r>
-              <a:rPr lang="es-ES_tradnl" dirty="0" err="1" smtClean="0"/>
-              <a:t>authentication</a:t>
-            </a:r>
-            <a:r>
-              <a:rPr lang="es-ES_tradnl" dirty="0" smtClean="0"/>
-              <a:t> and </a:t>
-            </a:r>
-            <a:r>
-              <a:rPr lang="es-ES_tradnl" dirty="0" err="1" smtClean="0"/>
-              <a:t>authorization</a:t>
-            </a:r>
-            <a:r>
-              <a:rPr lang="es-ES_tradnl" dirty="0" smtClean="0"/>
-              <a:t>, </a:t>
-            </a:r>
-            <a:r>
-              <a:rPr lang="es-ES_tradnl" dirty="0" err="1" smtClean="0"/>
-              <a:t>etc</a:t>
-            </a:r>
-            <a:endParaRPr lang="es-ES_tradnl" dirty="0" smtClean="0"/>
-          </a:p>
-          <a:p>
-            <a:pPr marL="0" indent="0">
-              <a:buNone/>
-            </a:pPr>
-            <a:endParaRPr lang="en-US" dirty="0"/>
-          </a:p>
-        </p:txBody>
-      </p:sp>
-      <p:pic>
-        <p:nvPicPr>
-          <p:cNvPr id="6" name="Picture 5" descr="Screen Clipping"/>
-          <p:cNvPicPr>
-            <a:picLocks noChangeAspect="1"/>
-          </p:cNvPicPr>
-          <p:nvPr/>
-        </p:nvPicPr>
-        <p:blipFill>
-          <a:blip r:embed="rId2">
-            <a:extLst>
-              <a:ext uri="{28A0092B-C50C-407E-A947-70E740481C1C}">
-                <a14:useLocalDpi xmlns:a14="http://schemas.microsoft.com/office/drawing/2010/main" val="0"/>
-              </a:ext>
-            </a:extLst>
-          </a:blip>
-          <a:stretch>
-            <a:fillRect/>
-          </a:stretch>
-        </p:blipFill>
-        <p:spPr>
-          <a:xfrm>
-            <a:off x="1640380" y="3462528"/>
-            <a:ext cx="5630128" cy="2360457"/>
-          </a:xfrm>
-          <a:prstGeom prst="rect">
-            <a:avLst/>
-          </a:prstGeom>
-        </p:spPr>
-      </p:pic>
-      <p:pic>
-        <p:nvPicPr>
-          <p:cNvPr id="7" name="Picture 6" descr="Screen Clipping"/>
-          <p:cNvPicPr>
-            <a:picLocks noChangeAspect="1"/>
-          </p:cNvPicPr>
-          <p:nvPr/>
-        </p:nvPicPr>
-        <p:blipFill>
-          <a:blip r:embed="rId3">
-            <a:extLst>
-              <a:ext uri="{28A0092B-C50C-407E-A947-70E740481C1C}">
-                <a14:useLocalDpi xmlns:a14="http://schemas.microsoft.com/office/drawing/2010/main" val="0"/>
-              </a:ext>
-            </a:extLst>
-          </a:blip>
-          <a:stretch>
-            <a:fillRect/>
-          </a:stretch>
-        </p:blipFill>
-        <p:spPr>
-          <a:xfrm>
-            <a:off x="6778752" y="261736"/>
-            <a:ext cx="2105844" cy="1377549"/>
-          </a:xfrm>
-          <a:prstGeom prst="rect">
-            <a:avLst/>
-          </a:prstGeom>
-        </p:spPr>
-      </p:pic>
-    </p:spTree>
-    <p:extLst>
-      <p:ext uri="{BB962C8B-B14F-4D97-AF65-F5344CB8AC3E}">
-        <p14:creationId xmlns:p14="http://schemas.microsoft.com/office/powerpoint/2010/main" val="2362532399"/>
-      </p:ext>
-    </p:extLst>
-  </p:cSld>
-  <p:clrMapOvr>
-    <a:masterClrMapping/>
-  </p:clrMapOvr>
-  <p:timing>
-    <p:tnLst>
-      <p:par>
-        <p:cTn id="1" dur="indefinite" restart="never" nodeType="tmRoot"/>
-      </p:par>
-    </p:tnLst>
-  </p:timing>
-</p:sld>
-</file>
-
-<file path=ppt/slides/slide18.xml><?xml version="1.0" encoding="utf-8"?>
-<p:sld xmlns:a="http://schemas.openxmlformats.org/drawingml/2006/main" xmlns:r="http://schemas.openxmlformats.org/officeDocument/2006/relationships" xmlns:p="http://schemas.openxmlformats.org/presentationml/2006/main">
-  <p:cSld>
-    <p:spTree>
-      <p:nvGrpSpPr>
-        <p:cNvPr id="1" name=""/>
-        <p:cNvGrpSpPr/>
-        <p:nvPr/>
-      </p:nvGrpSpPr>
-      <p:grpSpPr>
-        <a:xfrm>
-          <a:off x="0" y="0"/>
-          <a:ext cx="0" cy="0"/>
-          <a:chOff x="0" y="0"/>
-          <a:chExt cx="0" cy="0"/>
-        </a:xfrm>
-      </p:grpSpPr>
-      <p:sp>
-        <p:nvSpPr>
-          <p:cNvPr id="2" name="Text Placeholder 1"/>
-          <p:cNvSpPr>
-            <a:spLocks noGrp="1"/>
-          </p:cNvSpPr>
-          <p:nvPr>
-            <p:ph type="body" sz="quarter" idx="10"/>
-          </p:nvPr>
-        </p:nvSpPr>
-        <p:spPr/>
-        <p:txBody>
-          <a:bodyPr/>
-          <a:lstStyle/>
-          <a:p>
-            <a:r>
-              <a:rPr lang="en-US" dirty="0" err="1" smtClean="0"/>
-              <a:t>Socket.io</a:t>
-            </a:r>
-            <a:endParaRPr lang="en-US" dirty="0"/>
-          </a:p>
-        </p:txBody>
-      </p:sp>
-      <p:sp>
-        <p:nvSpPr>
-          <p:cNvPr id="3" name="Text Placeholder 2"/>
-          <p:cNvSpPr>
-            <a:spLocks noGrp="1"/>
-          </p:cNvSpPr>
-          <p:nvPr>
-            <p:ph type="body" sz="quarter" idx="11"/>
-          </p:nvPr>
-        </p:nvSpPr>
-        <p:spPr/>
-        <p:txBody>
-          <a:bodyPr/>
-          <a:lstStyle/>
-          <a:p>
-            <a:r>
-              <a:rPr lang="es-ES_tradnl" dirty="0" err="1" smtClean="0"/>
-              <a:t>Provides</a:t>
-            </a:r>
-            <a:r>
-              <a:rPr lang="es-ES_tradnl" dirty="0" smtClean="0"/>
-              <a:t> </a:t>
-            </a:r>
-            <a:r>
-              <a:rPr lang="es-ES_tradnl" dirty="0" err="1" smtClean="0"/>
-              <a:t>support</a:t>
-            </a:r>
-            <a:r>
-              <a:rPr lang="es-ES_tradnl" dirty="0" smtClean="0"/>
-              <a:t> </a:t>
-            </a:r>
-            <a:r>
-              <a:rPr lang="es-ES_tradnl" dirty="0" err="1" smtClean="0"/>
-              <a:t>for</a:t>
-            </a:r>
-            <a:r>
-              <a:rPr lang="es-ES_tradnl" dirty="0" smtClean="0"/>
-              <a:t> server-</a:t>
-            </a:r>
-            <a:r>
-              <a:rPr lang="es-ES_tradnl" dirty="0" err="1" smtClean="0"/>
-              <a:t>initiated</a:t>
-            </a:r>
-            <a:r>
-              <a:rPr lang="es-ES_tradnl" dirty="0" smtClean="0"/>
-              <a:t> </a:t>
-            </a:r>
-            <a:r>
-              <a:rPr lang="es-ES_tradnl" dirty="0" err="1" smtClean="0"/>
-              <a:t>push</a:t>
-            </a:r>
-            <a:r>
-              <a:rPr lang="es-ES_tradnl" dirty="0" smtClean="0"/>
-              <a:t> </a:t>
-            </a:r>
-            <a:r>
-              <a:rPr lang="es-ES_tradnl" dirty="0" err="1" smtClean="0"/>
-              <a:t>events</a:t>
-            </a:r>
-            <a:r>
-              <a:rPr lang="es-ES_tradnl" dirty="0" smtClean="0"/>
-              <a:t> </a:t>
-            </a:r>
-            <a:r>
-              <a:rPr lang="es-ES_tradnl" dirty="0" err="1" smtClean="0"/>
-              <a:t>using</a:t>
-            </a:r>
-            <a:r>
-              <a:rPr lang="es-ES_tradnl" dirty="0" smtClean="0"/>
-              <a:t> </a:t>
-            </a:r>
-            <a:r>
-              <a:rPr lang="es-ES_tradnl" dirty="0" err="1" smtClean="0"/>
-              <a:t>WebSockets</a:t>
-            </a:r>
-            <a:r>
-              <a:rPr lang="es-ES_tradnl" dirty="0" smtClean="0"/>
-              <a:t>, Ajax </a:t>
-            </a:r>
-            <a:r>
-              <a:rPr lang="es-ES_tradnl" dirty="0" err="1" smtClean="0"/>
-              <a:t>polling</a:t>
-            </a:r>
-            <a:r>
-              <a:rPr lang="es-ES_tradnl" dirty="0" smtClean="0"/>
-              <a:t>, </a:t>
-            </a:r>
-            <a:r>
-              <a:rPr lang="es-ES_tradnl" dirty="0" err="1" smtClean="0"/>
-              <a:t>Iframe</a:t>
-            </a:r>
-            <a:r>
-              <a:rPr lang="es-ES_tradnl" dirty="0" smtClean="0"/>
-              <a:t>, JSONP </a:t>
-            </a:r>
-            <a:r>
-              <a:rPr lang="es-ES_tradnl" dirty="0" err="1" smtClean="0"/>
-              <a:t>or</a:t>
-            </a:r>
-            <a:r>
-              <a:rPr lang="es-ES_tradnl" dirty="0" smtClean="0"/>
-              <a:t> Flash-</a:t>
-            </a:r>
-            <a:r>
-              <a:rPr lang="es-ES_tradnl" dirty="0" err="1" smtClean="0"/>
-              <a:t>based</a:t>
-            </a:r>
-            <a:r>
-              <a:rPr lang="es-ES_tradnl" dirty="0" smtClean="0"/>
-              <a:t> </a:t>
-            </a:r>
-            <a:r>
-              <a:rPr lang="es-ES_tradnl" dirty="0" err="1" smtClean="0"/>
-              <a:t>channels</a:t>
-            </a:r>
-            <a:r>
-              <a:rPr lang="es-ES_tradnl" dirty="0" smtClean="0"/>
-              <a:t> </a:t>
-            </a:r>
-          </a:p>
-          <a:p>
-            <a:r>
-              <a:rPr lang="es-ES_tradnl" dirty="0" err="1" smtClean="0"/>
-              <a:t>Transparent</a:t>
-            </a:r>
-            <a:r>
-              <a:rPr lang="es-ES_tradnl" dirty="0" smtClean="0"/>
-              <a:t> </a:t>
-            </a:r>
-            <a:r>
-              <a:rPr lang="es-ES_tradnl" dirty="0" err="1" smtClean="0"/>
-              <a:t>for</a:t>
-            </a:r>
-            <a:r>
-              <a:rPr lang="es-ES_tradnl" dirty="0" smtClean="0"/>
-              <a:t> </a:t>
-            </a:r>
-            <a:r>
-              <a:rPr lang="es-ES_tradnl" dirty="0" err="1" smtClean="0"/>
-              <a:t>both</a:t>
-            </a:r>
-            <a:r>
-              <a:rPr lang="es-ES_tradnl" dirty="0" smtClean="0"/>
-              <a:t> </a:t>
-            </a:r>
-            <a:r>
-              <a:rPr lang="es-ES_tradnl" dirty="0" err="1" smtClean="0"/>
-              <a:t>clients</a:t>
-            </a:r>
-            <a:r>
-              <a:rPr lang="es-ES_tradnl" dirty="0" smtClean="0"/>
-              <a:t> and servers</a:t>
-            </a:r>
-          </a:p>
-          <a:p>
-            <a:r>
-              <a:rPr lang="es-ES_tradnl" dirty="0" smtClean="0"/>
-              <a:t>Can </a:t>
-            </a:r>
-            <a:r>
-              <a:rPr lang="es-ES_tradnl" dirty="0" err="1" smtClean="0"/>
-              <a:t>run</a:t>
-            </a:r>
-            <a:r>
-              <a:rPr lang="es-ES_tradnl" dirty="0" smtClean="0"/>
-              <a:t> </a:t>
-            </a:r>
-            <a:r>
-              <a:rPr lang="es-ES_tradnl" dirty="0" err="1" smtClean="0"/>
-              <a:t>standalone</a:t>
-            </a:r>
-            <a:r>
-              <a:rPr lang="es-ES_tradnl" dirty="0" smtClean="0"/>
-              <a:t> </a:t>
-            </a:r>
-            <a:r>
-              <a:rPr lang="es-ES_tradnl" dirty="0" err="1" smtClean="0"/>
-              <a:t>or</a:t>
-            </a:r>
-            <a:r>
-              <a:rPr lang="es-ES_tradnl" dirty="0" smtClean="0"/>
-              <a:t> </a:t>
-            </a:r>
-            <a:r>
-              <a:rPr lang="es-ES_tradnl" dirty="0" err="1" smtClean="0"/>
-              <a:t>integrated</a:t>
-            </a:r>
-            <a:r>
-              <a:rPr lang="es-ES_tradnl" dirty="0" smtClean="0"/>
-              <a:t> </a:t>
-            </a:r>
-            <a:r>
-              <a:rPr lang="es-ES_tradnl" dirty="0" err="1" smtClean="0"/>
-              <a:t>with</a:t>
-            </a:r>
-            <a:r>
-              <a:rPr lang="es-ES_tradnl" dirty="0" smtClean="0"/>
-              <a:t> Express</a:t>
-            </a:r>
-            <a:endParaRPr lang="en-US" dirty="0"/>
-          </a:p>
-        </p:txBody>
-      </p:sp>
-      <p:pic>
-        <p:nvPicPr>
-          <p:cNvPr id="5" name="Picture 4" descr="Screen Clipping"/>
-          <p:cNvPicPr>
-            <a:picLocks noChangeAspect="1"/>
-          </p:cNvPicPr>
-          <p:nvPr/>
-        </p:nvPicPr>
-        <p:blipFill>
-          <a:blip r:embed="rId2">
-            <a:extLst>
-              <a:ext uri="{28A0092B-C50C-407E-A947-70E740481C1C}">
-                <a14:useLocalDpi xmlns:a14="http://schemas.microsoft.com/office/drawing/2010/main" val="0"/>
-              </a:ext>
-            </a:extLst>
-          </a:blip>
-          <a:stretch>
-            <a:fillRect/>
-          </a:stretch>
-        </p:blipFill>
-        <p:spPr>
-          <a:xfrm>
-            <a:off x="4666998" y="4389985"/>
-            <a:ext cx="4188276" cy="1389023"/>
-          </a:xfrm>
-          <a:prstGeom prst="rect">
-            <a:avLst/>
-          </a:prstGeom>
-        </p:spPr>
-      </p:pic>
-      <p:pic>
-        <p:nvPicPr>
-          <p:cNvPr id="6" name="Picture 5" descr="Screen Clipping"/>
-          <p:cNvPicPr>
-            <a:picLocks noChangeAspect="1"/>
-          </p:cNvPicPr>
-          <p:nvPr/>
-        </p:nvPicPr>
-        <p:blipFill>
-          <a:blip r:embed="rId3">
-            <a:extLst>
-              <a:ext uri="{28A0092B-C50C-407E-A947-70E740481C1C}">
-                <a14:useLocalDpi xmlns:a14="http://schemas.microsoft.com/office/drawing/2010/main" val="0"/>
-              </a:ext>
-            </a:extLst>
-          </a:blip>
-          <a:stretch>
-            <a:fillRect/>
-          </a:stretch>
-        </p:blipFill>
-        <p:spPr>
-          <a:xfrm>
-            <a:off x="287139" y="4389985"/>
-            <a:ext cx="4080995" cy="1375240"/>
-          </a:xfrm>
-          <a:prstGeom prst="rect">
-            <a:avLst/>
-          </a:prstGeom>
-        </p:spPr>
-      </p:pic>
-      <p:sp>
-        <p:nvSpPr>
-          <p:cNvPr id="7" name="TextBox 6"/>
-          <p:cNvSpPr txBox="1"/>
-          <p:nvPr/>
-        </p:nvSpPr>
-        <p:spPr>
-          <a:xfrm>
-            <a:off x="938784" y="5779008"/>
-            <a:ext cx="2865120" cy="365760"/>
-          </a:xfrm>
-          <a:prstGeom prst="rect">
-            <a:avLst/>
-          </a:prstGeom>
-          <a:noFill/>
-        </p:spPr>
-        <p:txBody>
-          <a:bodyPr wrap="square" rtlCol="0">
-            <a:spAutoFit/>
-          </a:bodyPr>
-          <a:lstStyle/>
-          <a:p>
-            <a:pPr algn="ctr"/>
-            <a:r>
-              <a:rPr lang="es-ES_tradnl" b="1" dirty="0" smtClean="0">
-                <a:latin typeface="Titillium Bd" panose="00000800000000000000" pitchFamily="50" charset="0"/>
-              </a:rPr>
-              <a:t>SERVER</a:t>
-            </a:r>
-            <a:endParaRPr lang="en-US" b="1" dirty="0">
-              <a:latin typeface="Titillium Bd" panose="00000800000000000000" pitchFamily="50" charset="0"/>
-            </a:endParaRPr>
-          </a:p>
-        </p:txBody>
-      </p:sp>
-      <p:sp>
-        <p:nvSpPr>
-          <p:cNvPr id="8" name="TextBox 7"/>
-          <p:cNvSpPr txBox="1"/>
-          <p:nvPr/>
-        </p:nvSpPr>
-        <p:spPr>
-          <a:xfrm>
-            <a:off x="5328576" y="5825744"/>
-            <a:ext cx="2865120" cy="365760"/>
-          </a:xfrm>
-          <a:prstGeom prst="rect">
-            <a:avLst/>
-          </a:prstGeom>
-          <a:noFill/>
-        </p:spPr>
-        <p:txBody>
-          <a:bodyPr wrap="square" rtlCol="0">
-            <a:spAutoFit/>
-          </a:bodyPr>
-          <a:lstStyle/>
-          <a:p>
-            <a:pPr algn="ctr"/>
-            <a:r>
-              <a:rPr lang="es-ES_tradnl" b="1" dirty="0" smtClean="0">
-                <a:latin typeface="Titillium Bd" panose="00000800000000000000" pitchFamily="50" charset="0"/>
-              </a:rPr>
-              <a:t>CLIENT</a:t>
-            </a:r>
-            <a:endParaRPr lang="en-US" b="1" dirty="0">
-              <a:latin typeface="Titillium Bd" panose="00000800000000000000" pitchFamily="50" charset="0"/>
-            </a:endParaRPr>
-          </a:p>
-        </p:txBody>
-      </p:sp>
-    </p:spTree>
-    <p:extLst>
-      <p:ext uri="{BB962C8B-B14F-4D97-AF65-F5344CB8AC3E}">
-        <p14:creationId xmlns:p14="http://schemas.microsoft.com/office/powerpoint/2010/main" val="1611142898"/>
-      </p:ext>
-    </p:extLst>
-  </p:cSld>
-  <p:clrMapOvr>
-    <a:masterClrMapping/>
-  </p:clrMapOvr>
-  <p:timing>
-    <p:tnLst>
-      <p:par>
-        <p:cTn id="1" dur="indefinite" restart="never" nodeType="tmRoot"/>
-      </p:par>
-    </p:tnLst>
-  </p:timing>
-</p:sld>
-</file>
-
-<file path=ppt/slides/slide19.xml><?xml version="1.0" encoding="utf-8"?>
-<p:sld xmlns:a="http://schemas.openxmlformats.org/drawingml/2006/main" xmlns:r="http://schemas.openxmlformats.org/officeDocument/2006/relationships" xmlns:p="http://schemas.openxmlformats.org/presentationml/2006/main">
-  <p:cSld>
-    <p:spTree>
-      <p:nvGrpSpPr>
-        <p:cNvPr id="1" name=""/>
-        <p:cNvGrpSpPr/>
-        <p:nvPr/>
-      </p:nvGrpSpPr>
-      <p:grpSpPr>
-        <a:xfrm>
-          <a:off x="0" y="0"/>
-          <a:ext cx="0" cy="0"/>
-          <a:chOff x="0" y="0"/>
-          <a:chExt cx="0" cy="0"/>
-        </a:xfrm>
-      </p:grpSpPr>
-      <p:sp>
-        <p:nvSpPr>
-          <p:cNvPr id="2" name="Text Placeholder 1"/>
-          <p:cNvSpPr>
-            <a:spLocks noGrp="1"/>
-          </p:cNvSpPr>
-          <p:nvPr>
-            <p:ph type="body" sz="quarter" idx="10"/>
-          </p:nvPr>
-        </p:nvSpPr>
-        <p:spPr/>
-        <p:txBody>
-          <a:bodyPr/>
-          <a:lstStyle/>
-          <a:p>
-            <a:r>
-              <a:rPr lang="en-US" dirty="0" smtClean="0"/>
-              <a:t>Meteor</a:t>
-            </a:r>
-            <a:endParaRPr lang="en-US" dirty="0"/>
-          </a:p>
-        </p:txBody>
-      </p:sp>
-      <p:sp>
-        <p:nvSpPr>
-          <p:cNvPr id="3" name="Text Placeholder 2"/>
-          <p:cNvSpPr>
-            <a:spLocks noGrp="1"/>
-          </p:cNvSpPr>
-          <p:nvPr>
-            <p:ph type="body" sz="quarter" idx="11"/>
-          </p:nvPr>
-        </p:nvSpPr>
-        <p:spPr/>
-        <p:txBody>
-          <a:bodyPr/>
-          <a:lstStyle/>
-          <a:p>
-            <a:r>
-              <a:rPr lang="es-ES_tradnl" dirty="0" err="1" smtClean="0"/>
-              <a:t>Next</a:t>
-            </a:r>
-            <a:r>
-              <a:rPr lang="es-ES_tradnl" dirty="0" smtClean="0"/>
-              <a:t>-gen </a:t>
-            </a:r>
-            <a:r>
-              <a:rPr lang="es-ES_tradnl" dirty="0" err="1" smtClean="0"/>
-              <a:t>framework</a:t>
-            </a:r>
-            <a:r>
-              <a:rPr lang="es-ES_tradnl" dirty="0" smtClean="0"/>
-              <a:t> </a:t>
-            </a:r>
-            <a:r>
-              <a:rPr lang="es-ES_tradnl" dirty="0" err="1" smtClean="0"/>
-              <a:t>for</a:t>
-            </a:r>
-            <a:r>
-              <a:rPr lang="es-ES_tradnl" dirty="0" smtClean="0"/>
-              <a:t> real-time </a:t>
-            </a:r>
-            <a:r>
-              <a:rPr lang="es-ES_tradnl" dirty="0" err="1" smtClean="0"/>
-              <a:t>collaborative</a:t>
-            </a:r>
-            <a:r>
-              <a:rPr lang="es-ES_tradnl" dirty="0" smtClean="0"/>
-              <a:t> web </a:t>
-            </a:r>
-            <a:r>
-              <a:rPr lang="es-ES_tradnl" dirty="0" err="1" smtClean="0"/>
-              <a:t>applications</a:t>
-            </a:r>
-            <a:endParaRPr lang="es-ES_tradnl" dirty="0" smtClean="0"/>
-          </a:p>
-          <a:p>
-            <a:r>
-              <a:rPr lang="es-ES_tradnl" dirty="0"/>
-              <a:t>Live page </a:t>
-            </a:r>
-            <a:r>
-              <a:rPr lang="es-ES_tradnl" dirty="0" err="1" smtClean="0"/>
-              <a:t>updates</a:t>
-            </a:r>
-            <a:endParaRPr lang="es-ES_tradnl" dirty="0" smtClean="0"/>
-          </a:p>
-          <a:p>
-            <a:r>
-              <a:rPr lang="es-ES_tradnl" dirty="0" err="1" smtClean="0"/>
-              <a:t>Support</a:t>
-            </a:r>
-            <a:r>
-              <a:rPr lang="es-ES_tradnl" dirty="0" smtClean="0"/>
-              <a:t> </a:t>
-            </a:r>
-            <a:r>
-              <a:rPr lang="es-ES_tradnl" dirty="0" err="1" smtClean="0"/>
-              <a:t>for</a:t>
-            </a:r>
-            <a:r>
-              <a:rPr lang="es-ES_tradnl" dirty="0" smtClean="0"/>
-              <a:t> offline </a:t>
-            </a:r>
-            <a:r>
-              <a:rPr lang="es-ES_tradnl" dirty="0" err="1" smtClean="0"/>
-              <a:t>databases</a:t>
-            </a:r>
-            <a:r>
-              <a:rPr lang="es-ES_tradnl" dirty="0" smtClean="0"/>
-              <a:t> </a:t>
-            </a:r>
-            <a:r>
-              <a:rPr lang="es-ES_tradnl" dirty="0" err="1" smtClean="0"/>
-              <a:t>with</a:t>
-            </a:r>
-            <a:r>
-              <a:rPr lang="es-ES_tradnl" dirty="0" smtClean="0"/>
-              <a:t> </a:t>
-            </a:r>
-            <a:r>
-              <a:rPr lang="es-ES_tradnl" dirty="0" err="1" smtClean="0"/>
-              <a:t>subsequent</a:t>
-            </a:r>
-            <a:r>
-              <a:rPr lang="es-ES_tradnl" dirty="0" smtClean="0"/>
-              <a:t> </a:t>
-            </a:r>
-            <a:r>
-              <a:rPr lang="es-ES_tradnl" dirty="0" err="1" smtClean="0"/>
-              <a:t>synchronization</a:t>
-            </a:r>
-            <a:endParaRPr lang="es-ES_tradnl" dirty="0" smtClean="0"/>
-          </a:p>
-        </p:txBody>
-      </p:sp>
-    </p:spTree>
-    <p:extLst>
-      <p:ext uri="{BB962C8B-B14F-4D97-AF65-F5344CB8AC3E}">
-        <p14:creationId xmlns:p14="http://schemas.microsoft.com/office/powerpoint/2010/main" val="1714327436"/>
       </p:ext>
     </p:extLst>
   </p:cSld>
@@ -13524,6 +14147,840 @@
 </file>
 
 <file path=ppt/slides/slide20.xml><?xml version="1.0" encoding="utf-8"?>
+<p:sld xmlns:a="http://schemas.openxmlformats.org/drawingml/2006/main" xmlns:r="http://schemas.openxmlformats.org/officeDocument/2006/relationships" xmlns:p="http://schemas.openxmlformats.org/presentationml/2006/main" show="0">
+  <p:cSld>
+    <p:spTree>
+      <p:nvGrpSpPr>
+        <p:cNvPr id="1" name=""/>
+        <p:cNvGrpSpPr/>
+        <p:nvPr/>
+      </p:nvGrpSpPr>
+      <p:grpSpPr>
+        <a:xfrm>
+          <a:off x="0" y="0"/>
+          <a:ext cx="0" cy="0"/>
+          <a:chOff x="0" y="0"/>
+          <a:chExt cx="0" cy="0"/>
+        </a:xfrm>
+      </p:grpSpPr>
+      <p:sp>
+        <p:nvSpPr>
+          <p:cNvPr id="4" name="Text Placeholder 3"/>
+          <p:cNvSpPr>
+            <a:spLocks noGrp="1"/>
+          </p:cNvSpPr>
+          <p:nvPr>
+            <p:ph type="body" sz="quarter" idx="10"/>
+          </p:nvPr>
+        </p:nvSpPr>
+        <p:spPr/>
+        <p:txBody>
+          <a:bodyPr/>
+          <a:lstStyle/>
+          <a:p>
+            <a:r>
+              <a:rPr lang="es-ES_tradnl" dirty="0" smtClean="0"/>
+              <a:t>Express</a:t>
+            </a:r>
+            <a:endParaRPr lang="en-US" dirty="0"/>
+          </a:p>
+        </p:txBody>
+      </p:sp>
+      <p:sp>
+        <p:nvSpPr>
+          <p:cNvPr id="5" name="Text Placeholder 4"/>
+          <p:cNvSpPr>
+            <a:spLocks noGrp="1"/>
+          </p:cNvSpPr>
+          <p:nvPr>
+            <p:ph type="body" sz="quarter" idx="11"/>
+          </p:nvPr>
+        </p:nvSpPr>
+        <p:spPr/>
+        <p:txBody>
+          <a:bodyPr/>
+          <a:lstStyle/>
+          <a:p>
+            <a:r>
+              <a:rPr lang="es-ES_tradnl" dirty="0" err="1" smtClean="0"/>
+              <a:t>Minimal</a:t>
+            </a:r>
+            <a:r>
+              <a:rPr lang="es-ES_tradnl" dirty="0" smtClean="0"/>
+              <a:t> web </a:t>
+            </a:r>
+            <a:r>
+              <a:rPr lang="es-ES_tradnl" dirty="0" err="1" smtClean="0"/>
+              <a:t>application</a:t>
+            </a:r>
+            <a:r>
+              <a:rPr lang="es-ES_tradnl" dirty="0" smtClean="0"/>
+              <a:t> </a:t>
+            </a:r>
+            <a:r>
+              <a:rPr lang="es-ES_tradnl" dirty="0" err="1" smtClean="0"/>
+              <a:t>framework</a:t>
+            </a:r>
+            <a:endParaRPr lang="es-ES_tradnl" dirty="0"/>
+          </a:p>
+          <a:p>
+            <a:r>
+              <a:rPr lang="es-ES_tradnl" dirty="0" err="1" smtClean="0"/>
+              <a:t>Additional</a:t>
+            </a:r>
+            <a:r>
+              <a:rPr lang="es-ES_tradnl" dirty="0" smtClean="0"/>
+              <a:t> </a:t>
+            </a:r>
+            <a:r>
+              <a:rPr lang="es-ES_tradnl" dirty="0" err="1" smtClean="0"/>
+              <a:t>features</a:t>
+            </a:r>
+            <a:r>
+              <a:rPr lang="es-ES_tradnl" dirty="0" smtClean="0"/>
+              <a:t> are </a:t>
+            </a:r>
+            <a:r>
+              <a:rPr lang="es-ES_tradnl" dirty="0" err="1" smtClean="0"/>
+              <a:t>provided</a:t>
+            </a:r>
+            <a:r>
+              <a:rPr lang="es-ES_tradnl" dirty="0" smtClean="0"/>
+              <a:t> as modules </a:t>
+            </a:r>
+            <a:r>
+              <a:rPr lang="es-ES_tradnl" dirty="0" err="1" smtClean="0"/>
+              <a:t>or</a:t>
+            </a:r>
+            <a:r>
+              <a:rPr lang="es-ES_tradnl" dirty="0" smtClean="0"/>
+              <a:t> middleware: </a:t>
+            </a:r>
+            <a:r>
+              <a:rPr lang="es-ES_tradnl" dirty="0" err="1" smtClean="0"/>
+              <a:t>template</a:t>
+            </a:r>
+            <a:r>
+              <a:rPr lang="es-ES_tradnl" dirty="0" smtClean="0"/>
+              <a:t> </a:t>
+            </a:r>
+            <a:r>
+              <a:rPr lang="es-ES_tradnl" dirty="0" err="1" smtClean="0"/>
+              <a:t>engines</a:t>
+            </a:r>
+            <a:r>
+              <a:rPr lang="es-ES_tradnl" dirty="0" smtClean="0"/>
+              <a:t>, </a:t>
+            </a:r>
+            <a:r>
+              <a:rPr lang="es-ES_tradnl" dirty="0" err="1" smtClean="0"/>
+              <a:t>models</a:t>
+            </a:r>
+            <a:r>
+              <a:rPr lang="es-ES_tradnl" dirty="0" smtClean="0"/>
+              <a:t>, </a:t>
+            </a:r>
+            <a:r>
+              <a:rPr lang="es-ES_tradnl" dirty="0" err="1" smtClean="0"/>
+              <a:t>authentication</a:t>
+            </a:r>
+            <a:r>
+              <a:rPr lang="es-ES_tradnl" dirty="0" smtClean="0"/>
+              <a:t> and </a:t>
+            </a:r>
+            <a:r>
+              <a:rPr lang="es-ES_tradnl" dirty="0" err="1" smtClean="0"/>
+              <a:t>authorization</a:t>
+            </a:r>
+            <a:r>
+              <a:rPr lang="es-ES_tradnl" dirty="0" smtClean="0"/>
+              <a:t>, </a:t>
+            </a:r>
+            <a:r>
+              <a:rPr lang="es-ES_tradnl" dirty="0" err="1" smtClean="0"/>
+              <a:t>etc</a:t>
+            </a:r>
+            <a:endParaRPr lang="es-ES_tradnl" dirty="0" smtClean="0"/>
+          </a:p>
+          <a:p>
+            <a:pPr marL="0" indent="0">
+              <a:buNone/>
+            </a:pPr>
+            <a:endParaRPr lang="en-US" dirty="0"/>
+          </a:p>
+        </p:txBody>
+      </p:sp>
+      <p:pic>
+        <p:nvPicPr>
+          <p:cNvPr id="6" name="Picture 5" descr="Screen Clipping"/>
+          <p:cNvPicPr>
+            <a:picLocks noChangeAspect="1"/>
+          </p:cNvPicPr>
+          <p:nvPr/>
+        </p:nvPicPr>
+        <p:blipFill>
+          <a:blip r:embed="rId2">
+            <a:extLst>
+              <a:ext uri="{28A0092B-C50C-407E-A947-70E740481C1C}">
+                <a14:useLocalDpi xmlns:a14="http://schemas.microsoft.com/office/drawing/2010/main" val="0"/>
+              </a:ext>
+            </a:extLst>
+          </a:blip>
+          <a:stretch>
+            <a:fillRect/>
+          </a:stretch>
+        </p:blipFill>
+        <p:spPr>
+          <a:xfrm>
+            <a:off x="1640380" y="3462528"/>
+            <a:ext cx="5630128" cy="2360457"/>
+          </a:xfrm>
+          <a:prstGeom prst="rect">
+            <a:avLst/>
+          </a:prstGeom>
+        </p:spPr>
+      </p:pic>
+      <p:pic>
+        <p:nvPicPr>
+          <p:cNvPr id="7" name="Picture 6" descr="Screen Clipping"/>
+          <p:cNvPicPr>
+            <a:picLocks noChangeAspect="1"/>
+          </p:cNvPicPr>
+          <p:nvPr/>
+        </p:nvPicPr>
+        <p:blipFill>
+          <a:blip r:embed="rId3">
+            <a:extLst>
+              <a:ext uri="{28A0092B-C50C-407E-A947-70E740481C1C}">
+                <a14:useLocalDpi xmlns:a14="http://schemas.microsoft.com/office/drawing/2010/main" val="0"/>
+              </a:ext>
+            </a:extLst>
+          </a:blip>
+          <a:stretch>
+            <a:fillRect/>
+          </a:stretch>
+        </p:blipFill>
+        <p:spPr>
+          <a:xfrm>
+            <a:off x="6778752" y="261736"/>
+            <a:ext cx="2105844" cy="1377549"/>
+          </a:xfrm>
+          <a:prstGeom prst="rect">
+            <a:avLst/>
+          </a:prstGeom>
+        </p:spPr>
+      </p:pic>
+    </p:spTree>
+    <p:extLst>
+      <p:ext uri="{BB962C8B-B14F-4D97-AF65-F5344CB8AC3E}">
+        <p14:creationId xmlns:p14="http://schemas.microsoft.com/office/powerpoint/2010/main" val="2362532399"/>
+      </p:ext>
+    </p:extLst>
+  </p:cSld>
+  <p:clrMapOvr>
+    <a:masterClrMapping/>
+  </p:clrMapOvr>
+  <mc:AlternateContent xmlns:mc="http://schemas.openxmlformats.org/markup-compatibility/2006">
+    <mc:Choice xmlns:p14="http://schemas.microsoft.com/office/powerpoint/2010/main" Requires="p14">
+      <p:transition spd="slow" p14:dur="2000"/>
+    </mc:Choice>
+    <mc:Fallback>
+      <p:transition spd="slow"/>
+    </mc:Fallback>
+  </mc:AlternateContent>
+  <p:timing>
+    <p:tnLst>
+      <p:par>
+        <p:cTn id="1" dur="indefinite" restart="never" nodeType="tmRoot"/>
+      </p:par>
+    </p:tnLst>
+  </p:timing>
+</p:sld>
+</file>
+
+<file path=ppt/slides/slide21.xml><?xml version="1.0" encoding="utf-8"?>
+<p:sld xmlns:a="http://schemas.openxmlformats.org/drawingml/2006/main" xmlns:r="http://schemas.openxmlformats.org/officeDocument/2006/relationships" xmlns:p="http://schemas.openxmlformats.org/presentationml/2006/main" show="0">
+  <p:cSld>
+    <p:spTree>
+      <p:nvGrpSpPr>
+        <p:cNvPr id="1" name=""/>
+        <p:cNvGrpSpPr/>
+        <p:nvPr/>
+      </p:nvGrpSpPr>
+      <p:grpSpPr>
+        <a:xfrm>
+          <a:off x="0" y="0"/>
+          <a:ext cx="0" cy="0"/>
+          <a:chOff x="0" y="0"/>
+          <a:chExt cx="0" cy="0"/>
+        </a:xfrm>
+      </p:grpSpPr>
+      <p:sp>
+        <p:nvSpPr>
+          <p:cNvPr id="2" name="Text Placeholder 1"/>
+          <p:cNvSpPr>
+            <a:spLocks noGrp="1"/>
+          </p:cNvSpPr>
+          <p:nvPr>
+            <p:ph type="body" sz="quarter" idx="10"/>
+          </p:nvPr>
+        </p:nvSpPr>
+        <p:spPr/>
+        <p:txBody>
+          <a:bodyPr/>
+          <a:lstStyle/>
+          <a:p>
+            <a:r>
+              <a:rPr lang="en-US" dirty="0" err="1" smtClean="0"/>
+              <a:t>Socket.io</a:t>
+            </a:r>
+            <a:endParaRPr lang="en-US" dirty="0"/>
+          </a:p>
+        </p:txBody>
+      </p:sp>
+      <p:sp>
+        <p:nvSpPr>
+          <p:cNvPr id="3" name="Text Placeholder 2"/>
+          <p:cNvSpPr>
+            <a:spLocks noGrp="1"/>
+          </p:cNvSpPr>
+          <p:nvPr>
+            <p:ph type="body" sz="quarter" idx="11"/>
+          </p:nvPr>
+        </p:nvSpPr>
+        <p:spPr/>
+        <p:txBody>
+          <a:bodyPr/>
+          <a:lstStyle/>
+          <a:p>
+            <a:r>
+              <a:rPr lang="es-ES_tradnl" dirty="0" err="1" smtClean="0"/>
+              <a:t>Provides</a:t>
+            </a:r>
+            <a:r>
+              <a:rPr lang="es-ES_tradnl" dirty="0" smtClean="0"/>
+              <a:t> </a:t>
+            </a:r>
+            <a:r>
+              <a:rPr lang="es-ES_tradnl" dirty="0" err="1" smtClean="0"/>
+              <a:t>support</a:t>
+            </a:r>
+            <a:r>
+              <a:rPr lang="es-ES_tradnl" dirty="0" smtClean="0"/>
+              <a:t> </a:t>
+            </a:r>
+            <a:r>
+              <a:rPr lang="es-ES_tradnl" dirty="0" err="1" smtClean="0"/>
+              <a:t>for</a:t>
+            </a:r>
+            <a:r>
+              <a:rPr lang="es-ES_tradnl" dirty="0" smtClean="0"/>
+              <a:t> server-</a:t>
+            </a:r>
+            <a:r>
+              <a:rPr lang="es-ES_tradnl" dirty="0" err="1" smtClean="0"/>
+              <a:t>initiated</a:t>
+            </a:r>
+            <a:r>
+              <a:rPr lang="es-ES_tradnl" dirty="0" smtClean="0"/>
+              <a:t> </a:t>
+            </a:r>
+            <a:r>
+              <a:rPr lang="es-ES_tradnl" dirty="0" err="1" smtClean="0"/>
+              <a:t>push</a:t>
+            </a:r>
+            <a:r>
+              <a:rPr lang="es-ES_tradnl" dirty="0" smtClean="0"/>
+              <a:t> </a:t>
+            </a:r>
+            <a:r>
+              <a:rPr lang="es-ES_tradnl" dirty="0" err="1" smtClean="0"/>
+              <a:t>events</a:t>
+            </a:r>
+            <a:r>
+              <a:rPr lang="es-ES_tradnl" dirty="0" smtClean="0"/>
+              <a:t> </a:t>
+            </a:r>
+            <a:r>
+              <a:rPr lang="es-ES_tradnl" dirty="0" err="1" smtClean="0"/>
+              <a:t>using</a:t>
+            </a:r>
+            <a:r>
+              <a:rPr lang="es-ES_tradnl" dirty="0" smtClean="0"/>
+              <a:t> </a:t>
+            </a:r>
+            <a:r>
+              <a:rPr lang="es-ES_tradnl" dirty="0" err="1" smtClean="0"/>
+              <a:t>WebSockets</a:t>
+            </a:r>
+            <a:r>
+              <a:rPr lang="es-ES_tradnl" dirty="0" smtClean="0"/>
+              <a:t>, Ajax </a:t>
+            </a:r>
+            <a:r>
+              <a:rPr lang="es-ES_tradnl" dirty="0" err="1" smtClean="0"/>
+              <a:t>polling</a:t>
+            </a:r>
+            <a:r>
+              <a:rPr lang="es-ES_tradnl" dirty="0" smtClean="0"/>
+              <a:t>, </a:t>
+            </a:r>
+            <a:r>
+              <a:rPr lang="es-ES_tradnl" dirty="0" err="1" smtClean="0"/>
+              <a:t>Iframe</a:t>
+            </a:r>
+            <a:r>
+              <a:rPr lang="es-ES_tradnl" dirty="0" smtClean="0"/>
+              <a:t>, JSONP </a:t>
+            </a:r>
+            <a:r>
+              <a:rPr lang="es-ES_tradnl" dirty="0" err="1" smtClean="0"/>
+              <a:t>or</a:t>
+            </a:r>
+            <a:r>
+              <a:rPr lang="es-ES_tradnl" dirty="0" smtClean="0"/>
+              <a:t> Flash-</a:t>
+            </a:r>
+            <a:r>
+              <a:rPr lang="es-ES_tradnl" dirty="0" err="1" smtClean="0"/>
+              <a:t>based</a:t>
+            </a:r>
+            <a:r>
+              <a:rPr lang="es-ES_tradnl" dirty="0" smtClean="0"/>
+              <a:t> </a:t>
+            </a:r>
+            <a:r>
+              <a:rPr lang="es-ES_tradnl" dirty="0" err="1" smtClean="0"/>
+              <a:t>channels</a:t>
+            </a:r>
+            <a:r>
+              <a:rPr lang="es-ES_tradnl" dirty="0" smtClean="0"/>
+              <a:t> </a:t>
+            </a:r>
+          </a:p>
+          <a:p>
+            <a:r>
+              <a:rPr lang="es-ES_tradnl" dirty="0" err="1" smtClean="0"/>
+              <a:t>Transparent</a:t>
+            </a:r>
+            <a:r>
+              <a:rPr lang="es-ES_tradnl" dirty="0" smtClean="0"/>
+              <a:t> </a:t>
+            </a:r>
+            <a:r>
+              <a:rPr lang="es-ES_tradnl" dirty="0" err="1" smtClean="0"/>
+              <a:t>for</a:t>
+            </a:r>
+            <a:r>
+              <a:rPr lang="es-ES_tradnl" dirty="0" smtClean="0"/>
+              <a:t> </a:t>
+            </a:r>
+            <a:r>
+              <a:rPr lang="es-ES_tradnl" dirty="0" err="1" smtClean="0"/>
+              <a:t>both</a:t>
+            </a:r>
+            <a:r>
+              <a:rPr lang="es-ES_tradnl" dirty="0" smtClean="0"/>
+              <a:t> </a:t>
+            </a:r>
+            <a:r>
+              <a:rPr lang="es-ES_tradnl" dirty="0" err="1" smtClean="0"/>
+              <a:t>clients</a:t>
+            </a:r>
+            <a:r>
+              <a:rPr lang="es-ES_tradnl" dirty="0" smtClean="0"/>
+              <a:t> and servers</a:t>
+            </a:r>
+          </a:p>
+          <a:p>
+            <a:r>
+              <a:rPr lang="es-ES_tradnl" dirty="0" smtClean="0"/>
+              <a:t>Can </a:t>
+            </a:r>
+            <a:r>
+              <a:rPr lang="es-ES_tradnl" dirty="0" err="1" smtClean="0"/>
+              <a:t>run</a:t>
+            </a:r>
+            <a:r>
+              <a:rPr lang="es-ES_tradnl" dirty="0" smtClean="0"/>
+              <a:t> </a:t>
+            </a:r>
+            <a:r>
+              <a:rPr lang="es-ES_tradnl" dirty="0" err="1" smtClean="0"/>
+              <a:t>standalone</a:t>
+            </a:r>
+            <a:r>
+              <a:rPr lang="es-ES_tradnl" dirty="0" smtClean="0"/>
+              <a:t> </a:t>
+            </a:r>
+            <a:r>
+              <a:rPr lang="es-ES_tradnl" dirty="0" err="1" smtClean="0"/>
+              <a:t>or</a:t>
+            </a:r>
+            <a:r>
+              <a:rPr lang="es-ES_tradnl" dirty="0" smtClean="0"/>
+              <a:t> </a:t>
+            </a:r>
+            <a:r>
+              <a:rPr lang="es-ES_tradnl" dirty="0" err="1" smtClean="0"/>
+              <a:t>integrated</a:t>
+            </a:r>
+            <a:r>
+              <a:rPr lang="es-ES_tradnl" dirty="0" smtClean="0"/>
+              <a:t> </a:t>
+            </a:r>
+            <a:r>
+              <a:rPr lang="es-ES_tradnl" dirty="0" err="1" smtClean="0"/>
+              <a:t>with</a:t>
+            </a:r>
+            <a:r>
+              <a:rPr lang="es-ES_tradnl" dirty="0" smtClean="0"/>
+              <a:t> Express</a:t>
+            </a:r>
+            <a:endParaRPr lang="en-US" dirty="0"/>
+          </a:p>
+        </p:txBody>
+      </p:sp>
+      <p:pic>
+        <p:nvPicPr>
+          <p:cNvPr id="5" name="Picture 4" descr="Screen Clipping"/>
+          <p:cNvPicPr>
+            <a:picLocks noChangeAspect="1"/>
+          </p:cNvPicPr>
+          <p:nvPr/>
+        </p:nvPicPr>
+        <p:blipFill>
+          <a:blip r:embed="rId2">
+            <a:extLst>
+              <a:ext uri="{28A0092B-C50C-407E-A947-70E740481C1C}">
+                <a14:useLocalDpi xmlns:a14="http://schemas.microsoft.com/office/drawing/2010/main" val="0"/>
+              </a:ext>
+            </a:extLst>
+          </a:blip>
+          <a:stretch>
+            <a:fillRect/>
+          </a:stretch>
+        </p:blipFill>
+        <p:spPr>
+          <a:xfrm>
+            <a:off x="4666998" y="4389985"/>
+            <a:ext cx="4188276" cy="1389023"/>
+          </a:xfrm>
+          <a:prstGeom prst="rect">
+            <a:avLst/>
+          </a:prstGeom>
+        </p:spPr>
+      </p:pic>
+      <p:pic>
+        <p:nvPicPr>
+          <p:cNvPr id="6" name="Picture 5" descr="Screen Clipping"/>
+          <p:cNvPicPr>
+            <a:picLocks noChangeAspect="1"/>
+          </p:cNvPicPr>
+          <p:nvPr/>
+        </p:nvPicPr>
+        <p:blipFill>
+          <a:blip r:embed="rId3">
+            <a:extLst>
+              <a:ext uri="{28A0092B-C50C-407E-A947-70E740481C1C}">
+                <a14:useLocalDpi xmlns:a14="http://schemas.microsoft.com/office/drawing/2010/main" val="0"/>
+              </a:ext>
+            </a:extLst>
+          </a:blip>
+          <a:stretch>
+            <a:fillRect/>
+          </a:stretch>
+        </p:blipFill>
+        <p:spPr>
+          <a:xfrm>
+            <a:off x="287139" y="4389985"/>
+            <a:ext cx="4080995" cy="1375240"/>
+          </a:xfrm>
+          <a:prstGeom prst="rect">
+            <a:avLst/>
+          </a:prstGeom>
+        </p:spPr>
+      </p:pic>
+      <p:sp>
+        <p:nvSpPr>
+          <p:cNvPr id="7" name="TextBox 6"/>
+          <p:cNvSpPr txBox="1"/>
+          <p:nvPr/>
+        </p:nvSpPr>
+        <p:spPr>
+          <a:xfrm>
+            <a:off x="938784" y="5779008"/>
+            <a:ext cx="2865120" cy="365760"/>
+          </a:xfrm>
+          <a:prstGeom prst="rect">
+            <a:avLst/>
+          </a:prstGeom>
+          <a:noFill/>
+        </p:spPr>
+        <p:txBody>
+          <a:bodyPr wrap="square" rtlCol="0">
+            <a:spAutoFit/>
+          </a:bodyPr>
+          <a:lstStyle/>
+          <a:p>
+            <a:pPr algn="ctr"/>
+            <a:r>
+              <a:rPr lang="es-ES_tradnl" b="1" dirty="0" smtClean="0">
+                <a:latin typeface="Titillium Bd" panose="00000800000000000000" pitchFamily="50" charset="0"/>
+              </a:rPr>
+              <a:t>SERVER</a:t>
+            </a:r>
+            <a:endParaRPr lang="en-US" b="1" dirty="0">
+              <a:latin typeface="Titillium Bd" panose="00000800000000000000" pitchFamily="50" charset="0"/>
+            </a:endParaRPr>
+          </a:p>
+        </p:txBody>
+      </p:sp>
+      <p:sp>
+        <p:nvSpPr>
+          <p:cNvPr id="8" name="TextBox 7"/>
+          <p:cNvSpPr txBox="1"/>
+          <p:nvPr/>
+        </p:nvSpPr>
+        <p:spPr>
+          <a:xfrm>
+            <a:off x="5328576" y="5825744"/>
+            <a:ext cx="2865120" cy="365760"/>
+          </a:xfrm>
+          <a:prstGeom prst="rect">
+            <a:avLst/>
+          </a:prstGeom>
+          <a:noFill/>
+        </p:spPr>
+        <p:txBody>
+          <a:bodyPr wrap="square" rtlCol="0">
+            <a:spAutoFit/>
+          </a:bodyPr>
+          <a:lstStyle/>
+          <a:p>
+            <a:pPr algn="ctr"/>
+            <a:r>
+              <a:rPr lang="es-ES_tradnl" b="1" dirty="0" smtClean="0">
+                <a:latin typeface="Titillium Bd" panose="00000800000000000000" pitchFamily="50" charset="0"/>
+              </a:rPr>
+              <a:t>CLIENT</a:t>
+            </a:r>
+            <a:endParaRPr lang="en-US" b="1" dirty="0">
+              <a:latin typeface="Titillium Bd" panose="00000800000000000000" pitchFamily="50" charset="0"/>
+            </a:endParaRPr>
+          </a:p>
+        </p:txBody>
+      </p:sp>
+    </p:spTree>
+    <p:extLst>
+      <p:ext uri="{BB962C8B-B14F-4D97-AF65-F5344CB8AC3E}">
+        <p14:creationId xmlns:p14="http://schemas.microsoft.com/office/powerpoint/2010/main" val="1611142898"/>
+      </p:ext>
+    </p:extLst>
+  </p:cSld>
+  <p:clrMapOvr>
+    <a:masterClrMapping/>
+  </p:clrMapOvr>
+  <mc:AlternateContent xmlns:mc="http://schemas.openxmlformats.org/markup-compatibility/2006">
+    <mc:Choice xmlns:p14="http://schemas.microsoft.com/office/powerpoint/2010/main" Requires="p14">
+      <p:transition spd="slow" p14:dur="2000"/>
+    </mc:Choice>
+    <mc:Fallback>
+      <p:transition spd="slow"/>
+    </mc:Fallback>
+  </mc:AlternateContent>
+  <p:timing>
+    <p:tnLst>
+      <p:par>
+        <p:cTn id="1" dur="indefinite" restart="never" nodeType="tmRoot"/>
+      </p:par>
+    </p:tnLst>
+  </p:timing>
+</p:sld>
+</file>
+
+<file path=ppt/slides/slide22.xml><?xml version="1.0" encoding="utf-8"?>
+<p:sld xmlns:a="http://schemas.openxmlformats.org/drawingml/2006/main" xmlns:r="http://schemas.openxmlformats.org/officeDocument/2006/relationships" xmlns:p="http://schemas.openxmlformats.org/presentationml/2006/main" show="0">
+  <p:cSld>
+    <p:spTree>
+      <p:nvGrpSpPr>
+        <p:cNvPr id="1" name=""/>
+        <p:cNvGrpSpPr/>
+        <p:nvPr/>
+      </p:nvGrpSpPr>
+      <p:grpSpPr>
+        <a:xfrm>
+          <a:off x="0" y="0"/>
+          <a:ext cx="0" cy="0"/>
+          <a:chOff x="0" y="0"/>
+          <a:chExt cx="0" cy="0"/>
+        </a:xfrm>
+      </p:grpSpPr>
+      <p:sp>
+        <p:nvSpPr>
+          <p:cNvPr id="2" name="Text Placeholder 1"/>
+          <p:cNvSpPr>
+            <a:spLocks noGrp="1"/>
+          </p:cNvSpPr>
+          <p:nvPr>
+            <p:ph type="body" sz="quarter" idx="10"/>
+          </p:nvPr>
+        </p:nvSpPr>
+        <p:spPr/>
+        <p:txBody>
+          <a:bodyPr/>
+          <a:lstStyle/>
+          <a:p>
+            <a:r>
+              <a:rPr lang="en-US" dirty="0" smtClean="0"/>
+              <a:t>Meteor</a:t>
+            </a:r>
+            <a:endParaRPr lang="en-US" dirty="0"/>
+          </a:p>
+        </p:txBody>
+      </p:sp>
+      <p:sp>
+        <p:nvSpPr>
+          <p:cNvPr id="3" name="Text Placeholder 2"/>
+          <p:cNvSpPr>
+            <a:spLocks noGrp="1"/>
+          </p:cNvSpPr>
+          <p:nvPr>
+            <p:ph type="body" sz="quarter" idx="11"/>
+          </p:nvPr>
+        </p:nvSpPr>
+        <p:spPr/>
+        <p:txBody>
+          <a:bodyPr/>
+          <a:lstStyle/>
+          <a:p>
+            <a:r>
+              <a:rPr lang="es-ES_tradnl" dirty="0" err="1" smtClean="0"/>
+              <a:t>Next</a:t>
+            </a:r>
+            <a:r>
+              <a:rPr lang="es-ES_tradnl" dirty="0" smtClean="0"/>
+              <a:t>-gen </a:t>
+            </a:r>
+            <a:r>
+              <a:rPr lang="es-ES_tradnl" dirty="0" err="1" smtClean="0"/>
+              <a:t>framework</a:t>
+            </a:r>
+            <a:r>
+              <a:rPr lang="es-ES_tradnl" dirty="0" smtClean="0"/>
+              <a:t> </a:t>
+            </a:r>
+            <a:r>
+              <a:rPr lang="es-ES_tradnl" dirty="0" err="1" smtClean="0"/>
+              <a:t>for</a:t>
+            </a:r>
+            <a:r>
+              <a:rPr lang="es-ES_tradnl" dirty="0" smtClean="0"/>
+              <a:t> real-time </a:t>
+            </a:r>
+            <a:r>
+              <a:rPr lang="es-ES_tradnl" dirty="0" err="1" smtClean="0"/>
+              <a:t>collaborative</a:t>
+            </a:r>
+            <a:r>
+              <a:rPr lang="es-ES_tradnl" dirty="0" smtClean="0"/>
+              <a:t> web </a:t>
+            </a:r>
+            <a:r>
+              <a:rPr lang="es-ES_tradnl" dirty="0" err="1" smtClean="0"/>
+              <a:t>applications</a:t>
+            </a:r>
+            <a:endParaRPr lang="es-ES_tradnl" dirty="0" smtClean="0"/>
+          </a:p>
+          <a:p>
+            <a:r>
+              <a:rPr lang="es-ES_tradnl" dirty="0"/>
+              <a:t>Live page </a:t>
+            </a:r>
+            <a:r>
+              <a:rPr lang="es-ES_tradnl" dirty="0" err="1" smtClean="0"/>
+              <a:t>updates</a:t>
+            </a:r>
+            <a:endParaRPr lang="es-ES_tradnl" dirty="0" smtClean="0"/>
+          </a:p>
+          <a:p>
+            <a:r>
+              <a:rPr lang="es-ES_tradnl" dirty="0" err="1" smtClean="0"/>
+              <a:t>Support</a:t>
+            </a:r>
+            <a:r>
+              <a:rPr lang="es-ES_tradnl" dirty="0" smtClean="0"/>
+              <a:t> </a:t>
+            </a:r>
+            <a:r>
+              <a:rPr lang="es-ES_tradnl" dirty="0" err="1" smtClean="0"/>
+              <a:t>for</a:t>
+            </a:r>
+            <a:r>
+              <a:rPr lang="es-ES_tradnl" dirty="0" smtClean="0"/>
+              <a:t> offline </a:t>
+            </a:r>
+            <a:r>
+              <a:rPr lang="es-ES_tradnl" dirty="0" err="1" smtClean="0"/>
+              <a:t>databases</a:t>
+            </a:r>
+            <a:r>
+              <a:rPr lang="es-ES_tradnl" dirty="0" smtClean="0"/>
+              <a:t> </a:t>
+            </a:r>
+            <a:r>
+              <a:rPr lang="es-ES_tradnl" dirty="0" err="1" smtClean="0"/>
+              <a:t>with</a:t>
+            </a:r>
+            <a:r>
+              <a:rPr lang="es-ES_tradnl" dirty="0" smtClean="0"/>
+              <a:t> </a:t>
+            </a:r>
+            <a:r>
+              <a:rPr lang="es-ES_tradnl" dirty="0" err="1" smtClean="0"/>
+              <a:t>subsequent</a:t>
+            </a:r>
+            <a:r>
+              <a:rPr lang="es-ES_tradnl" dirty="0" smtClean="0"/>
+              <a:t> </a:t>
+            </a:r>
+            <a:r>
+              <a:rPr lang="es-ES_tradnl" dirty="0" err="1" smtClean="0"/>
+              <a:t>synchronization</a:t>
+            </a:r>
+            <a:endParaRPr lang="es-ES_tradnl" dirty="0" smtClean="0"/>
+          </a:p>
+        </p:txBody>
+      </p:sp>
+    </p:spTree>
+    <p:extLst>
+      <p:ext uri="{BB962C8B-B14F-4D97-AF65-F5344CB8AC3E}">
+        <p14:creationId xmlns:p14="http://schemas.microsoft.com/office/powerpoint/2010/main" val="1714327436"/>
+      </p:ext>
+    </p:extLst>
+  </p:cSld>
+  <p:clrMapOvr>
+    <a:masterClrMapping/>
+  </p:clrMapOvr>
+  <mc:AlternateContent xmlns:mc="http://schemas.openxmlformats.org/markup-compatibility/2006">
+    <mc:Choice xmlns:p14="http://schemas.microsoft.com/office/powerpoint/2010/main" Requires="p14">
+      <p:transition spd="slow" p14:dur="2000"/>
+    </mc:Choice>
+    <mc:Fallback>
+      <p:transition spd="slow"/>
+    </mc:Fallback>
+  </mc:AlternateContent>
+  <p:timing>
+    <p:tnLst>
+      <p:par>
+        <p:cTn id="1" dur="indefinite" restart="never" nodeType="tmRoot"/>
+      </p:par>
+    </p:tnLst>
+  </p:timing>
+</p:sld>
+</file>
+
+<file path=ppt/slides/slide23.xml><?xml version="1.0" encoding="utf-8"?>
 <p:sld xmlns:a="http://schemas.openxmlformats.org/drawingml/2006/main" xmlns:r="http://schemas.openxmlformats.org/officeDocument/2006/relationships" xmlns:p="http://schemas.openxmlformats.org/presentationml/2006/main">
   <p:cSld>
     <p:spTree>
@@ -13683,7 +15140,7 @@
 </p:sld>
 </file>
 
-<file path=ppt/slides/slide21.xml><?xml version="1.0" encoding="utf-8"?>
+<file path=ppt/slides/slide24.xml><?xml version="1.0" encoding="utf-8"?>
 <p:sld xmlns:a="http://schemas.openxmlformats.org/drawingml/2006/main" xmlns:r="http://schemas.openxmlformats.org/officeDocument/2006/relationships" xmlns:p="http://schemas.openxmlformats.org/presentationml/2006/main">
   <p:cSld>
     <p:spTree>
@@ -13813,6 +15270,65 @@
               <a:rPr lang="es-ES_tradnl" dirty="0" err="1" smtClean="0"/>
               <a:t>apps</a:t>
             </a:r>
+            <a:endParaRPr lang="es-ES_tradnl" dirty="0" smtClean="0"/>
+          </a:p>
+          <a:p>
+            <a:r>
+              <a:rPr lang="es-ES_tradnl" dirty="0" err="1" smtClean="0"/>
+              <a:t>Applications</a:t>
+            </a:r>
+            <a:r>
+              <a:rPr lang="es-ES_tradnl" dirty="0" smtClean="0"/>
+              <a:t> </a:t>
+            </a:r>
+            <a:r>
+              <a:rPr lang="es-ES_tradnl" dirty="0" err="1" smtClean="0"/>
+              <a:t>that</a:t>
+            </a:r>
+            <a:r>
+              <a:rPr lang="es-ES_tradnl" dirty="0" smtClean="0"/>
+              <a:t> </a:t>
+            </a:r>
+            <a:r>
+              <a:rPr lang="es-ES_tradnl" dirty="0" err="1" smtClean="0"/>
+              <a:t>have</a:t>
+            </a:r>
+            <a:r>
+              <a:rPr lang="es-ES_tradnl" dirty="0" smtClean="0"/>
+              <a:t> </a:t>
+            </a:r>
+            <a:r>
+              <a:rPr lang="es-ES_tradnl" dirty="0" err="1" smtClean="0"/>
+              <a:t>to</a:t>
+            </a:r>
+            <a:r>
+              <a:rPr lang="es-ES_tradnl" dirty="0" smtClean="0"/>
+              <a:t> </a:t>
+            </a:r>
+            <a:r>
+              <a:rPr lang="es-ES_tradnl" dirty="0" err="1" smtClean="0"/>
+              <a:t>process</a:t>
+            </a:r>
+            <a:r>
+              <a:rPr lang="es-ES_tradnl" dirty="0" smtClean="0"/>
+              <a:t> </a:t>
+            </a:r>
+            <a:r>
+              <a:rPr lang="es-ES_tradnl" dirty="0" err="1" smtClean="0"/>
+              <a:t>large</a:t>
+            </a:r>
+            <a:r>
+              <a:rPr lang="es-ES_tradnl" dirty="0" smtClean="0"/>
+              <a:t> </a:t>
+            </a:r>
+            <a:r>
+              <a:rPr lang="es-ES_tradnl" dirty="0" err="1" smtClean="0"/>
+              <a:t>amounts</a:t>
+            </a:r>
+            <a:r>
+              <a:rPr lang="es-ES_tradnl" dirty="0" smtClean="0"/>
+              <a:t> of data</a:t>
+            </a:r>
             <a:endParaRPr lang="en-US" dirty="0"/>
           </a:p>
         </p:txBody>
@@ -13837,7 +15353,7 @@
 </p:sld>
 </file>
 
-<file path=ppt/slides/slide22.xml><?xml version="1.0" encoding="utf-8"?>
+<file path=ppt/slides/slide25.xml><?xml version="1.0" encoding="utf-8"?>
 <p:sld xmlns:a="http://schemas.openxmlformats.org/drawingml/2006/main" xmlns:r="http://schemas.openxmlformats.org/officeDocument/2006/relationships" xmlns:p="http://schemas.openxmlformats.org/presentationml/2006/main">
   <p:cSld>
     <p:spTree>
@@ -13886,7 +15402,7 @@
           <a:noFill/>
           <a:extLst>
             <a:ext uri="{909E8E84-426E-40dd-AFC4-6F175D3DCCD1}">
-              <a14:hiddenFill xmlns:a14="http://schemas.microsoft.com/office/drawing/2010/main" xmlns="">
+              <a14:hiddenFill xmlns="" xmlns:a14="http://schemas.microsoft.com/office/drawing/2010/main">
                 <a:solidFill>
                   <a:srgbClr val="FFFFFF"/>
                 </a:solidFill>
@@ -13938,7 +15454,7 @@
 </p:sld>
 </file>
 
-<file path=ppt/slides/slide23.xml><?xml version="1.0" encoding="utf-8"?>
+<file path=ppt/slides/slide26.xml><?xml version="1.0" encoding="utf-8"?>
 <p:sld xmlns:a="http://schemas.openxmlformats.org/drawingml/2006/main" xmlns:r="http://schemas.openxmlformats.org/officeDocument/2006/relationships" xmlns:p="http://schemas.openxmlformats.org/presentationml/2006/main">
   <p:cSld>
     <p:spTree>
@@ -14076,7 +15592,7 @@
 </p:sld>
 </file>
 
-<file path=ppt/slides/slide24.xml><?xml version="1.0" encoding="utf-8"?>
+<file path=ppt/slides/slide27.xml><?xml version="1.0" encoding="utf-8"?>
 <p:sld xmlns:a="http://schemas.openxmlformats.org/drawingml/2006/main" xmlns:r="http://schemas.openxmlformats.org/officeDocument/2006/relationships" xmlns:p="http://schemas.openxmlformats.org/presentationml/2006/main">
   <p:cSld>
     <p:spTree>
@@ -17376,7 +18892,7 @@
 </p:sld>
 </file>
 
-<file path=ppt/slides/slide25.xml><?xml version="1.0" encoding="utf-8"?>
+<file path=ppt/slides/slide28.xml><?xml version="1.0" encoding="utf-8"?>
 <p:sld xmlns:a="http://schemas.openxmlformats.org/drawingml/2006/main" xmlns:r="http://schemas.openxmlformats.org/officeDocument/2006/relationships" xmlns:p="http://schemas.openxmlformats.org/presentationml/2006/main">
   <p:cSld>
     <p:spTree>
@@ -17555,7 +19071,7 @@
 </p:sld>
 </file>
 
-<file path=ppt/slides/slide26.xml><?xml version="1.0" encoding="utf-8"?>
+<file path=ppt/slides/slide29.xml><?xml version="1.0" encoding="utf-8"?>
 <p:sld xmlns:a="http://schemas.openxmlformats.org/drawingml/2006/main" xmlns:r="http://schemas.openxmlformats.org/officeDocument/2006/relationships" xmlns:p="http://schemas.openxmlformats.org/presentationml/2006/main">
   <p:cSld>
     <p:spTree>
@@ -17761,607 +19277,6 @@
     <p:extLst>
       <p:ext uri="{BB962C8B-B14F-4D97-AF65-F5344CB8AC3E}">
         <p14:creationId xmlns:p14="http://schemas.microsoft.com/office/powerpoint/2010/main" val="819036023"/>
-      </p:ext>
-    </p:extLst>
-  </p:cSld>
-  <p:clrMapOvr>
-    <a:masterClrMapping/>
-  </p:clrMapOvr>
-  <p:timing>
-    <p:tnLst>
-      <p:par>
-        <p:cTn id="1" dur="indefinite" restart="never" nodeType="tmRoot"/>
-      </p:par>
-    </p:tnLst>
-  </p:timing>
-</p:sld>
-</file>
-
-<file path=ppt/slides/slide27.xml><?xml version="1.0" encoding="utf-8"?>
-<p:sld xmlns:a="http://schemas.openxmlformats.org/drawingml/2006/main" xmlns:r="http://schemas.openxmlformats.org/officeDocument/2006/relationships" xmlns:p="http://schemas.openxmlformats.org/presentationml/2006/main">
-  <p:cSld>
-    <p:spTree>
-      <p:nvGrpSpPr>
-        <p:cNvPr id="1" name=""/>
-        <p:cNvGrpSpPr/>
-        <p:nvPr/>
-      </p:nvGrpSpPr>
-      <p:grpSpPr>
-        <a:xfrm>
-          <a:off x="0" y="0"/>
-          <a:ext cx="0" cy="0"/>
-          <a:chOff x="0" y="0"/>
-          <a:chExt cx="0" cy="0"/>
-        </a:xfrm>
-      </p:grpSpPr>
-      <p:sp>
-        <p:nvSpPr>
-          <p:cNvPr id="2" name="Text Placeholder 1"/>
-          <p:cNvSpPr>
-            <a:spLocks noGrp="1"/>
-          </p:cNvSpPr>
-          <p:nvPr>
-            <p:ph type="body" sz="quarter" idx="10"/>
-          </p:nvPr>
-        </p:nvSpPr>
-        <p:spPr/>
-        <p:txBody>
-          <a:bodyPr/>
-          <a:lstStyle/>
-          <a:p>
-            <a:r>
-              <a:rPr lang="es-ES_tradnl" dirty="0" err="1" smtClean="0"/>
-              <a:t>Not</a:t>
-            </a:r>
-            <a:r>
-              <a:rPr lang="es-ES_tradnl" dirty="0" smtClean="0"/>
-              <a:t> </a:t>
-            </a:r>
-            <a:r>
-              <a:rPr lang="es-ES_tradnl" dirty="0" err="1" smtClean="0"/>
-              <a:t>the</a:t>
-            </a:r>
-            <a:r>
-              <a:rPr lang="es-ES_tradnl" dirty="0" smtClean="0"/>
-              <a:t> </a:t>
-            </a:r>
-            <a:r>
-              <a:rPr lang="es-ES_tradnl" dirty="0" err="1" smtClean="0"/>
-              <a:t>fastest</a:t>
-            </a:r>
-            <a:r>
-              <a:rPr lang="es-ES_tradnl" dirty="0" smtClean="0"/>
-              <a:t>; </a:t>
-            </a:r>
-            <a:r>
-              <a:rPr lang="es-ES_tradnl" dirty="0" err="1" smtClean="0"/>
-              <a:t>does</a:t>
-            </a:r>
-            <a:r>
-              <a:rPr lang="es-ES_tradnl" dirty="0" smtClean="0"/>
-              <a:t> </a:t>
-            </a:r>
-            <a:r>
-              <a:rPr lang="es-ES_tradnl" dirty="0" err="1" smtClean="0"/>
-              <a:t>it</a:t>
-            </a:r>
-            <a:r>
-              <a:rPr lang="es-ES_tradnl" dirty="0" smtClean="0"/>
-              <a:t> </a:t>
-            </a:r>
-            <a:r>
-              <a:rPr lang="es-ES_tradnl" dirty="0" err="1" smtClean="0"/>
-              <a:t>always</a:t>
-            </a:r>
-            <a:r>
-              <a:rPr lang="es-ES_tradnl" dirty="0" smtClean="0"/>
-              <a:t> </a:t>
-            </a:r>
-            <a:r>
-              <a:rPr lang="es-ES_tradnl" dirty="0" err="1" smtClean="0"/>
-              <a:t>matter</a:t>
-            </a:r>
-            <a:r>
-              <a:rPr lang="es-ES_tradnl" dirty="0" smtClean="0"/>
-              <a:t>?</a:t>
-            </a:r>
-            <a:endParaRPr lang="en-US" dirty="0"/>
-          </a:p>
-        </p:txBody>
-      </p:sp>
-      <p:pic>
-        <p:nvPicPr>
-          <p:cNvPr id="1026" name="Picture 2" descr="http://i.qkme.me/3vp59l.jpg"/>
-          <p:cNvPicPr>
-            <a:picLocks noChangeAspect="1" noChangeArrowheads="1"/>
-          </p:cNvPicPr>
-          <p:nvPr/>
-        </p:nvPicPr>
-        <p:blipFill>
-          <a:blip r:embed="rId2">
-            <a:extLst>
-              <a:ext uri="{28A0092B-C50C-407E-A947-70E740481C1C}">
-                <a14:useLocalDpi xmlns:a14="http://schemas.microsoft.com/office/drawing/2010/main" val="0"/>
-              </a:ext>
-            </a:extLst>
-          </a:blip>
-          <a:srcRect/>
-          <a:stretch>
-            <a:fillRect/>
-          </a:stretch>
-        </p:blipFill>
-        <p:spPr bwMode="auto">
-          <a:xfrm>
-            <a:off x="1293822" y="1959462"/>
-            <a:ext cx="6554768" cy="3697626"/>
-          </a:xfrm>
-          <a:prstGeom prst="rect">
-            <a:avLst/>
-          </a:prstGeom>
-          <a:noFill/>
-          <a:extLst>
-            <a:ext uri="{909E8E84-426E-40dd-AFC4-6F175D3DCCD1}">
-              <a14:hiddenFill xmlns:a14="http://schemas.microsoft.com/office/drawing/2010/main" xmlns="">
-                <a:solidFill>
-                  <a:srgbClr val="FFFFFF"/>
-                </a:solidFill>
-              </a14:hiddenFill>
-            </a:ext>
-          </a:extLst>
-        </p:spPr>
-      </p:pic>
-    </p:spTree>
-    <p:extLst>
-      <p:ext uri="{BB962C8B-B14F-4D97-AF65-F5344CB8AC3E}">
-        <p14:creationId xmlns:p14="http://schemas.microsoft.com/office/powerpoint/2010/main" val="49819308"/>
-      </p:ext>
-    </p:extLst>
-  </p:cSld>
-  <p:clrMapOvr>
-    <a:masterClrMapping/>
-  </p:clrMapOvr>
-  <p:timing>
-    <p:tnLst>
-      <p:par>
-        <p:cTn id="1" dur="indefinite" restart="never" nodeType="tmRoot"/>
-      </p:par>
-    </p:tnLst>
-  </p:timing>
-</p:sld>
-</file>
-
-<file path=ppt/slides/slide28.xml><?xml version="1.0" encoding="utf-8"?>
-<p:sld xmlns:a="http://schemas.openxmlformats.org/drawingml/2006/main" xmlns:r="http://schemas.openxmlformats.org/officeDocument/2006/relationships" xmlns:p="http://schemas.openxmlformats.org/presentationml/2006/main">
-  <p:cSld>
-    <p:spTree>
-      <p:nvGrpSpPr>
-        <p:cNvPr id="1" name=""/>
-        <p:cNvGrpSpPr/>
-        <p:nvPr/>
-      </p:nvGrpSpPr>
-      <p:grpSpPr>
-        <a:xfrm>
-          <a:off x="0" y="0"/>
-          <a:ext cx="0" cy="0"/>
-          <a:chOff x="0" y="0"/>
-          <a:chExt cx="0" cy="0"/>
-        </a:xfrm>
-      </p:grpSpPr>
-      <p:pic>
-        <p:nvPicPr>
-          <p:cNvPr id="1026" name="Picture 2" descr="http://drtom.ch/talks/2012/06/jazoon/images/tip_of_the_iceberg.jpg"/>
-          <p:cNvPicPr>
-            <a:picLocks noChangeAspect="1" noChangeArrowheads="1"/>
-          </p:cNvPicPr>
-          <p:nvPr/>
-        </p:nvPicPr>
-        <p:blipFill>
-          <a:blip r:embed="rId3">
-            <a:extLst>
-              <a:ext uri="{28A0092B-C50C-407E-A947-70E740481C1C}">
-                <a14:useLocalDpi xmlns:a14="http://schemas.microsoft.com/office/drawing/2010/main" val="0"/>
-              </a:ext>
-            </a:extLst>
-          </a:blip>
-          <a:srcRect/>
-          <a:stretch>
-            <a:fillRect/>
-          </a:stretch>
-        </p:blipFill>
-        <p:spPr bwMode="auto">
-          <a:xfrm>
-            <a:off x="0" y="0"/>
-            <a:ext cx="9144000" cy="6858000"/>
-          </a:xfrm>
-          <a:prstGeom prst="rect">
-            <a:avLst/>
-          </a:prstGeom>
-          <a:noFill/>
-          <a:extLst>
-            <a:ext uri="{909E8E84-426E-40dd-AFC4-6F175D3DCCD1}">
-              <a14:hiddenFill xmlns:a14="http://schemas.microsoft.com/office/drawing/2010/main" xmlns="">
-                <a:solidFill>
-                  <a:srgbClr val="FFFFFF"/>
-                </a:solidFill>
-              </a14:hiddenFill>
-            </a:ext>
-          </a:extLst>
-        </p:spPr>
-      </p:pic>
-      <p:cxnSp>
-        <p:nvCxnSpPr>
-          <p:cNvPr id="4" name="Straight Arrow Connector 3"/>
-          <p:cNvCxnSpPr>
-            <a:stCxn id="6" idx="1"/>
-          </p:cNvCxnSpPr>
-          <p:nvPr/>
-        </p:nvCxnSpPr>
-        <p:spPr>
-          <a:xfrm flipH="1">
-            <a:off x="5267461" y="1059375"/>
-            <a:ext cx="1120460" cy="189876"/>
-          </a:xfrm>
-          <a:prstGeom prst="straightConnector1">
-            <a:avLst/>
-          </a:prstGeom>
-          <a:ln>
-            <a:tailEnd type="triangle"/>
-          </a:ln>
-        </p:spPr>
-        <p:style>
-          <a:lnRef idx="3">
-            <a:schemeClr val="accent6"/>
-          </a:lnRef>
-          <a:fillRef idx="0">
-            <a:schemeClr val="accent6"/>
-          </a:fillRef>
-          <a:effectRef idx="2">
-            <a:schemeClr val="accent6"/>
-          </a:effectRef>
-          <a:fontRef idx="minor">
-            <a:schemeClr val="tx1"/>
-          </a:fontRef>
-        </p:style>
-      </p:cxnSp>
-      <p:sp>
-        <p:nvSpPr>
-          <p:cNvPr id="6" name="TextBox 5"/>
-          <p:cNvSpPr txBox="1"/>
-          <p:nvPr/>
-        </p:nvSpPr>
-        <p:spPr>
-          <a:xfrm>
-            <a:off x="6387921" y="366877"/>
-            <a:ext cx="2562896" cy="1384995"/>
-          </a:xfrm>
-          <a:prstGeom prst="rect">
-            <a:avLst/>
-          </a:prstGeom>
-          <a:ln/>
-        </p:spPr>
-        <p:style>
-          <a:lnRef idx="1">
-            <a:schemeClr val="accent6"/>
-          </a:lnRef>
-          <a:fillRef idx="3">
-            <a:schemeClr val="accent6"/>
-          </a:fillRef>
-          <a:effectRef idx="2">
-            <a:schemeClr val="accent6"/>
-          </a:effectRef>
-          <a:fontRef idx="minor">
-            <a:schemeClr val="lt1"/>
-          </a:fontRef>
-        </p:style>
-        <p:txBody>
-          <a:bodyPr wrap="square" rtlCol="0">
-            <a:spAutoFit/>
-          </a:bodyPr>
-          <a:lstStyle>
-            <a:defPPr>
-              <a:defRPr lang="en-US"/>
-            </a:defPPr>
-            <a:lvl1pPr algn="ctr">
-              <a:defRPr sz="2800"/>
-            </a:lvl1pPr>
-          </a:lstStyle>
-          <a:p>
-            <a:r>
-              <a:rPr lang="es-ES_tradnl" dirty="0" err="1"/>
-              <a:t>Like</a:t>
-            </a:r>
-            <a:r>
-              <a:rPr lang="es-ES_tradnl" dirty="0"/>
-              <a:t> Java, </a:t>
-            </a:r>
-            <a:r>
-              <a:rPr lang="es-ES_tradnl" dirty="0" err="1" smtClean="0"/>
-              <a:t>with</a:t>
-            </a:r>
-            <a:r>
-              <a:rPr lang="es-ES_tradnl" dirty="0" smtClean="0"/>
-              <a:t> </a:t>
-            </a:r>
-            <a:r>
-              <a:rPr lang="es-ES_tradnl" dirty="0" err="1"/>
-              <a:t>easier</a:t>
-            </a:r>
-            <a:r>
-              <a:rPr lang="es-ES_tradnl" dirty="0"/>
-              <a:t> </a:t>
-            </a:r>
-            <a:r>
-              <a:rPr lang="es-ES_tradnl" dirty="0" err="1" smtClean="0"/>
-              <a:t>syntax</a:t>
-            </a:r>
-            <a:r>
-              <a:rPr lang="es-ES_tradnl" dirty="0" smtClean="0"/>
-              <a:t> and no </a:t>
-            </a:r>
-            <a:r>
-              <a:rPr lang="es-ES_tradnl" dirty="0" err="1" smtClean="0"/>
-              <a:t>types</a:t>
-            </a:r>
-            <a:endParaRPr lang="en-US" dirty="0"/>
-          </a:p>
-        </p:txBody>
-      </p:sp>
-      <p:cxnSp>
-        <p:nvCxnSpPr>
-          <p:cNvPr id="8" name="Straight Arrow Connector 7"/>
-          <p:cNvCxnSpPr>
-            <a:stCxn id="9" idx="0"/>
-          </p:cNvCxnSpPr>
-          <p:nvPr/>
-        </p:nvCxnSpPr>
-        <p:spPr>
-          <a:xfrm flipV="1">
-            <a:off x="2820473" y="4378818"/>
-            <a:ext cx="1300766" cy="1305298"/>
-          </a:xfrm>
-          <a:prstGeom prst="straightConnector1">
-            <a:avLst/>
-          </a:prstGeom>
-          <a:ln>
-            <a:tailEnd type="triangle"/>
-          </a:ln>
-        </p:spPr>
-        <p:style>
-          <a:lnRef idx="3">
-            <a:schemeClr val="accent6"/>
-          </a:lnRef>
-          <a:fillRef idx="0">
-            <a:schemeClr val="accent6"/>
-          </a:fillRef>
-          <a:effectRef idx="2">
-            <a:schemeClr val="accent6"/>
-          </a:effectRef>
-          <a:fontRef idx="minor">
-            <a:schemeClr val="tx1"/>
-          </a:fontRef>
-        </p:style>
-      </p:cxnSp>
-      <p:sp>
-        <p:nvSpPr>
-          <p:cNvPr id="9" name="TextBox 8"/>
-          <p:cNvSpPr txBox="1"/>
-          <p:nvPr/>
-        </p:nvSpPr>
-        <p:spPr>
-          <a:xfrm>
-            <a:off x="2072424" y="5684116"/>
-            <a:ext cx="1496097" cy="954107"/>
-          </a:xfrm>
-          <a:prstGeom prst="rect">
-            <a:avLst/>
-          </a:prstGeom>
-          <a:ln/>
-        </p:spPr>
-        <p:style>
-          <a:lnRef idx="1">
-            <a:schemeClr val="accent6"/>
-          </a:lnRef>
-          <a:fillRef idx="3">
-            <a:schemeClr val="accent6"/>
-          </a:fillRef>
-          <a:effectRef idx="2">
-            <a:schemeClr val="accent6"/>
-          </a:effectRef>
-          <a:fontRef idx="minor">
-            <a:schemeClr val="lt1"/>
-          </a:fontRef>
-        </p:style>
-        <p:txBody>
-          <a:bodyPr wrap="square" rtlCol="0">
-            <a:spAutoFit/>
-          </a:bodyPr>
-          <a:lstStyle/>
-          <a:p>
-            <a:pPr algn="ctr"/>
-            <a:r>
-              <a:rPr lang="es-ES_tradnl" sz="2800" dirty="0" err="1" smtClean="0"/>
-              <a:t>Weird</a:t>
-            </a:r>
-            <a:r>
-              <a:rPr lang="es-ES_tradnl" sz="2800" dirty="0" smtClean="0"/>
-              <a:t> </a:t>
-            </a:r>
-            <a:r>
-              <a:rPr lang="es-ES_tradnl" sz="2800" dirty="0" err="1" smtClean="0"/>
-              <a:t>shit</a:t>
-            </a:r>
-            <a:endParaRPr lang="en-US" sz="2800" dirty="0"/>
-          </a:p>
-        </p:txBody>
-      </p:sp>
-      <p:sp>
-        <p:nvSpPr>
-          <p:cNvPr id="12" name="TextBox 11"/>
-          <p:cNvSpPr txBox="1"/>
-          <p:nvPr/>
-        </p:nvSpPr>
-        <p:spPr>
-          <a:xfrm>
-            <a:off x="90152" y="154546"/>
-            <a:ext cx="4597758" cy="646331"/>
-          </a:xfrm>
-          <a:prstGeom prst="rect">
-            <a:avLst/>
-          </a:prstGeom>
-          <a:noFill/>
-        </p:spPr>
-        <p:txBody>
-          <a:bodyPr wrap="square" rtlCol="0">
-            <a:spAutoFit/>
-          </a:bodyPr>
-          <a:lstStyle/>
-          <a:p>
-            <a:r>
-              <a:rPr lang="es-ES_tradnl" sz="3600" b="1" dirty="0" err="1" smtClean="0">
-                <a:latin typeface="+mj-lt"/>
-              </a:rPr>
-              <a:t>Javascript</a:t>
-            </a:r>
-            <a:endParaRPr lang="en-US" sz="3600" b="1" dirty="0">
-              <a:latin typeface="+mj-lt"/>
-            </a:endParaRPr>
-          </a:p>
-        </p:txBody>
-      </p:sp>
-    </p:spTree>
-    <p:extLst>
-      <p:ext uri="{BB962C8B-B14F-4D97-AF65-F5344CB8AC3E}">
-        <p14:creationId xmlns:p14="http://schemas.microsoft.com/office/powerpoint/2010/main" val="3511751471"/>
-      </p:ext>
-    </p:extLst>
-  </p:cSld>
-  <p:clrMapOvr>
-    <a:masterClrMapping/>
-  </p:clrMapOvr>
-  <p:timing>
-    <p:tnLst>
-      <p:par>
-        <p:cTn id="1" dur="indefinite" restart="never" nodeType="tmRoot"/>
-      </p:par>
-    </p:tnLst>
-  </p:timing>
-</p:sld>
-</file>
-
-<file path=ppt/slides/slide29.xml><?xml version="1.0" encoding="utf-8"?>
-<p:sld xmlns:a="http://schemas.openxmlformats.org/drawingml/2006/main" xmlns:r="http://schemas.openxmlformats.org/officeDocument/2006/relationships" xmlns:p="http://schemas.openxmlformats.org/presentationml/2006/main">
-  <p:cSld>
-    <p:spTree>
-      <p:nvGrpSpPr>
-        <p:cNvPr id="1" name=""/>
-        <p:cNvGrpSpPr/>
-        <p:nvPr/>
-      </p:nvGrpSpPr>
-      <p:grpSpPr>
-        <a:xfrm>
-          <a:off x="0" y="0"/>
-          <a:ext cx="0" cy="0"/>
-          <a:chOff x="0" y="0"/>
-          <a:chExt cx="0" cy="0"/>
-        </a:xfrm>
-      </p:grpSpPr>
-      <p:sp>
-        <p:nvSpPr>
-          <p:cNvPr id="2" name="Text Placeholder 1"/>
-          <p:cNvSpPr>
-            <a:spLocks noGrp="1"/>
-          </p:cNvSpPr>
-          <p:nvPr>
-            <p:ph type="body" sz="quarter" idx="10"/>
-          </p:nvPr>
-        </p:nvSpPr>
-        <p:spPr/>
-        <p:txBody>
-          <a:bodyPr/>
-          <a:lstStyle/>
-          <a:p>
-            <a:r>
-              <a:rPr lang="en-US" dirty="0" smtClean="0"/>
-              <a:t>Spaghetti callback</a:t>
-            </a:r>
-            <a:endParaRPr lang="en-US" dirty="0"/>
-          </a:p>
-        </p:txBody>
-      </p:sp>
-      <p:sp>
-        <p:nvSpPr>
-          <p:cNvPr id="3" name="Text Placeholder 2"/>
-          <p:cNvSpPr>
-            <a:spLocks noGrp="1"/>
-          </p:cNvSpPr>
-          <p:nvPr>
-            <p:ph type="body" sz="quarter" idx="11"/>
-          </p:nvPr>
-        </p:nvSpPr>
-        <p:spPr>
-          <a:xfrm>
-            <a:off x="457200" y="3930588"/>
-            <a:ext cx="8228013" cy="2673412"/>
-          </a:xfrm>
-        </p:spPr>
-        <p:txBody>
-          <a:bodyPr/>
-          <a:lstStyle/>
-          <a:p>
-            <a:r>
-              <a:rPr lang="en-US" dirty="0" smtClean="0">
-                <a:latin typeface="+mn-lt"/>
-              </a:rPr>
-              <a:t>Promises (Q, Q-IO)</a:t>
-            </a:r>
-          </a:p>
-          <a:p>
-            <a:r>
-              <a:rPr lang="en-US" dirty="0" err="1" smtClean="0">
-                <a:latin typeface="+mn-lt"/>
-              </a:rPr>
-              <a:t>ECMAScript</a:t>
-            </a:r>
-            <a:r>
-              <a:rPr lang="en-US" dirty="0" smtClean="0">
-                <a:latin typeface="+mn-lt"/>
-              </a:rPr>
-              <a:t> 6, yield/continuations</a:t>
-            </a:r>
-            <a:endParaRPr lang="en-US" dirty="0">
-              <a:latin typeface="+mn-lt"/>
-            </a:endParaRPr>
-          </a:p>
-        </p:txBody>
-      </p:sp>
-      <p:pic>
-        <p:nvPicPr>
-          <p:cNvPr id="5" name="Picture 4"/>
-          <p:cNvPicPr>
-            <a:picLocks noChangeAspect="1"/>
-          </p:cNvPicPr>
-          <p:nvPr/>
-        </p:nvPicPr>
-        <p:blipFill>
-          <a:blip r:embed="rId2"/>
-          <a:stretch>
-            <a:fillRect/>
-          </a:stretch>
-        </p:blipFill>
-        <p:spPr>
-          <a:xfrm>
-            <a:off x="175161" y="1743438"/>
-            <a:ext cx="8771781" cy="1696324"/>
-          </a:xfrm>
-          <a:prstGeom prst="rect">
-            <a:avLst/>
-          </a:prstGeom>
-        </p:spPr>
-      </p:pic>
-    </p:spTree>
-    <p:extLst>
-      <p:ext uri="{BB962C8B-B14F-4D97-AF65-F5344CB8AC3E}">
-        <p14:creationId xmlns:p14="http://schemas.microsoft.com/office/powerpoint/2010/main" val="2326834256"/>
       </p:ext>
     </p:extLst>
   </p:cSld>
@@ -18478,6 +19393,607 @@
           <a:lstStyle/>
           <a:p>
             <a:r>
+              <a:rPr lang="es-ES_tradnl" dirty="0" err="1" smtClean="0"/>
+              <a:t>Not</a:t>
+            </a:r>
+            <a:r>
+              <a:rPr lang="es-ES_tradnl" dirty="0" smtClean="0"/>
+              <a:t> </a:t>
+            </a:r>
+            <a:r>
+              <a:rPr lang="es-ES_tradnl" dirty="0" err="1" smtClean="0"/>
+              <a:t>the</a:t>
+            </a:r>
+            <a:r>
+              <a:rPr lang="es-ES_tradnl" dirty="0" smtClean="0"/>
+              <a:t> </a:t>
+            </a:r>
+            <a:r>
+              <a:rPr lang="es-ES_tradnl" dirty="0" err="1" smtClean="0"/>
+              <a:t>fastest</a:t>
+            </a:r>
+            <a:r>
+              <a:rPr lang="es-ES_tradnl" dirty="0" smtClean="0"/>
+              <a:t>; </a:t>
+            </a:r>
+            <a:r>
+              <a:rPr lang="es-ES_tradnl" dirty="0" err="1" smtClean="0"/>
+              <a:t>does</a:t>
+            </a:r>
+            <a:r>
+              <a:rPr lang="es-ES_tradnl" dirty="0" smtClean="0"/>
+              <a:t> </a:t>
+            </a:r>
+            <a:r>
+              <a:rPr lang="es-ES_tradnl" dirty="0" err="1" smtClean="0"/>
+              <a:t>it</a:t>
+            </a:r>
+            <a:r>
+              <a:rPr lang="es-ES_tradnl" dirty="0" smtClean="0"/>
+              <a:t> </a:t>
+            </a:r>
+            <a:r>
+              <a:rPr lang="es-ES_tradnl" dirty="0" err="1" smtClean="0"/>
+              <a:t>always</a:t>
+            </a:r>
+            <a:r>
+              <a:rPr lang="es-ES_tradnl" dirty="0" smtClean="0"/>
+              <a:t> </a:t>
+            </a:r>
+            <a:r>
+              <a:rPr lang="es-ES_tradnl" dirty="0" err="1" smtClean="0"/>
+              <a:t>matter</a:t>
+            </a:r>
+            <a:r>
+              <a:rPr lang="es-ES_tradnl" dirty="0" smtClean="0"/>
+              <a:t>?</a:t>
+            </a:r>
+            <a:endParaRPr lang="en-US" dirty="0"/>
+          </a:p>
+        </p:txBody>
+      </p:sp>
+      <p:pic>
+        <p:nvPicPr>
+          <p:cNvPr id="1026" name="Picture 2" descr="http://i.qkme.me/3vp59l.jpg"/>
+          <p:cNvPicPr>
+            <a:picLocks noChangeAspect="1" noChangeArrowheads="1"/>
+          </p:cNvPicPr>
+          <p:nvPr/>
+        </p:nvPicPr>
+        <p:blipFill>
+          <a:blip r:embed="rId2">
+            <a:extLst>
+              <a:ext uri="{28A0092B-C50C-407E-A947-70E740481C1C}">
+                <a14:useLocalDpi xmlns:a14="http://schemas.microsoft.com/office/drawing/2010/main" val="0"/>
+              </a:ext>
+            </a:extLst>
+          </a:blip>
+          <a:srcRect/>
+          <a:stretch>
+            <a:fillRect/>
+          </a:stretch>
+        </p:blipFill>
+        <p:spPr bwMode="auto">
+          <a:xfrm>
+            <a:off x="1293822" y="1959462"/>
+            <a:ext cx="6554768" cy="3697626"/>
+          </a:xfrm>
+          <a:prstGeom prst="rect">
+            <a:avLst/>
+          </a:prstGeom>
+          <a:noFill/>
+          <a:extLst>
+            <a:ext uri="{909E8E84-426E-40dd-AFC4-6F175D3DCCD1}">
+              <a14:hiddenFill xmlns="" xmlns:a14="http://schemas.microsoft.com/office/drawing/2010/main">
+                <a:solidFill>
+                  <a:srgbClr val="FFFFFF"/>
+                </a:solidFill>
+              </a14:hiddenFill>
+            </a:ext>
+          </a:extLst>
+        </p:spPr>
+      </p:pic>
+    </p:spTree>
+    <p:extLst>
+      <p:ext uri="{BB962C8B-B14F-4D97-AF65-F5344CB8AC3E}">
+        <p14:creationId xmlns:p14="http://schemas.microsoft.com/office/powerpoint/2010/main" val="49819308"/>
+      </p:ext>
+    </p:extLst>
+  </p:cSld>
+  <p:clrMapOvr>
+    <a:masterClrMapping/>
+  </p:clrMapOvr>
+  <p:timing>
+    <p:tnLst>
+      <p:par>
+        <p:cTn id="1" dur="indefinite" restart="never" nodeType="tmRoot"/>
+      </p:par>
+    </p:tnLst>
+  </p:timing>
+</p:sld>
+</file>
+
+<file path=ppt/slides/slide31.xml><?xml version="1.0" encoding="utf-8"?>
+<p:sld xmlns:a="http://schemas.openxmlformats.org/drawingml/2006/main" xmlns:r="http://schemas.openxmlformats.org/officeDocument/2006/relationships" xmlns:p="http://schemas.openxmlformats.org/presentationml/2006/main">
+  <p:cSld>
+    <p:spTree>
+      <p:nvGrpSpPr>
+        <p:cNvPr id="1" name=""/>
+        <p:cNvGrpSpPr/>
+        <p:nvPr/>
+      </p:nvGrpSpPr>
+      <p:grpSpPr>
+        <a:xfrm>
+          <a:off x="0" y="0"/>
+          <a:ext cx="0" cy="0"/>
+          <a:chOff x="0" y="0"/>
+          <a:chExt cx="0" cy="0"/>
+        </a:xfrm>
+      </p:grpSpPr>
+      <p:pic>
+        <p:nvPicPr>
+          <p:cNvPr id="1026" name="Picture 2" descr="http://drtom.ch/talks/2012/06/jazoon/images/tip_of_the_iceberg.jpg"/>
+          <p:cNvPicPr>
+            <a:picLocks noChangeAspect="1" noChangeArrowheads="1"/>
+          </p:cNvPicPr>
+          <p:nvPr/>
+        </p:nvPicPr>
+        <p:blipFill>
+          <a:blip r:embed="rId3">
+            <a:extLst>
+              <a:ext uri="{28A0092B-C50C-407E-A947-70E740481C1C}">
+                <a14:useLocalDpi xmlns:a14="http://schemas.microsoft.com/office/drawing/2010/main" val="0"/>
+              </a:ext>
+            </a:extLst>
+          </a:blip>
+          <a:srcRect/>
+          <a:stretch>
+            <a:fillRect/>
+          </a:stretch>
+        </p:blipFill>
+        <p:spPr bwMode="auto">
+          <a:xfrm>
+            <a:off x="0" y="0"/>
+            <a:ext cx="9144000" cy="6858000"/>
+          </a:xfrm>
+          <a:prstGeom prst="rect">
+            <a:avLst/>
+          </a:prstGeom>
+          <a:noFill/>
+          <a:extLst>
+            <a:ext uri="{909E8E84-426E-40dd-AFC4-6F175D3DCCD1}">
+              <a14:hiddenFill xmlns="" xmlns:a14="http://schemas.microsoft.com/office/drawing/2010/main">
+                <a:solidFill>
+                  <a:srgbClr val="FFFFFF"/>
+                </a:solidFill>
+              </a14:hiddenFill>
+            </a:ext>
+          </a:extLst>
+        </p:spPr>
+      </p:pic>
+      <p:cxnSp>
+        <p:nvCxnSpPr>
+          <p:cNvPr id="4" name="Straight Arrow Connector 3"/>
+          <p:cNvCxnSpPr>
+            <a:stCxn id="6" idx="1"/>
+          </p:cNvCxnSpPr>
+          <p:nvPr/>
+        </p:nvCxnSpPr>
+        <p:spPr>
+          <a:xfrm flipH="1">
+            <a:off x="5267461" y="1059375"/>
+            <a:ext cx="1120460" cy="189876"/>
+          </a:xfrm>
+          <a:prstGeom prst="straightConnector1">
+            <a:avLst/>
+          </a:prstGeom>
+          <a:ln>
+            <a:tailEnd type="triangle"/>
+          </a:ln>
+        </p:spPr>
+        <p:style>
+          <a:lnRef idx="3">
+            <a:schemeClr val="accent6"/>
+          </a:lnRef>
+          <a:fillRef idx="0">
+            <a:schemeClr val="accent6"/>
+          </a:fillRef>
+          <a:effectRef idx="2">
+            <a:schemeClr val="accent6"/>
+          </a:effectRef>
+          <a:fontRef idx="minor">
+            <a:schemeClr val="tx1"/>
+          </a:fontRef>
+        </p:style>
+      </p:cxnSp>
+      <p:sp>
+        <p:nvSpPr>
+          <p:cNvPr id="6" name="TextBox 5"/>
+          <p:cNvSpPr txBox="1"/>
+          <p:nvPr/>
+        </p:nvSpPr>
+        <p:spPr>
+          <a:xfrm>
+            <a:off x="6387921" y="366877"/>
+            <a:ext cx="2562896" cy="1384995"/>
+          </a:xfrm>
+          <a:prstGeom prst="rect">
+            <a:avLst/>
+          </a:prstGeom>
+          <a:ln/>
+        </p:spPr>
+        <p:style>
+          <a:lnRef idx="1">
+            <a:schemeClr val="accent6"/>
+          </a:lnRef>
+          <a:fillRef idx="3">
+            <a:schemeClr val="accent6"/>
+          </a:fillRef>
+          <a:effectRef idx="2">
+            <a:schemeClr val="accent6"/>
+          </a:effectRef>
+          <a:fontRef idx="minor">
+            <a:schemeClr val="lt1"/>
+          </a:fontRef>
+        </p:style>
+        <p:txBody>
+          <a:bodyPr wrap="square" rtlCol="0">
+            <a:spAutoFit/>
+          </a:bodyPr>
+          <a:lstStyle>
+            <a:defPPr>
+              <a:defRPr lang="en-US"/>
+            </a:defPPr>
+            <a:lvl1pPr algn="ctr">
+              <a:defRPr sz="2800"/>
+            </a:lvl1pPr>
+          </a:lstStyle>
+          <a:p>
+            <a:r>
+              <a:rPr lang="es-ES_tradnl" dirty="0" err="1"/>
+              <a:t>Like</a:t>
+            </a:r>
+            <a:r>
+              <a:rPr lang="es-ES_tradnl" dirty="0"/>
+              <a:t> Java, </a:t>
+            </a:r>
+            <a:r>
+              <a:rPr lang="es-ES_tradnl" dirty="0" err="1" smtClean="0"/>
+              <a:t>with</a:t>
+            </a:r>
+            <a:r>
+              <a:rPr lang="es-ES_tradnl" dirty="0" smtClean="0"/>
+              <a:t> </a:t>
+            </a:r>
+            <a:r>
+              <a:rPr lang="es-ES_tradnl" dirty="0" smtClean="0"/>
+              <a:t>simple </a:t>
+            </a:r>
+            <a:r>
+              <a:rPr lang="es-ES_tradnl" dirty="0" err="1" smtClean="0"/>
+              <a:t>syntax</a:t>
+            </a:r>
+            <a:r>
+              <a:rPr lang="es-ES_tradnl" dirty="0" smtClean="0"/>
+              <a:t> </a:t>
+            </a:r>
+            <a:r>
+              <a:rPr lang="es-ES_tradnl" dirty="0" smtClean="0"/>
+              <a:t>and no </a:t>
+            </a:r>
+            <a:r>
+              <a:rPr lang="es-ES_tradnl" dirty="0" err="1" smtClean="0"/>
+              <a:t>types</a:t>
+            </a:r>
+            <a:endParaRPr lang="en-US" dirty="0"/>
+          </a:p>
+        </p:txBody>
+      </p:sp>
+      <p:cxnSp>
+        <p:nvCxnSpPr>
+          <p:cNvPr id="8" name="Straight Arrow Connector 7"/>
+          <p:cNvCxnSpPr>
+            <a:stCxn id="9" idx="0"/>
+          </p:cNvCxnSpPr>
+          <p:nvPr/>
+        </p:nvCxnSpPr>
+        <p:spPr>
+          <a:xfrm flipV="1">
+            <a:off x="2820473" y="4378818"/>
+            <a:ext cx="1300766" cy="1305298"/>
+          </a:xfrm>
+          <a:prstGeom prst="straightConnector1">
+            <a:avLst/>
+          </a:prstGeom>
+          <a:ln>
+            <a:tailEnd type="triangle"/>
+          </a:ln>
+        </p:spPr>
+        <p:style>
+          <a:lnRef idx="3">
+            <a:schemeClr val="accent6"/>
+          </a:lnRef>
+          <a:fillRef idx="0">
+            <a:schemeClr val="accent6"/>
+          </a:fillRef>
+          <a:effectRef idx="2">
+            <a:schemeClr val="accent6"/>
+          </a:effectRef>
+          <a:fontRef idx="minor">
+            <a:schemeClr val="tx1"/>
+          </a:fontRef>
+        </p:style>
+      </p:cxnSp>
+      <p:sp>
+        <p:nvSpPr>
+          <p:cNvPr id="9" name="TextBox 8"/>
+          <p:cNvSpPr txBox="1"/>
+          <p:nvPr/>
+        </p:nvSpPr>
+        <p:spPr>
+          <a:xfrm>
+            <a:off x="2072424" y="5684116"/>
+            <a:ext cx="1496097" cy="954107"/>
+          </a:xfrm>
+          <a:prstGeom prst="rect">
+            <a:avLst/>
+          </a:prstGeom>
+          <a:ln/>
+        </p:spPr>
+        <p:style>
+          <a:lnRef idx="1">
+            <a:schemeClr val="accent6"/>
+          </a:lnRef>
+          <a:fillRef idx="3">
+            <a:schemeClr val="accent6"/>
+          </a:fillRef>
+          <a:effectRef idx="2">
+            <a:schemeClr val="accent6"/>
+          </a:effectRef>
+          <a:fontRef idx="minor">
+            <a:schemeClr val="lt1"/>
+          </a:fontRef>
+        </p:style>
+        <p:txBody>
+          <a:bodyPr wrap="square" rtlCol="0">
+            <a:spAutoFit/>
+          </a:bodyPr>
+          <a:lstStyle/>
+          <a:p>
+            <a:pPr algn="ctr"/>
+            <a:r>
+              <a:rPr lang="es-ES_tradnl" sz="2800" dirty="0" err="1" smtClean="0"/>
+              <a:t>Weird</a:t>
+            </a:r>
+            <a:r>
+              <a:rPr lang="es-ES_tradnl" sz="2800" dirty="0" smtClean="0"/>
+              <a:t> </a:t>
+            </a:r>
+            <a:r>
+              <a:rPr lang="es-ES_tradnl" sz="2800" dirty="0" err="1" smtClean="0"/>
+              <a:t>shit</a:t>
+            </a:r>
+            <a:endParaRPr lang="en-US" sz="2800" dirty="0"/>
+          </a:p>
+        </p:txBody>
+      </p:sp>
+      <p:sp>
+        <p:nvSpPr>
+          <p:cNvPr id="12" name="TextBox 11"/>
+          <p:cNvSpPr txBox="1"/>
+          <p:nvPr/>
+        </p:nvSpPr>
+        <p:spPr>
+          <a:xfrm>
+            <a:off x="90152" y="154546"/>
+            <a:ext cx="4597758" cy="646331"/>
+          </a:xfrm>
+          <a:prstGeom prst="rect">
+            <a:avLst/>
+          </a:prstGeom>
+          <a:noFill/>
+        </p:spPr>
+        <p:txBody>
+          <a:bodyPr wrap="square" rtlCol="0">
+            <a:spAutoFit/>
+          </a:bodyPr>
+          <a:lstStyle/>
+          <a:p>
+            <a:r>
+              <a:rPr lang="es-ES_tradnl" sz="3600" b="1" dirty="0" err="1" smtClean="0">
+                <a:latin typeface="+mj-lt"/>
+              </a:rPr>
+              <a:t>Javascript</a:t>
+            </a:r>
+            <a:endParaRPr lang="en-US" sz="3600" b="1" dirty="0">
+              <a:latin typeface="+mj-lt"/>
+            </a:endParaRPr>
+          </a:p>
+        </p:txBody>
+      </p:sp>
+    </p:spTree>
+    <p:extLst>
+      <p:ext uri="{BB962C8B-B14F-4D97-AF65-F5344CB8AC3E}">
+        <p14:creationId xmlns:p14="http://schemas.microsoft.com/office/powerpoint/2010/main" val="3511751471"/>
+      </p:ext>
+    </p:extLst>
+  </p:cSld>
+  <p:clrMapOvr>
+    <a:masterClrMapping/>
+  </p:clrMapOvr>
+  <p:timing>
+    <p:tnLst>
+      <p:par>
+        <p:cTn id="1" dur="indefinite" restart="never" nodeType="tmRoot"/>
+      </p:par>
+    </p:tnLst>
+  </p:timing>
+</p:sld>
+</file>
+
+<file path=ppt/slides/slide32.xml><?xml version="1.0" encoding="utf-8"?>
+<p:sld xmlns:a="http://schemas.openxmlformats.org/drawingml/2006/main" xmlns:r="http://schemas.openxmlformats.org/officeDocument/2006/relationships" xmlns:p="http://schemas.openxmlformats.org/presentationml/2006/main">
+  <p:cSld>
+    <p:spTree>
+      <p:nvGrpSpPr>
+        <p:cNvPr id="1" name=""/>
+        <p:cNvGrpSpPr/>
+        <p:nvPr/>
+      </p:nvGrpSpPr>
+      <p:grpSpPr>
+        <a:xfrm>
+          <a:off x="0" y="0"/>
+          <a:ext cx="0" cy="0"/>
+          <a:chOff x="0" y="0"/>
+          <a:chExt cx="0" cy="0"/>
+        </a:xfrm>
+      </p:grpSpPr>
+      <p:sp>
+        <p:nvSpPr>
+          <p:cNvPr id="2" name="Text Placeholder 1"/>
+          <p:cNvSpPr>
+            <a:spLocks noGrp="1"/>
+          </p:cNvSpPr>
+          <p:nvPr>
+            <p:ph type="body" sz="quarter" idx="10"/>
+          </p:nvPr>
+        </p:nvSpPr>
+        <p:spPr/>
+        <p:txBody>
+          <a:bodyPr/>
+          <a:lstStyle/>
+          <a:p>
+            <a:r>
+              <a:rPr lang="en-US" dirty="0" smtClean="0"/>
+              <a:t>Spaghetti callback</a:t>
+            </a:r>
+            <a:endParaRPr lang="en-US" dirty="0"/>
+          </a:p>
+        </p:txBody>
+      </p:sp>
+      <p:sp>
+        <p:nvSpPr>
+          <p:cNvPr id="3" name="Text Placeholder 2"/>
+          <p:cNvSpPr>
+            <a:spLocks noGrp="1"/>
+          </p:cNvSpPr>
+          <p:nvPr>
+            <p:ph type="body" sz="quarter" idx="11"/>
+          </p:nvPr>
+        </p:nvSpPr>
+        <p:spPr>
+          <a:xfrm>
+            <a:off x="457200" y="3930588"/>
+            <a:ext cx="8228013" cy="2673412"/>
+          </a:xfrm>
+        </p:spPr>
+        <p:txBody>
+          <a:bodyPr/>
+          <a:lstStyle/>
+          <a:p>
+            <a:r>
+              <a:rPr lang="en-US" dirty="0" smtClean="0">
+                <a:latin typeface="+mn-lt"/>
+              </a:rPr>
+              <a:t>Promises (Q, Q-IO)</a:t>
+            </a:r>
+          </a:p>
+          <a:p>
+            <a:r>
+              <a:rPr lang="en-US" dirty="0" err="1" smtClean="0">
+                <a:latin typeface="+mn-lt"/>
+              </a:rPr>
+              <a:t>ECMAScript</a:t>
+            </a:r>
+            <a:r>
+              <a:rPr lang="en-US" dirty="0" smtClean="0">
+                <a:latin typeface="+mn-lt"/>
+              </a:rPr>
+              <a:t> 6, yield/continuations</a:t>
+            </a:r>
+            <a:endParaRPr lang="en-US" dirty="0">
+              <a:latin typeface="+mn-lt"/>
+            </a:endParaRPr>
+          </a:p>
+        </p:txBody>
+      </p:sp>
+      <p:pic>
+        <p:nvPicPr>
+          <p:cNvPr id="5" name="Picture 4"/>
+          <p:cNvPicPr>
+            <a:picLocks noChangeAspect="1"/>
+          </p:cNvPicPr>
+          <p:nvPr/>
+        </p:nvPicPr>
+        <p:blipFill>
+          <a:blip r:embed="rId2"/>
+          <a:stretch>
+            <a:fillRect/>
+          </a:stretch>
+        </p:blipFill>
+        <p:spPr>
+          <a:xfrm>
+            <a:off x="175161" y="1743438"/>
+            <a:ext cx="8771781" cy="1696324"/>
+          </a:xfrm>
+          <a:prstGeom prst="rect">
+            <a:avLst/>
+          </a:prstGeom>
+        </p:spPr>
+      </p:pic>
+    </p:spTree>
+    <p:extLst>
+      <p:ext uri="{BB962C8B-B14F-4D97-AF65-F5344CB8AC3E}">
+        <p14:creationId xmlns:p14="http://schemas.microsoft.com/office/powerpoint/2010/main" val="2326834256"/>
+      </p:ext>
+    </p:extLst>
+  </p:cSld>
+  <p:clrMapOvr>
+    <a:masterClrMapping/>
+  </p:clrMapOvr>
+  <p:timing>
+    <p:tnLst>
+      <p:par>
+        <p:cTn id="1" dur="indefinite" restart="never" nodeType="tmRoot"/>
+      </p:par>
+    </p:tnLst>
+  </p:timing>
+</p:sld>
+</file>
+
+<file path=ppt/slides/slide33.xml><?xml version="1.0" encoding="utf-8"?>
+<p:sld xmlns:a="http://schemas.openxmlformats.org/drawingml/2006/main" xmlns:r="http://schemas.openxmlformats.org/officeDocument/2006/relationships" xmlns:p="http://schemas.openxmlformats.org/presentationml/2006/main">
+  <p:cSld>
+    <p:spTree>
+      <p:nvGrpSpPr>
+        <p:cNvPr id="1" name=""/>
+        <p:cNvGrpSpPr/>
+        <p:nvPr/>
+      </p:nvGrpSpPr>
+      <p:grpSpPr>
+        <a:xfrm>
+          <a:off x="0" y="0"/>
+          <a:ext cx="0" cy="0"/>
+          <a:chOff x="0" y="0"/>
+          <a:chExt cx="0" cy="0"/>
+        </a:xfrm>
+      </p:grpSpPr>
+      <p:sp>
+        <p:nvSpPr>
+          <p:cNvPr id="2" name="Text Placeholder 1"/>
+          <p:cNvSpPr>
+            <a:spLocks noGrp="1"/>
+          </p:cNvSpPr>
+          <p:nvPr>
+            <p:ph type="body" sz="quarter" idx="10"/>
+          </p:nvPr>
+        </p:nvSpPr>
+        <p:spPr/>
+        <p:txBody>
+          <a:bodyPr/>
+          <a:lstStyle/>
+          <a:p>
+            <a:r>
               <a:rPr lang="en-US" dirty="0" smtClean="0"/>
               <a:t>Solid development toolset</a:t>
             </a:r>
@@ -18552,7 +20068,7 @@
 </p:sld>
 </file>
 
-<file path=ppt/slides/slide31.xml><?xml version="1.0" encoding="utf-8"?>
+<file path=ppt/slides/slide34.xml><?xml version="1.0" encoding="utf-8"?>
 <p:sld xmlns:a="http://schemas.openxmlformats.org/drawingml/2006/main" xmlns:r="http://schemas.openxmlformats.org/officeDocument/2006/relationships" xmlns:p="http://schemas.openxmlformats.org/presentationml/2006/main">
   <p:cSld>
     <p:spTree>
@@ -18665,7 +20181,7 @@
 </p:sld>
 </file>
 
-<file path=ppt/slides/slide32.xml><?xml version="1.0" encoding="utf-8"?>
+<file path=ppt/slides/slide35.xml><?xml version="1.0" encoding="utf-8"?>
 <p:sld xmlns:a="http://schemas.openxmlformats.org/drawingml/2006/main" xmlns:r="http://schemas.openxmlformats.org/officeDocument/2006/relationships" xmlns:p="http://schemas.openxmlformats.org/presentationml/2006/main">
   <p:cSld>
     <p:spTree>
@@ -18780,7 +20296,7 @@
 </p:sld>
 </file>
 
-<file path=ppt/slides/slide33.xml><?xml version="1.0" encoding="utf-8"?>
+<file path=ppt/slides/slide36.xml><?xml version="1.0" encoding="utf-8"?>
 <p:sld xmlns:a="http://schemas.openxmlformats.org/drawingml/2006/main" xmlns:r="http://schemas.openxmlformats.org/officeDocument/2006/relationships" xmlns:p="http://schemas.openxmlformats.org/presentationml/2006/main">
   <p:cSld>
     <p:spTree>
@@ -18932,7 +20448,7 @@
           <a:noFill/>
           <a:extLst>
             <a:ext uri="{909E8E84-426E-40dd-AFC4-6F175D3DCCD1}">
-              <a14:hiddenFill xmlns:a14="http://schemas.microsoft.com/office/drawing/2010/main" xmlns="">
+              <a14:hiddenFill xmlns="" xmlns:a14="http://schemas.microsoft.com/office/drawing/2010/main">
                 <a:solidFill>
                   <a:srgbClr val="FFFFFF"/>
                 </a:solidFill>
@@ -19009,7 +20525,7 @@
 </p:sld>
 </file>
 
-<file path=ppt/slides/slide34.xml><?xml version="1.0" encoding="utf-8"?>
+<file path=ppt/slides/slide37.xml><?xml version="1.0" encoding="utf-8"?>
 <p:sld xmlns:a="http://schemas.openxmlformats.org/drawingml/2006/main" xmlns:r="http://schemas.openxmlformats.org/officeDocument/2006/relationships" xmlns:p="http://schemas.openxmlformats.org/presentationml/2006/main">
   <p:cSld>
     <p:spTree>
@@ -19153,7 +20669,7 @@
           <a:noFill/>
           <a:extLst>
             <a:ext uri="{909E8E84-426E-40dd-AFC4-6F175D3DCCD1}">
-              <a14:hiddenFill xmlns:a14="http://schemas.microsoft.com/office/drawing/2010/main" xmlns="">
+              <a14:hiddenFill xmlns="" xmlns:a14="http://schemas.microsoft.com/office/drawing/2010/main">
                 <a:solidFill>
                   <a:srgbClr val="FFFFFF"/>
                 </a:solidFill>
@@ -19182,7 +20698,7 @@
 </p:sld>
 </file>
 
-<file path=ppt/slides/slide35.xml><?xml version="1.0" encoding="utf-8"?>
+<file path=ppt/slides/slide38.xml><?xml version="1.0" encoding="utf-8"?>
 <p:sld xmlns:a="http://schemas.openxmlformats.org/drawingml/2006/main" xmlns:r="http://schemas.openxmlformats.org/officeDocument/2006/relationships" xmlns:p="http://schemas.openxmlformats.org/presentationml/2006/main">
   <p:cSld>
     <p:spTree>
@@ -20254,47 +21770,608 @@
           <a:lstStyle/>
           <a:p>
             <a:r>
-              <a:rPr lang="es-ES_tradnl" dirty="0" err="1" smtClean="0"/>
-              <a:t>Callbacks</a:t>
+              <a:rPr lang="en-US" dirty="0" smtClean="0"/>
+              <a:t>Single </a:t>
+            </a:r>
+            <a:r>
+              <a:rPr lang="en-US" dirty="0" smtClean="0"/>
+              <a:t>threaded!</a:t>
             </a:r>
             <a:endParaRPr lang="en-US" dirty="0"/>
           </a:p>
         </p:txBody>
       </p:sp>
-      <p:pic>
-        <p:nvPicPr>
-          <p:cNvPr id="4" name="Picture 3" descr="Screen Clipping"/>
-          <p:cNvPicPr>
-            <a:picLocks noChangeAspect="1"/>
-          </p:cNvPicPr>
+      <p:cxnSp>
+        <p:nvCxnSpPr>
+          <p:cNvPr id="4" name="Straight Connector 3"/>
+          <p:cNvCxnSpPr/>
           <p:nvPr/>
-        </p:nvPicPr>
-        <p:blipFill>
-          <a:blip r:embed="rId2">
-            <a:extLst>
-              <a:ext uri="{28A0092B-C50C-407E-A947-70E740481C1C}">
-                <a14:useLocalDpi xmlns:a14="http://schemas.microsoft.com/office/drawing/2010/main" val="0"/>
-              </a:ext>
-            </a:extLst>
-          </a:blip>
-          <a:stretch>
-            <a:fillRect/>
-          </a:stretch>
-        </p:blipFill>
+        </p:nvCxnSpPr>
         <p:spPr>
           <a:xfrm>
-            <a:off x="1624782" y="2348372"/>
-            <a:ext cx="5483978" cy="2430892"/>
+            <a:off x="0" y="3901440"/>
+            <a:ext cx="743712" cy="0"/>
+          </a:xfrm>
+          <a:prstGeom prst="line">
+            <a:avLst/>
+          </a:prstGeom>
+          <a:ln w="76200"/>
+        </p:spPr>
+        <p:style>
+          <a:lnRef idx="3">
+            <a:schemeClr val="accent6"/>
+          </a:lnRef>
+          <a:fillRef idx="0">
+            <a:schemeClr val="accent6"/>
+          </a:fillRef>
+          <a:effectRef idx="2">
+            <a:schemeClr val="accent6"/>
+          </a:effectRef>
+          <a:fontRef idx="minor">
+            <a:schemeClr val="tx1"/>
+          </a:fontRef>
+        </p:style>
+      </p:cxnSp>
+      <p:cxnSp>
+        <p:nvCxnSpPr>
+          <p:cNvPr id="5" name="Straight Connector 4"/>
+          <p:cNvCxnSpPr/>
+          <p:nvPr/>
+        </p:nvCxnSpPr>
+        <p:spPr>
+          <a:xfrm>
+            <a:off x="743712" y="3468624"/>
+            <a:ext cx="743712" cy="0"/>
+          </a:xfrm>
+          <a:prstGeom prst="line">
+            <a:avLst/>
+          </a:prstGeom>
+          <a:ln w="76200"/>
+        </p:spPr>
+        <p:style>
+          <a:lnRef idx="3">
+            <a:schemeClr val="accent6"/>
+          </a:lnRef>
+          <a:fillRef idx="0">
+            <a:schemeClr val="accent6"/>
+          </a:fillRef>
+          <a:effectRef idx="2">
+            <a:schemeClr val="accent6"/>
+          </a:effectRef>
+          <a:fontRef idx="minor">
+            <a:schemeClr val="tx1"/>
+          </a:fontRef>
+        </p:style>
+      </p:cxnSp>
+      <p:cxnSp>
+        <p:nvCxnSpPr>
+          <p:cNvPr id="6" name="Straight Connector 5"/>
+          <p:cNvCxnSpPr/>
+          <p:nvPr/>
+        </p:nvCxnSpPr>
+        <p:spPr>
+          <a:xfrm>
+            <a:off x="1487424" y="4334256"/>
+            <a:ext cx="1316736" cy="0"/>
+          </a:xfrm>
+          <a:prstGeom prst="line">
+            <a:avLst/>
+          </a:prstGeom>
+          <a:ln w="76200"/>
+        </p:spPr>
+        <p:style>
+          <a:lnRef idx="3">
+            <a:schemeClr val="accent6"/>
+          </a:lnRef>
+          <a:fillRef idx="0">
+            <a:schemeClr val="accent6"/>
+          </a:fillRef>
+          <a:effectRef idx="2">
+            <a:schemeClr val="accent6"/>
+          </a:effectRef>
+          <a:fontRef idx="minor">
+            <a:schemeClr val="tx1"/>
+          </a:fontRef>
+        </p:style>
+      </p:cxnSp>
+      <p:cxnSp>
+        <p:nvCxnSpPr>
+          <p:cNvPr id="8" name="Straight Connector 7"/>
+          <p:cNvCxnSpPr/>
+          <p:nvPr/>
+        </p:nvCxnSpPr>
+        <p:spPr>
+          <a:xfrm>
+            <a:off x="2950464" y="3901440"/>
+            <a:ext cx="743712" cy="0"/>
+          </a:xfrm>
+          <a:prstGeom prst="line">
+            <a:avLst/>
+          </a:prstGeom>
+          <a:ln w="76200"/>
+        </p:spPr>
+        <p:style>
+          <a:lnRef idx="3">
+            <a:schemeClr val="accent6"/>
+          </a:lnRef>
+          <a:fillRef idx="0">
+            <a:schemeClr val="accent6"/>
+          </a:fillRef>
+          <a:effectRef idx="2">
+            <a:schemeClr val="accent6"/>
+          </a:effectRef>
+          <a:fontRef idx="minor">
+            <a:schemeClr val="tx1"/>
+          </a:fontRef>
+        </p:style>
+      </p:cxnSp>
+      <p:cxnSp>
+        <p:nvCxnSpPr>
+          <p:cNvPr id="10" name="Straight Connector 9"/>
+          <p:cNvCxnSpPr/>
+          <p:nvPr/>
+        </p:nvCxnSpPr>
+        <p:spPr>
+          <a:xfrm>
+            <a:off x="3901440" y="2974848"/>
+            <a:ext cx="1182624" cy="0"/>
+          </a:xfrm>
+          <a:prstGeom prst="line">
+            <a:avLst/>
+          </a:prstGeom>
+          <a:ln w="76200"/>
+        </p:spPr>
+        <p:style>
+          <a:lnRef idx="3">
+            <a:schemeClr val="accent6"/>
+          </a:lnRef>
+          <a:fillRef idx="0">
+            <a:schemeClr val="accent6"/>
+          </a:fillRef>
+          <a:effectRef idx="2">
+            <a:schemeClr val="accent6"/>
+          </a:effectRef>
+          <a:fontRef idx="minor">
+            <a:schemeClr val="tx1"/>
+          </a:fontRef>
+        </p:style>
+      </p:cxnSp>
+      <p:cxnSp>
+        <p:nvCxnSpPr>
+          <p:cNvPr id="12" name="Straight Connector 11"/>
+          <p:cNvCxnSpPr/>
+          <p:nvPr/>
+        </p:nvCxnSpPr>
+        <p:spPr>
+          <a:xfrm>
+            <a:off x="5449824" y="4791456"/>
+            <a:ext cx="1182624" cy="0"/>
+          </a:xfrm>
+          <a:prstGeom prst="line">
+            <a:avLst/>
+          </a:prstGeom>
+          <a:ln w="76200"/>
+        </p:spPr>
+        <p:style>
+          <a:lnRef idx="3">
+            <a:schemeClr val="accent6"/>
+          </a:lnRef>
+          <a:fillRef idx="0">
+            <a:schemeClr val="accent6"/>
+          </a:fillRef>
+          <a:effectRef idx="2">
+            <a:schemeClr val="accent6"/>
+          </a:effectRef>
+          <a:fontRef idx="minor">
+            <a:schemeClr val="tx1"/>
+          </a:fontRef>
+        </p:style>
+      </p:cxnSp>
+      <p:cxnSp>
+        <p:nvCxnSpPr>
+          <p:cNvPr id="13" name="Straight Connector 12"/>
+          <p:cNvCxnSpPr/>
+          <p:nvPr/>
+        </p:nvCxnSpPr>
+        <p:spPr>
+          <a:xfrm>
+            <a:off x="6723888" y="4328160"/>
+            <a:ext cx="688848" cy="0"/>
+          </a:xfrm>
+          <a:prstGeom prst="line">
+            <a:avLst/>
+          </a:prstGeom>
+          <a:ln w="76200"/>
+        </p:spPr>
+        <p:style>
+          <a:lnRef idx="3">
+            <a:schemeClr val="accent6"/>
+          </a:lnRef>
+          <a:fillRef idx="0">
+            <a:schemeClr val="accent6"/>
+          </a:fillRef>
+          <a:effectRef idx="2">
+            <a:schemeClr val="accent6"/>
+          </a:effectRef>
+          <a:fontRef idx="minor">
+            <a:schemeClr val="tx1"/>
+          </a:fontRef>
+        </p:style>
+      </p:cxnSp>
+      <p:cxnSp>
+        <p:nvCxnSpPr>
+          <p:cNvPr id="15" name="Straight Connector 14"/>
+          <p:cNvCxnSpPr/>
+          <p:nvPr/>
+        </p:nvCxnSpPr>
+        <p:spPr>
+          <a:xfrm>
+            <a:off x="7412736" y="3901440"/>
+            <a:ext cx="688848" cy="0"/>
+          </a:xfrm>
+          <a:prstGeom prst="line">
+            <a:avLst/>
+          </a:prstGeom>
+          <a:ln w="76200"/>
+        </p:spPr>
+        <p:style>
+          <a:lnRef idx="3">
+            <a:schemeClr val="accent6"/>
+          </a:lnRef>
+          <a:fillRef idx="0">
+            <a:schemeClr val="accent6"/>
+          </a:fillRef>
+          <a:effectRef idx="2">
+            <a:schemeClr val="accent6"/>
+          </a:effectRef>
+          <a:fontRef idx="minor">
+            <a:schemeClr val="tx1"/>
+          </a:fontRef>
+        </p:style>
+      </p:cxnSp>
+      <p:cxnSp>
+        <p:nvCxnSpPr>
+          <p:cNvPr id="19" name="Straight Arrow Connector 18"/>
+          <p:cNvCxnSpPr>
+            <a:stCxn id="21" idx="0"/>
+          </p:cNvCxnSpPr>
+          <p:nvPr/>
+        </p:nvCxnSpPr>
+        <p:spPr>
+          <a:xfrm flipH="1" flipV="1">
+            <a:off x="743712" y="3901440"/>
+            <a:ext cx="292608" cy="926592"/>
+          </a:xfrm>
+          <a:prstGeom prst="straightConnector1">
+            <a:avLst/>
+          </a:prstGeom>
+          <a:ln>
+            <a:tailEnd type="triangle"/>
+          </a:ln>
+        </p:spPr>
+        <p:style>
+          <a:lnRef idx="1">
+            <a:schemeClr val="accent1"/>
+          </a:lnRef>
+          <a:fillRef idx="0">
+            <a:schemeClr val="accent1"/>
+          </a:fillRef>
+          <a:effectRef idx="0">
+            <a:schemeClr val="accent1"/>
+          </a:effectRef>
+          <a:fontRef idx="minor">
+            <a:schemeClr val="tx1"/>
+          </a:fontRef>
+        </p:style>
+      </p:cxnSp>
+      <p:sp>
+        <p:nvSpPr>
+          <p:cNvPr id="21" name="TextBox 20"/>
+          <p:cNvSpPr txBox="1"/>
+          <p:nvPr/>
+        </p:nvSpPr>
+        <p:spPr>
+          <a:xfrm>
+            <a:off x="371856" y="4828032"/>
+            <a:ext cx="1328928" cy="369332"/>
           </a:xfrm>
           <a:prstGeom prst="rect">
             <a:avLst/>
           </a:prstGeom>
+          <a:noFill/>
         </p:spPr>
-      </p:pic>
+        <p:txBody>
+          <a:bodyPr wrap="square" rtlCol="0">
+            <a:spAutoFit/>
+          </a:bodyPr>
+          <a:lstStyle/>
+          <a:p>
+            <a:r>
+              <a:rPr lang="es-ES_tradnl" dirty="0" err="1" smtClean="0"/>
+              <a:t>Wait</a:t>
+            </a:r>
+            <a:r>
+              <a:rPr lang="es-ES_tradnl" dirty="0" smtClean="0"/>
+              <a:t> </a:t>
+            </a:r>
+            <a:r>
+              <a:rPr lang="es-ES_tradnl" dirty="0" err="1" smtClean="0"/>
+              <a:t>for</a:t>
+            </a:r>
+            <a:r>
+              <a:rPr lang="es-ES_tradnl" dirty="0" smtClean="0"/>
+              <a:t> I/O</a:t>
+            </a:r>
+            <a:endParaRPr lang="en-US" dirty="0"/>
+          </a:p>
+        </p:txBody>
+      </p:sp>
+      <p:cxnSp>
+        <p:nvCxnSpPr>
+          <p:cNvPr id="24" name="Straight Arrow Connector 23"/>
+          <p:cNvCxnSpPr>
+            <a:stCxn id="25" idx="0"/>
+          </p:cNvCxnSpPr>
+          <p:nvPr/>
+        </p:nvCxnSpPr>
+        <p:spPr>
+          <a:xfrm flipH="1" flipV="1">
+            <a:off x="2816352" y="4270772"/>
+            <a:ext cx="292608" cy="926592"/>
+          </a:xfrm>
+          <a:prstGeom prst="straightConnector1">
+            <a:avLst/>
+          </a:prstGeom>
+          <a:ln>
+            <a:tailEnd type="triangle"/>
+          </a:ln>
+        </p:spPr>
+        <p:style>
+          <a:lnRef idx="1">
+            <a:schemeClr val="accent1"/>
+          </a:lnRef>
+          <a:fillRef idx="0">
+            <a:schemeClr val="accent1"/>
+          </a:fillRef>
+          <a:effectRef idx="0">
+            <a:schemeClr val="accent1"/>
+          </a:effectRef>
+          <a:fontRef idx="minor">
+            <a:schemeClr val="tx1"/>
+          </a:fontRef>
+        </p:style>
+      </p:cxnSp>
+      <p:sp>
+        <p:nvSpPr>
+          <p:cNvPr id="25" name="TextBox 24"/>
+          <p:cNvSpPr txBox="1"/>
+          <p:nvPr/>
+        </p:nvSpPr>
+        <p:spPr>
+          <a:xfrm>
+            <a:off x="2444496" y="5197364"/>
+            <a:ext cx="1328928" cy="369332"/>
+          </a:xfrm>
+          <a:prstGeom prst="rect">
+            <a:avLst/>
+          </a:prstGeom>
+          <a:noFill/>
+        </p:spPr>
+        <p:txBody>
+          <a:bodyPr wrap="square" rtlCol="0">
+            <a:spAutoFit/>
+          </a:bodyPr>
+          <a:lstStyle/>
+          <a:p>
+            <a:r>
+              <a:rPr lang="es-ES_tradnl" dirty="0" err="1" smtClean="0"/>
+              <a:t>Wait</a:t>
+            </a:r>
+            <a:r>
+              <a:rPr lang="es-ES_tradnl" dirty="0" smtClean="0"/>
+              <a:t> </a:t>
+            </a:r>
+            <a:r>
+              <a:rPr lang="es-ES_tradnl" dirty="0" err="1" smtClean="0"/>
+              <a:t>for</a:t>
+            </a:r>
+            <a:r>
+              <a:rPr lang="es-ES_tradnl" dirty="0" smtClean="0"/>
+              <a:t> I/O</a:t>
+            </a:r>
+            <a:endParaRPr lang="en-US" dirty="0"/>
+          </a:p>
+        </p:txBody>
+      </p:sp>
+      <p:sp>
+        <p:nvSpPr>
+          <p:cNvPr id="26" name="TextBox 25"/>
+          <p:cNvSpPr txBox="1"/>
+          <p:nvPr/>
+        </p:nvSpPr>
+        <p:spPr>
+          <a:xfrm>
+            <a:off x="5303520" y="2118492"/>
+            <a:ext cx="1328928" cy="646331"/>
+          </a:xfrm>
+          <a:prstGeom prst="rect">
+            <a:avLst/>
+          </a:prstGeom>
+          <a:noFill/>
+        </p:spPr>
+        <p:txBody>
+          <a:bodyPr wrap="square" rtlCol="0">
+            <a:spAutoFit/>
+          </a:bodyPr>
+          <a:lstStyle/>
+          <a:p>
+            <a:r>
+              <a:rPr lang="es-ES_tradnl" dirty="0" err="1" smtClean="0"/>
+              <a:t>Wait</a:t>
+            </a:r>
+            <a:r>
+              <a:rPr lang="es-ES_tradnl" dirty="0" smtClean="0"/>
+              <a:t> </a:t>
+            </a:r>
+            <a:r>
+              <a:rPr lang="es-ES_tradnl" dirty="0" err="1" smtClean="0"/>
+              <a:t>for</a:t>
+            </a:r>
+            <a:r>
+              <a:rPr lang="es-ES_tradnl" dirty="0" smtClean="0"/>
+              <a:t> </a:t>
+            </a:r>
+            <a:r>
+              <a:rPr lang="es-ES_tradnl" dirty="0" err="1" smtClean="0"/>
+              <a:t>callback</a:t>
+            </a:r>
+            <a:endParaRPr lang="en-US" dirty="0"/>
+          </a:p>
+        </p:txBody>
+      </p:sp>
+      <p:cxnSp>
+        <p:nvCxnSpPr>
+          <p:cNvPr id="27" name="Straight Arrow Connector 26"/>
+          <p:cNvCxnSpPr>
+            <a:stCxn id="26" idx="2"/>
+          </p:cNvCxnSpPr>
+          <p:nvPr/>
+        </p:nvCxnSpPr>
+        <p:spPr>
+          <a:xfrm flipH="1">
+            <a:off x="5084064" y="2764823"/>
+            <a:ext cx="883920" cy="210025"/>
+          </a:xfrm>
+          <a:prstGeom prst="straightConnector1">
+            <a:avLst/>
+          </a:prstGeom>
+          <a:ln>
+            <a:tailEnd type="triangle"/>
+          </a:ln>
+        </p:spPr>
+        <p:style>
+          <a:lnRef idx="1">
+            <a:schemeClr val="accent1"/>
+          </a:lnRef>
+          <a:fillRef idx="0">
+            <a:schemeClr val="accent1"/>
+          </a:fillRef>
+          <a:effectRef idx="0">
+            <a:schemeClr val="accent1"/>
+          </a:effectRef>
+          <a:fontRef idx="minor">
+            <a:schemeClr val="tx1"/>
+          </a:fontRef>
+        </p:style>
+      </p:cxnSp>
+      <p:cxnSp>
+        <p:nvCxnSpPr>
+          <p:cNvPr id="30" name="Straight Connector 29"/>
+          <p:cNvCxnSpPr/>
+          <p:nvPr/>
+        </p:nvCxnSpPr>
+        <p:spPr>
+          <a:xfrm>
+            <a:off x="8101584" y="3034427"/>
+            <a:ext cx="1031811" cy="0"/>
+          </a:xfrm>
+          <a:prstGeom prst="line">
+            <a:avLst/>
+          </a:prstGeom>
+          <a:ln w="76200"/>
+        </p:spPr>
+        <p:style>
+          <a:lnRef idx="3">
+            <a:schemeClr val="accent6"/>
+          </a:lnRef>
+          <a:fillRef idx="0">
+            <a:schemeClr val="accent6"/>
+          </a:fillRef>
+          <a:effectRef idx="2">
+            <a:schemeClr val="accent6"/>
+          </a:effectRef>
+          <a:fontRef idx="minor">
+            <a:schemeClr val="tx1"/>
+          </a:fontRef>
+        </p:style>
+      </p:cxnSp>
+      <p:sp>
+        <p:nvSpPr>
+          <p:cNvPr id="31" name="TextBox 30"/>
+          <p:cNvSpPr txBox="1"/>
+          <p:nvPr/>
+        </p:nvSpPr>
+        <p:spPr>
+          <a:xfrm>
+            <a:off x="7025640" y="1929438"/>
+            <a:ext cx="1328928" cy="646331"/>
+          </a:xfrm>
+          <a:prstGeom prst="rect">
+            <a:avLst/>
+          </a:prstGeom>
+          <a:noFill/>
+        </p:spPr>
+        <p:txBody>
+          <a:bodyPr wrap="square" rtlCol="0">
+            <a:spAutoFit/>
+          </a:bodyPr>
+          <a:lstStyle/>
+          <a:p>
+            <a:r>
+              <a:rPr lang="es-ES_tradnl" dirty="0" err="1" smtClean="0"/>
+              <a:t>Callback</a:t>
+            </a:r>
+            <a:r>
+              <a:rPr lang="es-ES_tradnl" dirty="0" smtClean="0"/>
+              <a:t> </a:t>
+            </a:r>
+            <a:r>
+              <a:rPr lang="es-ES_tradnl" dirty="0" err="1" smtClean="0"/>
+              <a:t>ready</a:t>
+            </a:r>
+            <a:endParaRPr lang="en-US" dirty="0"/>
+          </a:p>
+        </p:txBody>
+      </p:sp>
+      <p:cxnSp>
+        <p:nvCxnSpPr>
+          <p:cNvPr id="32" name="Straight Arrow Connector 31"/>
+          <p:cNvCxnSpPr>
+            <a:stCxn id="31" idx="2"/>
+          </p:cNvCxnSpPr>
+          <p:nvPr/>
+        </p:nvCxnSpPr>
+        <p:spPr>
+          <a:xfrm>
+            <a:off x="7690104" y="2575769"/>
+            <a:ext cx="393192" cy="458658"/>
+          </a:xfrm>
+          <a:prstGeom prst="straightConnector1">
+            <a:avLst/>
+          </a:prstGeom>
+          <a:ln>
+            <a:tailEnd type="triangle"/>
+          </a:ln>
+        </p:spPr>
+        <p:style>
+          <a:lnRef idx="1">
+            <a:schemeClr val="accent1"/>
+          </a:lnRef>
+          <a:fillRef idx="0">
+            <a:schemeClr val="accent1"/>
+          </a:fillRef>
+          <a:effectRef idx="0">
+            <a:schemeClr val="accent1"/>
+          </a:effectRef>
+          <a:fontRef idx="minor">
+            <a:schemeClr val="tx1"/>
+          </a:fontRef>
+        </p:style>
+      </p:cxnSp>
     </p:spTree>
     <p:extLst>
       <p:ext uri="{BB962C8B-B14F-4D97-AF65-F5344CB8AC3E}">
-        <p14:creationId xmlns:p14="http://schemas.microsoft.com/office/powerpoint/2010/main" val="2615241765"/>
+        <p14:creationId xmlns:p14="http://schemas.microsoft.com/office/powerpoint/2010/main" val="1183131070"/>
       </p:ext>
     </p:extLst>
   </p:cSld>
@@ -21143,6 +23220,23 @@
 </file>
 
 <file path=customXml/item1.xml><?xml version="1.0" encoding="utf-8"?>
+<?mso-contentType ?>
+<FormTemplates xmlns="http://schemas.microsoft.com/sharepoint/v3/contenttype/forms">
+  <Display>DocumentLibraryForm</Display>
+  <Edit>DocumentLibraryForm</Edit>
+  <New>DocumentLibraryForm</New>
+</FormTemplates>
+</file>
+
+<file path=customXml/item2.xml><?xml version="1.0" encoding="utf-8"?>
+<p:properties xmlns:p="http://schemas.microsoft.com/office/2006/metadata/properties" xmlns:xsi="http://www.w3.org/2001/XMLSchema-instance">
+  <documentManagement>
+    <Description0 xmlns="bc841b31-d549-43ed-bc47-0086310aa7e9" xsi:nil="true"/>
+  </documentManagement>
+</p:properties>
+</file>
+
+<file path=customXml/item3.xml><?xml version="1.0" encoding="utf-8"?>
 <ct:contentTypeSchema xmlns:ct="http://schemas.microsoft.com/office/2006/metadata/contentType" xmlns:ma="http://schemas.microsoft.com/office/2006/metadata/properties/metaAttributes" ct:_="" ma:_="" ma:contentTypeName="Document" ma:contentTypeID="0x0101007F480F3B2C10C74BB61478E4247D6E77" ma:contentTypeVersion="3" ma:contentTypeDescription="Create a new document." ma:contentTypeScope="" ma:versionID="0a17b51e545e5dc99b3a8c800de36e6f">
   <xsd:schema xmlns:xsd="http://www.w3.org/2001/XMLSchema" xmlns:p="http://schemas.microsoft.com/office/2006/metadata/properties" xmlns:ns2="bc841b31-d549-43ed-bc47-0086310aa7e9" targetNamespace="http://schemas.microsoft.com/office/2006/metadata/properties" ma:root="true" ma:fieldsID="ca56bf6fb221c3d4ffad1469afaa8e47" ns2:_="">
     <xsd:import namespace="bc841b31-d549-43ed-bc47-0086310aa7e9"/>
@@ -21202,36 +23296,10 @@
 </ct:contentTypeSchema>
 </file>
 
-<file path=customXml/item2.xml><?xml version="1.0" encoding="utf-8"?>
-<p:properties xmlns:p="http://schemas.microsoft.com/office/2006/metadata/properties" xmlns:xsi="http://www.w3.org/2001/XMLSchema-instance">
-  <documentManagement>
-    <Description0 xmlns="bc841b31-d549-43ed-bc47-0086310aa7e9" xsi:nil="true"/>
-  </documentManagement>
-</p:properties>
-</file>
-
-<file path=customXml/item3.xml><?xml version="1.0" encoding="utf-8"?>
-<?mso-contentType ?>
-<FormTemplates xmlns="http://schemas.microsoft.com/sharepoint/v3/contenttype/forms">
-  <Display>DocumentLibraryForm</Display>
-  <Edit>DocumentLibraryForm</Edit>
-  <New>DocumentLibraryForm</New>
-</FormTemplates>
-</file>
-
 <file path=customXml/itemProps1.xml><?xml version="1.0" encoding="utf-8"?>
-<ds:datastoreItem xmlns:ds="http://schemas.openxmlformats.org/officeDocument/2006/customXml" ds:itemID="{A40DB6D2-BA18-4B64-B206-6EB920E43D85}">
+<ds:datastoreItem xmlns:ds="http://schemas.openxmlformats.org/officeDocument/2006/customXml" ds:itemID="{6721EA93-7F6E-49B2-8AC1-8B418BC0787D}">
   <ds:schemaRefs>
-    <ds:schemaRef ds:uri="http://schemas.microsoft.com/office/2006/metadata/contentType"/>
-    <ds:schemaRef ds:uri="http://schemas.microsoft.com/office/2006/metadata/properties/metaAttributes"/>
-    <ds:schemaRef ds:uri="http://www.w3.org/2001/XMLSchema"/>
-    <ds:schemaRef ds:uri="http://schemas.microsoft.com/office/2006/metadata/properties"/>
-    <ds:schemaRef ds:uri="bc841b31-d549-43ed-bc47-0086310aa7e9"/>
-    <ds:schemaRef ds:uri="http://schemas.microsoft.com/office/2006/documentManagement/types"/>
-    <ds:schemaRef ds:uri="http://schemas.openxmlformats.org/package/2006/metadata/core-properties"/>
-    <ds:schemaRef ds:uri="http://purl.org/dc/elements/1.1/"/>
-    <ds:schemaRef ds:uri="http://purl.org/dc/terms/"/>
-    <ds:schemaRef ds:uri="http://schemas.microsoft.com/office/internal/2005/internalDocumentation"/>
+    <ds:schemaRef ds:uri="http://schemas.microsoft.com/sharepoint/v3/contenttype/forms"/>
   </ds:schemaRefs>
 </ds:datastoreItem>
 </file>
@@ -21252,9 +23320,18 @@
 </file>
 
 <file path=customXml/itemProps3.xml><?xml version="1.0" encoding="utf-8"?>
-<ds:datastoreItem xmlns:ds="http://schemas.openxmlformats.org/officeDocument/2006/customXml" ds:itemID="{6721EA93-7F6E-49B2-8AC1-8B418BC0787D}">
+<ds:datastoreItem xmlns:ds="http://schemas.openxmlformats.org/officeDocument/2006/customXml" ds:itemID="{A40DB6D2-BA18-4B64-B206-6EB920E43D85}">
   <ds:schemaRefs>
-    <ds:schemaRef ds:uri="http://schemas.microsoft.com/sharepoint/v3/contenttype/forms"/>
+    <ds:schemaRef ds:uri="http://schemas.microsoft.com/office/2006/metadata/contentType"/>
+    <ds:schemaRef ds:uri="http://schemas.microsoft.com/office/2006/metadata/properties/metaAttributes"/>
+    <ds:schemaRef ds:uri="http://www.w3.org/2001/XMLSchema"/>
+    <ds:schemaRef ds:uri="http://schemas.microsoft.com/office/2006/metadata/properties"/>
+    <ds:schemaRef ds:uri="bc841b31-d549-43ed-bc47-0086310aa7e9"/>
+    <ds:schemaRef ds:uri="http://schemas.microsoft.com/office/2006/documentManagement/types"/>
+    <ds:schemaRef ds:uri="http://schemas.openxmlformats.org/package/2006/metadata/core-properties"/>
+    <ds:schemaRef ds:uri="http://purl.org/dc/elements/1.1/"/>
+    <ds:schemaRef ds:uri="http://purl.org/dc/terms/"/>
+    <ds:schemaRef ds:uri="http://schemas.microsoft.com/office/internal/2005/internalDocumentation"/>
   </ds:schemaRefs>
 </ds:datastoreItem>
 </file>